--- a/Netflix Movies and TV Shows Clustering.pptx
+++ b/Netflix Movies and TV Shows Clustering.pptx
@@ -5,10 +5,10 @@
     <p:sldMasterId id="2147483658" r:id="rId4"/>
   </p:sldMasterIdLst>
   <p:notesMasterIdLst>
-    <p:notesMasterId r:id="rId19"/>
+    <p:notesMasterId r:id="rId20"/>
   </p:notesMasterIdLst>
   <p:handoutMasterIdLst>
-    <p:handoutMasterId r:id="rId20"/>
+    <p:handoutMasterId r:id="rId21"/>
   </p:handoutMasterIdLst>
   <p:sldIdLst>
     <p:sldId id="410" r:id="rId5"/>
@@ -23,8 +23,9 @@
     <p:sldId id="389" r:id="rId14"/>
     <p:sldId id="412" r:id="rId15"/>
     <p:sldId id="435" r:id="rId16"/>
-    <p:sldId id="437" r:id="rId17"/>
-    <p:sldId id="398" r:id="rId18"/>
+    <p:sldId id="438" r:id="rId17"/>
+    <p:sldId id="437" r:id="rId18"/>
+    <p:sldId id="398" r:id="rId19"/>
   </p:sldIdLst>
   <p:sldSz cx="12192000" cy="6858000"/>
   <p:notesSz cx="6858000" cy="9144000"/>
@@ -125,10 +126,10 @@
   </p:defaultTextStyle>
   <p:extLst>
     <p:ext uri="{EFAFB233-063F-42B5-8137-9DF3F51BA10A}">
-      <p15:sldGuideLst xmlns:p15="http://schemas.microsoft.com/office/powerpoint/2012/main" xmlns=""/>
+      <p15:sldGuideLst xmlns="" xmlns:p15="http://schemas.microsoft.com/office/powerpoint/2012/main"/>
     </p:ext>
     <p:ext uri="{2D200454-40CA-4A62-9FC3-DE9A4176ACB9}">
-      <p15:notesGuideLst xmlns:p15="http://schemas.microsoft.com/office/powerpoint/2012/main" xmlns=""/>
+      <p15:notesGuideLst xmlns="" xmlns:p15="http://schemas.microsoft.com/office/powerpoint/2012/main"/>
     </p:ext>
   </p:extLst>
 </p:presentation>
@@ -173,7 +174,7 @@
           <p:cNvPr id="3" name="Date Placeholder 2">
             <a:extLst>
               <a:ext uri="{FF2B5EF4-FFF2-40B4-BE49-F238E27FC236}">
-                <a16:creationId xmlns:a16="http://schemas.microsoft.com/office/drawing/2014/main" xmlns="" id="{08F6756E-81DA-9FAC-70D8-556F658BDDA8}"/>
+                <a16:creationId xmlns="" xmlns:a16="http://schemas.microsoft.com/office/drawing/2014/main" id="{08F6756E-81DA-9FAC-70D8-556F658BDDA8}"/>
               </a:ext>
             </a:extLst>
           </p:cNvPr>
@@ -204,7 +205,7 @@
             <a:fld id="{1EBEDD12-BCD5-485B-BCBC-34BB01D7923C}" type="datetimeFigureOut">
               <a:rPr lang="en-US" smtClean="0"/>
               <a:pPr/>
-              <a:t>8/2/2025</a:t>
+              <a:t>8/3/2025</a:t>
             </a:fld>
             <a:endParaRPr lang="en-US" dirty="0"/>
           </a:p>
@@ -215,7 +216,7 @@
           <p:cNvPr id="6" name="Slide Number Placeholder 5">
             <a:extLst>
               <a:ext uri="{FF2B5EF4-FFF2-40B4-BE49-F238E27FC236}">
-                <a16:creationId xmlns:a16="http://schemas.microsoft.com/office/drawing/2014/main" xmlns="" id="{A771D415-D05A-7067-CCD3-457153D96CD8}"/>
+                <a16:creationId xmlns="" xmlns:a16="http://schemas.microsoft.com/office/drawing/2014/main" id="{A771D415-D05A-7067-CCD3-457153D96CD8}"/>
               </a:ext>
             </a:extLst>
           </p:cNvPr>
@@ -257,7 +258,7 @@
           <p:cNvPr id="7" name="Footer Placeholder 6">
             <a:extLst>
               <a:ext uri="{FF2B5EF4-FFF2-40B4-BE49-F238E27FC236}">
-                <a16:creationId xmlns:a16="http://schemas.microsoft.com/office/drawing/2014/main" xmlns="" id="{B97095E3-54D2-CFD2-4F49-7536FC8641DE}"/>
+                <a16:creationId xmlns="" xmlns:a16="http://schemas.microsoft.com/office/drawing/2014/main" id="{B97095E3-54D2-CFD2-4F49-7536FC8641DE}"/>
               </a:ext>
             </a:extLst>
           </p:cNvPr>
@@ -294,7 +295,7 @@
           <p:cNvPr id="8" name="Header Placeholder 7">
             <a:extLst>
               <a:ext uri="{FF2B5EF4-FFF2-40B4-BE49-F238E27FC236}">
-                <a16:creationId xmlns:a16="http://schemas.microsoft.com/office/drawing/2014/main" xmlns="" id="{521EE01A-C0B5-5ECF-96DD-768F86AA15C4}"/>
+                <a16:creationId xmlns="" xmlns:a16="http://schemas.microsoft.com/office/drawing/2014/main" id="{521EE01A-C0B5-5ECF-96DD-768F86AA15C4}"/>
               </a:ext>
             </a:extLst>
           </p:cNvPr>
@@ -329,7 +330,7 @@
     </p:spTree>
     <p:extLst>
       <p:ext uri="{BB962C8B-B14F-4D97-AF65-F5344CB8AC3E}">
-        <p14:creationId xmlns:p14="http://schemas.microsoft.com/office/powerpoint/2010/main" xmlns="" val="2653228447"/>
+        <p14:creationId xmlns="" xmlns:p14="http://schemas.microsoft.com/office/powerpoint/2010/main" val="2653228447"/>
       </p:ext>
     </p:extLst>
   </p:cSld>
@@ -420,7 +421,7 @@
             <a:fld id="{6EE7A52F-9D89-7442-A8E9-48D1527B5F6B}" type="datetimeFigureOut">
               <a:rPr lang="en-US" smtClean="0"/>
               <a:pPr/>
-              <a:t>8/2/2025</a:t>
+              <a:t>8/3/2025</a:t>
             </a:fld>
             <a:endParaRPr lang="en-US" dirty="0"/>
           </a:p>
@@ -588,7 +589,7 @@
     </p:spTree>
     <p:extLst>
       <p:ext uri="{BB962C8B-B14F-4D97-AF65-F5344CB8AC3E}">
-        <p14:creationId xmlns:p14="http://schemas.microsoft.com/office/powerpoint/2010/main" xmlns="" val="4032528379"/>
+        <p14:creationId xmlns="" xmlns:p14="http://schemas.microsoft.com/office/powerpoint/2010/main" val="4032528379"/>
       </p:ext>
     </p:extLst>
   </p:cSld>
@@ -763,7 +764,7 @@
     </p:spTree>
     <p:extLst>
       <p:ext uri="{BB962C8B-B14F-4D97-AF65-F5344CB8AC3E}">
-        <p14:creationId xmlns:p14="http://schemas.microsoft.com/office/powerpoint/2010/main" xmlns="" val="1092453862"/>
+        <p14:creationId xmlns="" xmlns:p14="http://schemas.microsoft.com/office/powerpoint/2010/main" val="1092453862"/>
       </p:ext>
     </p:extLst>
   </p:cSld>
@@ -848,7 +849,7 @@
     </p:spTree>
     <p:extLst>
       <p:ext uri="{BB962C8B-B14F-4D97-AF65-F5344CB8AC3E}">
-        <p14:creationId xmlns:p14="http://schemas.microsoft.com/office/powerpoint/2010/main" xmlns="" val="3576248012"/>
+        <p14:creationId xmlns="" xmlns:p14="http://schemas.microsoft.com/office/powerpoint/2010/main" val="3576248012"/>
       </p:ext>
     </p:extLst>
   </p:cSld>
@@ -933,7 +934,7 @@
     </p:spTree>
     <p:extLst>
       <p:ext uri="{BB962C8B-B14F-4D97-AF65-F5344CB8AC3E}">
-        <p14:creationId xmlns:p14="http://schemas.microsoft.com/office/powerpoint/2010/main" xmlns="" val="3908276564"/>
+        <p14:creationId xmlns="" xmlns:p14="http://schemas.microsoft.com/office/powerpoint/2010/main" val="3908276564"/>
       </p:ext>
     </p:extLst>
   </p:cSld>
@@ -1018,7 +1019,7 @@
     </p:spTree>
     <p:extLst>
       <p:ext uri="{BB962C8B-B14F-4D97-AF65-F5344CB8AC3E}">
-        <p14:creationId xmlns:p14="http://schemas.microsoft.com/office/powerpoint/2010/main" xmlns="" val="3908276564"/>
+        <p14:creationId xmlns="" xmlns:p14="http://schemas.microsoft.com/office/powerpoint/2010/main" val="3908276564"/>
       </p:ext>
     </p:extLst>
   </p:cSld>
@@ -1103,7 +1104,7 @@
     </p:spTree>
     <p:extLst>
       <p:ext uri="{BB962C8B-B14F-4D97-AF65-F5344CB8AC3E}">
-        <p14:creationId xmlns:p14="http://schemas.microsoft.com/office/powerpoint/2010/main" xmlns="" val="3908276564"/>
+        <p14:creationId xmlns="" xmlns:p14="http://schemas.microsoft.com/office/powerpoint/2010/main" val="3908276564"/>
       </p:ext>
     </p:extLst>
   </p:cSld>
@@ -1188,7 +1189,92 @@
     </p:spTree>
     <p:extLst>
       <p:ext uri="{BB962C8B-B14F-4D97-AF65-F5344CB8AC3E}">
-        <p14:creationId xmlns:p14="http://schemas.microsoft.com/office/powerpoint/2010/main" xmlns="" val="1765923172"/>
+        <p14:creationId xmlns="" xmlns:p14="http://schemas.microsoft.com/office/powerpoint/2010/main" val="3908276564"/>
+      </p:ext>
+    </p:extLst>
+  </p:cSld>
+  <p:clrMapOvr>
+    <a:masterClrMapping/>
+  </p:clrMapOvr>
+</p:notes>
+</file>
+
+<file path=ppt/notesSlides/notesSlide15.xml><?xml version="1.0" encoding="utf-8"?>
+<p:notes xmlns:a="http://schemas.openxmlformats.org/drawingml/2006/main" xmlns:r="http://schemas.openxmlformats.org/officeDocument/2006/relationships" xmlns:p="http://schemas.openxmlformats.org/presentationml/2006/main">
+  <p:cSld>
+    <p:spTree>
+      <p:nvGrpSpPr>
+        <p:cNvPr id="1" name=""/>
+        <p:cNvGrpSpPr/>
+        <p:nvPr/>
+      </p:nvGrpSpPr>
+      <p:grpSpPr>
+        <a:xfrm>
+          <a:off x="0" y="0"/>
+          <a:ext cx="0" cy="0"/>
+          <a:chOff x="0" y="0"/>
+          <a:chExt cx="0" cy="0"/>
+        </a:xfrm>
+      </p:grpSpPr>
+      <p:sp>
+        <p:nvSpPr>
+          <p:cNvPr id="2" name="Slide Image Placeholder 1"/>
+          <p:cNvSpPr>
+            <a:spLocks noGrp="1" noRot="1" noChangeAspect="1"/>
+          </p:cNvSpPr>
+          <p:nvPr>
+            <p:ph type="sldImg"/>
+          </p:nvPr>
+        </p:nvSpPr>
+        <p:spPr/>
+      </p:sp>
+      <p:sp>
+        <p:nvSpPr>
+          <p:cNvPr id="3" name="Notes Placeholder 2"/>
+          <p:cNvSpPr>
+            <a:spLocks noGrp="1"/>
+          </p:cNvSpPr>
+          <p:nvPr>
+            <p:ph type="body" idx="1"/>
+          </p:nvPr>
+        </p:nvSpPr>
+        <p:spPr/>
+        <p:txBody>
+          <a:bodyPr/>
+          <a:lstStyle/>
+          <a:p>
+            <a:endParaRPr lang="en-US" dirty="0"/>
+          </a:p>
+        </p:txBody>
+      </p:sp>
+      <p:sp>
+        <p:nvSpPr>
+          <p:cNvPr id="4" name="Slide Number Placeholder 3"/>
+          <p:cNvSpPr>
+            <a:spLocks noGrp="1"/>
+          </p:cNvSpPr>
+          <p:nvPr>
+            <p:ph type="sldNum" sz="quarter" idx="5"/>
+          </p:nvPr>
+        </p:nvSpPr>
+        <p:spPr/>
+        <p:txBody>
+          <a:bodyPr/>
+          <a:lstStyle/>
+          <a:p>
+            <a:fld id="{A89C7E07-3C67-C64C-8DA0-0404F6303970}" type="slidenum">
+              <a:rPr lang="en-US" smtClean="0"/>
+              <a:pPr/>
+              <a:t>15</a:t>
+            </a:fld>
+            <a:endParaRPr lang="en-US" dirty="0"/>
+          </a:p>
+        </p:txBody>
+      </p:sp>
+    </p:spTree>
+    <p:extLst>
+      <p:ext uri="{BB962C8B-B14F-4D97-AF65-F5344CB8AC3E}">
+        <p14:creationId xmlns="" xmlns:p14="http://schemas.microsoft.com/office/powerpoint/2010/main" val="1765923172"/>
       </p:ext>
     </p:extLst>
   </p:cSld>
@@ -1273,7 +1359,7 @@
     </p:spTree>
     <p:extLst>
       <p:ext uri="{BB962C8B-B14F-4D97-AF65-F5344CB8AC3E}">
-        <p14:creationId xmlns:p14="http://schemas.microsoft.com/office/powerpoint/2010/main" xmlns="" val="3113416817"/>
+        <p14:creationId xmlns="" xmlns:p14="http://schemas.microsoft.com/office/powerpoint/2010/main" val="3113416817"/>
       </p:ext>
     </p:extLst>
   </p:cSld>
@@ -1358,7 +1444,7 @@
     </p:spTree>
     <p:extLst>
       <p:ext uri="{BB962C8B-B14F-4D97-AF65-F5344CB8AC3E}">
-        <p14:creationId xmlns:p14="http://schemas.microsoft.com/office/powerpoint/2010/main" xmlns="" val="2730433110"/>
+        <p14:creationId xmlns="" xmlns:p14="http://schemas.microsoft.com/office/powerpoint/2010/main" val="2730433110"/>
       </p:ext>
     </p:extLst>
   </p:cSld>
@@ -1443,7 +1529,7 @@
     </p:spTree>
     <p:extLst>
       <p:ext uri="{BB962C8B-B14F-4D97-AF65-F5344CB8AC3E}">
-        <p14:creationId xmlns:p14="http://schemas.microsoft.com/office/powerpoint/2010/main" xmlns="" val="3908276564"/>
+        <p14:creationId xmlns="" xmlns:p14="http://schemas.microsoft.com/office/powerpoint/2010/main" val="3908276564"/>
       </p:ext>
     </p:extLst>
   </p:cSld>
@@ -1528,7 +1614,7 @@
     </p:spTree>
     <p:extLst>
       <p:ext uri="{BB962C8B-B14F-4D97-AF65-F5344CB8AC3E}">
-        <p14:creationId xmlns:p14="http://schemas.microsoft.com/office/powerpoint/2010/main" xmlns="" val="3908276564"/>
+        <p14:creationId xmlns="" xmlns:p14="http://schemas.microsoft.com/office/powerpoint/2010/main" val="3908276564"/>
       </p:ext>
     </p:extLst>
   </p:cSld>
@@ -1613,7 +1699,7 @@
     </p:spTree>
     <p:extLst>
       <p:ext uri="{BB962C8B-B14F-4D97-AF65-F5344CB8AC3E}">
-        <p14:creationId xmlns:p14="http://schemas.microsoft.com/office/powerpoint/2010/main" xmlns="" val="3908276564"/>
+        <p14:creationId xmlns="" xmlns:p14="http://schemas.microsoft.com/office/powerpoint/2010/main" val="3908276564"/>
       </p:ext>
     </p:extLst>
   </p:cSld>
@@ -1698,7 +1784,7 @@
     </p:spTree>
     <p:extLst>
       <p:ext uri="{BB962C8B-B14F-4D97-AF65-F5344CB8AC3E}">
-        <p14:creationId xmlns:p14="http://schemas.microsoft.com/office/powerpoint/2010/main" xmlns="" val="3908276564"/>
+        <p14:creationId xmlns="" xmlns:p14="http://schemas.microsoft.com/office/powerpoint/2010/main" val="3908276564"/>
       </p:ext>
     </p:extLst>
   </p:cSld>
@@ -1783,7 +1869,7 @@
     </p:spTree>
     <p:extLst>
       <p:ext uri="{BB962C8B-B14F-4D97-AF65-F5344CB8AC3E}">
-        <p14:creationId xmlns:p14="http://schemas.microsoft.com/office/powerpoint/2010/main" xmlns="" val="3908276564"/>
+        <p14:creationId xmlns="" xmlns:p14="http://schemas.microsoft.com/office/powerpoint/2010/main" val="3908276564"/>
       </p:ext>
     </p:extLst>
   </p:cSld>
@@ -1868,7 +1954,7 @@
     </p:spTree>
     <p:extLst>
       <p:ext uri="{BB962C8B-B14F-4D97-AF65-F5344CB8AC3E}">
-        <p14:creationId xmlns:p14="http://schemas.microsoft.com/office/powerpoint/2010/main" xmlns="" val="3908276564"/>
+        <p14:creationId xmlns="" xmlns:p14="http://schemas.microsoft.com/office/powerpoint/2010/main" val="3908276564"/>
       </p:ext>
     </p:extLst>
   </p:cSld>
@@ -1908,7 +1994,7 @@
           <p:cNvPr id="2" name="Title 1">
             <a:extLst>
               <a:ext uri="{FF2B5EF4-FFF2-40B4-BE49-F238E27FC236}">
-                <a16:creationId xmlns:a16="http://schemas.microsoft.com/office/drawing/2014/main" xmlns="" id="{E3B6987D-0137-DE42-B76B-FF621E808D90}"/>
+                <a16:creationId xmlns="" xmlns:a16="http://schemas.microsoft.com/office/drawing/2014/main" id="{E3B6987D-0137-DE42-B76B-FF621E808D90}"/>
               </a:ext>
             </a:extLst>
           </p:cNvPr>
@@ -1958,10 +2044,10 @@
           <p:cNvPr id="9" name="Group 8">
             <a:extLst>
               <a:ext uri="{FF2B5EF4-FFF2-40B4-BE49-F238E27FC236}">
-                <a16:creationId xmlns:a16="http://schemas.microsoft.com/office/drawing/2014/main" xmlns="" id="{C26C18C3-ED25-DD4B-BA72-24932D54DE37}"/>
+                <a16:creationId xmlns="" xmlns:a16="http://schemas.microsoft.com/office/drawing/2014/main" id="{C26C18C3-ED25-DD4B-BA72-24932D54DE37}"/>
               </a:ext>
               <a:ext uri="{C183D7F6-B498-43B3-948B-1728B52AA6E4}">
-                <adec:decorative xmlns:adec="http://schemas.microsoft.com/office/drawing/2017/decorative" xmlns="" val="1"/>
+                <adec:decorative xmlns="" xmlns:adec="http://schemas.microsoft.com/office/drawing/2017/decorative" val="1"/>
               </a:ext>
             </a:extLst>
           </p:cNvPr>
@@ -1983,7 +2069,7 @@
             <p:cNvPr id="10" name="Freeform 9">
               <a:extLst>
                 <a:ext uri="{FF2B5EF4-FFF2-40B4-BE49-F238E27FC236}">
-                  <a16:creationId xmlns:a16="http://schemas.microsoft.com/office/drawing/2014/main" xmlns="" id="{C07CC263-2515-F147-8CC5-F8E9FF9FA8E4}"/>
+                  <a16:creationId xmlns="" xmlns:a16="http://schemas.microsoft.com/office/drawing/2014/main" id="{C07CC263-2515-F147-8CC5-F8E9FF9FA8E4}"/>
                 </a:ext>
               </a:extLst>
             </p:cNvPr>
@@ -2064,7 +2150,7 @@
             </a:ln>
             <a:extLst>
               <a:ext uri="{91240B29-F687-4F45-9708-019B960494DF}">
-                <a14:hiddenLine xmlns:a14="http://schemas.microsoft.com/office/drawing/2010/main" xmlns="" w="9525">
+                <a14:hiddenLine xmlns="" xmlns:a14="http://schemas.microsoft.com/office/drawing/2010/main" w="9525">
                   <a:solidFill>
                     <a:srgbClr val="000000"/>
                   </a:solidFill>
@@ -2090,7 +2176,7 @@
             <p:cNvPr id="11" name="Freeform 10">
               <a:extLst>
                 <a:ext uri="{FF2B5EF4-FFF2-40B4-BE49-F238E27FC236}">
-                  <a16:creationId xmlns:a16="http://schemas.microsoft.com/office/drawing/2014/main" xmlns="" id="{43B40037-7481-524B-8685-404D965690F2}"/>
+                  <a16:creationId xmlns="" xmlns:a16="http://schemas.microsoft.com/office/drawing/2014/main" id="{43B40037-7481-524B-8685-404D965690F2}"/>
                 </a:ext>
               </a:extLst>
             </p:cNvPr>
@@ -2162,7 +2248,7 @@
             </a:ln>
             <a:extLst>
               <a:ext uri="{91240B29-F687-4F45-9708-019B960494DF}">
-                <a14:hiddenLine xmlns:a14="http://schemas.microsoft.com/office/drawing/2010/main" xmlns="" w="9525">
+                <a14:hiddenLine xmlns="" xmlns:a14="http://schemas.microsoft.com/office/drawing/2010/main" w="9525">
                   <a:solidFill>
                     <a:srgbClr val="000000"/>
                   </a:solidFill>
@@ -2188,7 +2274,7 @@
             <p:cNvPr id="12" name="Freeform 11">
               <a:extLst>
                 <a:ext uri="{FF2B5EF4-FFF2-40B4-BE49-F238E27FC236}">
-                  <a16:creationId xmlns:a16="http://schemas.microsoft.com/office/drawing/2014/main" xmlns="" id="{7B759713-8408-EE47-9394-3DA6F5E4B624}"/>
+                  <a16:creationId xmlns="" xmlns:a16="http://schemas.microsoft.com/office/drawing/2014/main" id="{7B759713-8408-EE47-9394-3DA6F5E4B624}"/>
                 </a:ext>
               </a:extLst>
             </p:cNvPr>
@@ -2263,7 +2349,7 @@
             </a:ln>
             <a:extLst>
               <a:ext uri="{91240B29-F687-4F45-9708-019B960494DF}">
-                <a14:hiddenLine xmlns:a14="http://schemas.microsoft.com/office/drawing/2010/main" xmlns="" w="9525">
+                <a14:hiddenLine xmlns="" xmlns:a14="http://schemas.microsoft.com/office/drawing/2010/main" w="9525">
                   <a:solidFill>
                     <a:srgbClr val="000000"/>
                   </a:solidFill>
@@ -2290,10 +2376,10 @@
           <p:cNvPr id="13" name="Straight Connector 12">
             <a:extLst>
               <a:ext uri="{FF2B5EF4-FFF2-40B4-BE49-F238E27FC236}">
-                <a16:creationId xmlns:a16="http://schemas.microsoft.com/office/drawing/2014/main" xmlns="" id="{A69706A2-3726-FE4E-B923-E75D48597816}"/>
+                <a16:creationId xmlns="" xmlns:a16="http://schemas.microsoft.com/office/drawing/2014/main" id="{A69706A2-3726-FE4E-B923-E75D48597816}"/>
               </a:ext>
               <a:ext uri="{C183D7F6-B498-43B3-948B-1728B52AA6E4}">
-                <adec:decorative xmlns:adec="http://schemas.microsoft.com/office/drawing/2017/decorative" xmlns="" val="1"/>
+                <adec:decorative xmlns="" xmlns:adec="http://schemas.microsoft.com/office/drawing/2017/decorative" val="1"/>
               </a:ext>
             </a:extLst>
           </p:cNvPr>
@@ -2336,7 +2422,7 @@
     </p:spTree>
     <p:extLst>
       <p:ext uri="{BB962C8B-B14F-4D97-AF65-F5344CB8AC3E}">
-        <p14:creationId xmlns:p14="http://schemas.microsoft.com/office/powerpoint/2010/main" xmlns="" val="441327515"/>
+        <p14:creationId xmlns="" xmlns:p14="http://schemas.microsoft.com/office/powerpoint/2010/main" val="441327515"/>
       </p:ext>
     </p:extLst>
   </p:cSld>
@@ -2376,10 +2462,10 @@
           <p:cNvPr id="5" name="Group 4">
             <a:extLst>
               <a:ext uri="{FF2B5EF4-FFF2-40B4-BE49-F238E27FC236}">
-                <a16:creationId xmlns:a16="http://schemas.microsoft.com/office/drawing/2014/main" xmlns="" id="{CF555767-B3D8-BD57-1D42-7F6E1E66892B}"/>
+                <a16:creationId xmlns="" xmlns:a16="http://schemas.microsoft.com/office/drawing/2014/main" id="{CF555767-B3D8-BD57-1D42-7F6E1E66892B}"/>
               </a:ext>
               <a:ext uri="{C183D7F6-B498-43B3-948B-1728B52AA6E4}">
-                <adec:decorative xmlns:adec="http://schemas.microsoft.com/office/drawing/2017/decorative" xmlns="" val="1"/>
+                <adec:decorative xmlns="" xmlns:adec="http://schemas.microsoft.com/office/drawing/2017/decorative" val="1"/>
               </a:ext>
             </a:extLst>
           </p:cNvPr>
@@ -2401,7 +2487,7 @@
             <p:cNvPr id="9" name="Freeform 13">
               <a:extLst>
                 <a:ext uri="{FF2B5EF4-FFF2-40B4-BE49-F238E27FC236}">
-                  <a16:creationId xmlns:a16="http://schemas.microsoft.com/office/drawing/2014/main" xmlns="" id="{BC972B6D-098C-52F6-E990-52623B368FB1}"/>
+                  <a16:creationId xmlns="" xmlns:a16="http://schemas.microsoft.com/office/drawing/2014/main" id="{BC972B6D-098C-52F6-E990-52623B368FB1}"/>
                 </a:ext>
               </a:extLst>
             </p:cNvPr>
@@ -2482,7 +2568,7 @@
             </a:ln>
             <a:extLst>
               <a:ext uri="{91240B29-F687-4F45-9708-019B960494DF}">
-                <a14:hiddenLine xmlns:a14="http://schemas.microsoft.com/office/drawing/2010/main" xmlns="" w="9525">
+                <a14:hiddenLine xmlns="" xmlns:a14="http://schemas.microsoft.com/office/drawing/2010/main" w="9525">
                   <a:solidFill>
                     <a:srgbClr val="000000"/>
                   </a:solidFill>
@@ -2508,7 +2594,7 @@
             <p:cNvPr id="15" name="Freeform 14">
               <a:extLst>
                 <a:ext uri="{FF2B5EF4-FFF2-40B4-BE49-F238E27FC236}">
-                  <a16:creationId xmlns:a16="http://schemas.microsoft.com/office/drawing/2014/main" xmlns="" id="{3F0D3EE3-9A8C-531D-1EEE-1AFAB9F3BCAE}"/>
+                  <a16:creationId xmlns="" xmlns:a16="http://schemas.microsoft.com/office/drawing/2014/main" id="{3F0D3EE3-9A8C-531D-1EEE-1AFAB9F3BCAE}"/>
                 </a:ext>
               </a:extLst>
             </p:cNvPr>
@@ -2580,7 +2666,7 @@
             </a:ln>
             <a:extLst>
               <a:ext uri="{91240B29-F687-4F45-9708-019B960494DF}">
-                <a14:hiddenLine xmlns:a14="http://schemas.microsoft.com/office/drawing/2010/main" xmlns="" w="9525">
+                <a14:hiddenLine xmlns="" xmlns:a14="http://schemas.microsoft.com/office/drawing/2010/main" w="9525">
                   <a:solidFill>
                     <a:srgbClr val="000000"/>
                   </a:solidFill>
@@ -2606,7 +2692,7 @@
             <p:cNvPr id="17" name="Freeform 15">
               <a:extLst>
                 <a:ext uri="{FF2B5EF4-FFF2-40B4-BE49-F238E27FC236}">
-                  <a16:creationId xmlns:a16="http://schemas.microsoft.com/office/drawing/2014/main" xmlns="" id="{A2BE192C-1768-890B-EC1B-5ED6E1F82590}"/>
+                  <a16:creationId xmlns="" xmlns:a16="http://schemas.microsoft.com/office/drawing/2014/main" id="{A2BE192C-1768-890B-EC1B-5ED6E1F82590}"/>
                 </a:ext>
               </a:extLst>
             </p:cNvPr>
@@ -2681,7 +2767,7 @@
             </a:ln>
             <a:extLst>
               <a:ext uri="{91240B29-F687-4F45-9708-019B960494DF}">
-                <a14:hiddenLine xmlns:a14="http://schemas.microsoft.com/office/drawing/2010/main" xmlns="" w="9525">
+                <a14:hiddenLine xmlns="" xmlns:a14="http://schemas.microsoft.com/office/drawing/2010/main" w="9525">
                   <a:solidFill>
                     <a:srgbClr val="000000"/>
                   </a:solidFill>
@@ -2708,7 +2794,7 @@
           <p:cNvPr id="16" name="Title 1">
             <a:extLst>
               <a:ext uri="{FF2B5EF4-FFF2-40B4-BE49-F238E27FC236}">
-                <a16:creationId xmlns:a16="http://schemas.microsoft.com/office/drawing/2014/main" xmlns="" id="{109B023A-F28F-184D-BA48-3F1C0502AE0A}"/>
+                <a16:creationId xmlns="" xmlns:a16="http://schemas.microsoft.com/office/drawing/2014/main" id="{109B023A-F28F-184D-BA48-3F1C0502AE0A}"/>
               </a:ext>
             </a:extLst>
           </p:cNvPr>
@@ -2755,10 +2841,10 @@
           <p:cNvPr id="4" name="Straight Connector 3">
             <a:extLst>
               <a:ext uri="{FF2B5EF4-FFF2-40B4-BE49-F238E27FC236}">
-                <a16:creationId xmlns:a16="http://schemas.microsoft.com/office/drawing/2014/main" xmlns="" id="{E66081BA-9135-73B1-DCE5-77FD12431F13}"/>
+                <a16:creationId xmlns="" xmlns:a16="http://schemas.microsoft.com/office/drawing/2014/main" id="{E66081BA-9135-73B1-DCE5-77FD12431F13}"/>
               </a:ext>
               <a:ext uri="{C183D7F6-B498-43B3-948B-1728B52AA6E4}">
-                <adec:decorative xmlns:adec="http://schemas.microsoft.com/office/drawing/2017/decorative" xmlns="" val="1"/>
+                <adec:decorative xmlns="" xmlns:adec="http://schemas.microsoft.com/office/drawing/2017/decorative" val="1"/>
               </a:ext>
             </a:extLst>
           </p:cNvPr>
@@ -2803,7 +2889,7 @@
           <p:cNvPr id="7" name="Content Placeholder 5">
             <a:extLst>
               <a:ext uri="{FF2B5EF4-FFF2-40B4-BE49-F238E27FC236}">
-                <a16:creationId xmlns:a16="http://schemas.microsoft.com/office/drawing/2014/main" xmlns="" id="{8007FA9C-C4D5-89EC-C457-5F329A338E1E}"/>
+                <a16:creationId xmlns="" xmlns:a16="http://schemas.microsoft.com/office/drawing/2014/main" id="{8007FA9C-C4D5-89EC-C457-5F329A338E1E}"/>
               </a:ext>
             </a:extLst>
           </p:cNvPr>
@@ -2904,7 +2990,7 @@
           <p:cNvPr id="6" name="Content Placeholder 5">
             <a:extLst>
               <a:ext uri="{FF2B5EF4-FFF2-40B4-BE49-F238E27FC236}">
-                <a16:creationId xmlns:a16="http://schemas.microsoft.com/office/drawing/2014/main" xmlns="" id="{5BCAAA28-C292-C527-AD35-90836B8BB978}"/>
+                <a16:creationId xmlns="" xmlns:a16="http://schemas.microsoft.com/office/drawing/2014/main" id="{5BCAAA28-C292-C527-AD35-90836B8BB978}"/>
               </a:ext>
             </a:extLst>
           </p:cNvPr>
@@ -3000,7 +3086,7 @@
           <p:cNvPr id="10" name="Slide Number Placeholder 9">
             <a:extLst>
               <a:ext uri="{FF2B5EF4-FFF2-40B4-BE49-F238E27FC236}">
-                <a16:creationId xmlns:a16="http://schemas.microsoft.com/office/drawing/2014/main" xmlns="" id="{05D79B4B-A9BD-581F-536E-DE7CF728F84E}"/>
+                <a16:creationId xmlns="" xmlns:a16="http://schemas.microsoft.com/office/drawing/2014/main" id="{05D79B4B-A9BD-581F-536E-DE7CF728F84E}"/>
               </a:ext>
             </a:extLst>
           </p:cNvPr>
@@ -3032,7 +3118,7 @@
           <p:cNvPr id="8" name="Date Placeholder 7">
             <a:extLst>
               <a:ext uri="{FF2B5EF4-FFF2-40B4-BE49-F238E27FC236}">
-                <a16:creationId xmlns:a16="http://schemas.microsoft.com/office/drawing/2014/main" xmlns="" id="{C5EA2E64-5690-A56B-7051-476EC7BADA55}"/>
+                <a16:creationId xmlns="" xmlns:a16="http://schemas.microsoft.com/office/drawing/2014/main" id="{C5EA2E64-5690-A56B-7051-476EC7BADA55}"/>
               </a:ext>
             </a:extLst>
           </p:cNvPr>
@@ -3057,7 +3143,7 @@
     </p:spTree>
     <p:extLst>
       <p:ext uri="{BB962C8B-B14F-4D97-AF65-F5344CB8AC3E}">
-        <p14:creationId xmlns:p14="http://schemas.microsoft.com/office/powerpoint/2010/main" xmlns="" val="2244329111"/>
+        <p14:creationId xmlns="" xmlns:p14="http://schemas.microsoft.com/office/powerpoint/2010/main" val="2244329111"/>
       </p:ext>
     </p:extLst>
   </p:cSld>
@@ -3066,7 +3152,7 @@
   </p:clrMapOvr>
   <p:extLst>
     <p:ext uri="{DCECCB84-F9BA-43D5-87BE-67443E8EF086}">
-      <p15:sldGuideLst xmlns:p15="http://schemas.microsoft.com/office/powerpoint/2012/main" xmlns="">
+      <p15:sldGuideLst xmlns="" xmlns:p15="http://schemas.microsoft.com/office/powerpoint/2012/main">
         <p15:guide id="1" pos="600">
           <p15:clr>
             <a:srgbClr val="FBAE40"/>
@@ -3148,10 +3234,10 @@
           <p:cNvPr id="11" name="Group 10">
             <a:extLst>
               <a:ext uri="{FF2B5EF4-FFF2-40B4-BE49-F238E27FC236}">
-                <a16:creationId xmlns:a16="http://schemas.microsoft.com/office/drawing/2014/main" xmlns="" id="{C97D5AF2-684A-4A8D-3D82-B57D7AC44677}"/>
+                <a16:creationId xmlns="" xmlns:a16="http://schemas.microsoft.com/office/drawing/2014/main" id="{C97D5AF2-684A-4A8D-3D82-B57D7AC44677}"/>
               </a:ext>
               <a:ext uri="{C183D7F6-B498-43B3-948B-1728B52AA6E4}">
-                <adec:decorative xmlns:adec="http://schemas.microsoft.com/office/drawing/2017/decorative" xmlns="" val="1"/>
+                <adec:decorative xmlns="" xmlns:adec="http://schemas.microsoft.com/office/drawing/2017/decorative" val="1"/>
               </a:ext>
             </a:extLst>
           </p:cNvPr>
@@ -3173,7 +3259,7 @@
             <p:cNvPr id="12" name="Freeform 4">
               <a:extLst>
                 <a:ext uri="{FF2B5EF4-FFF2-40B4-BE49-F238E27FC236}">
-                  <a16:creationId xmlns:a16="http://schemas.microsoft.com/office/drawing/2014/main" xmlns="" id="{8CF5F650-F8F0-F4FE-44DA-1F14ADE428B2}"/>
+                  <a16:creationId xmlns="" xmlns:a16="http://schemas.microsoft.com/office/drawing/2014/main" id="{8CF5F650-F8F0-F4FE-44DA-1F14ADE428B2}"/>
                 </a:ext>
               </a:extLst>
             </p:cNvPr>
@@ -3254,7 +3340,7 @@
             </a:ln>
             <a:extLst>
               <a:ext uri="{91240B29-F687-4F45-9708-019B960494DF}">
-                <a14:hiddenLine xmlns:a14="http://schemas.microsoft.com/office/drawing/2010/main" xmlns="" w="9525">
+                <a14:hiddenLine xmlns="" xmlns:a14="http://schemas.microsoft.com/office/drawing/2010/main" w="9525">
                   <a:solidFill>
                     <a:srgbClr val="000000"/>
                   </a:solidFill>
@@ -3280,7 +3366,7 @@
             <p:cNvPr id="13" name="Freeform 5">
               <a:extLst>
                 <a:ext uri="{FF2B5EF4-FFF2-40B4-BE49-F238E27FC236}">
-                  <a16:creationId xmlns:a16="http://schemas.microsoft.com/office/drawing/2014/main" xmlns="" id="{18870924-E47D-404F-59B5-BD1C58F7B04C}"/>
+                  <a16:creationId xmlns="" xmlns:a16="http://schemas.microsoft.com/office/drawing/2014/main" id="{18870924-E47D-404F-59B5-BD1C58F7B04C}"/>
                 </a:ext>
               </a:extLst>
             </p:cNvPr>
@@ -3352,7 +3438,7 @@
             </a:ln>
             <a:extLst>
               <a:ext uri="{91240B29-F687-4F45-9708-019B960494DF}">
-                <a14:hiddenLine xmlns:a14="http://schemas.microsoft.com/office/drawing/2010/main" xmlns="" w="9525">
+                <a14:hiddenLine xmlns="" xmlns:a14="http://schemas.microsoft.com/office/drawing/2010/main" w="9525">
                   <a:solidFill>
                     <a:srgbClr val="000000"/>
                   </a:solidFill>
@@ -3378,7 +3464,7 @@
             <p:cNvPr id="14" name="Freeform 7">
               <a:extLst>
                 <a:ext uri="{FF2B5EF4-FFF2-40B4-BE49-F238E27FC236}">
-                  <a16:creationId xmlns:a16="http://schemas.microsoft.com/office/drawing/2014/main" xmlns="" id="{80806A65-E4FC-2F52-65B3-CC181E620C29}"/>
+                  <a16:creationId xmlns="" xmlns:a16="http://schemas.microsoft.com/office/drawing/2014/main" id="{80806A65-E4FC-2F52-65B3-CC181E620C29}"/>
                 </a:ext>
               </a:extLst>
             </p:cNvPr>
@@ -3453,7 +3539,7 @@
             </a:ln>
             <a:extLst>
               <a:ext uri="{91240B29-F687-4F45-9708-019B960494DF}">
-                <a14:hiddenLine xmlns:a14="http://schemas.microsoft.com/office/drawing/2010/main" xmlns="" w="9525">
+                <a14:hiddenLine xmlns="" xmlns:a14="http://schemas.microsoft.com/office/drawing/2010/main" w="9525">
                   <a:solidFill>
                     <a:srgbClr val="000000"/>
                   </a:solidFill>
@@ -3480,7 +3566,7 @@
           <p:cNvPr id="16" name="Title 1">
             <a:extLst>
               <a:ext uri="{FF2B5EF4-FFF2-40B4-BE49-F238E27FC236}">
-                <a16:creationId xmlns:a16="http://schemas.microsoft.com/office/drawing/2014/main" xmlns="" id="{109B023A-F28F-184D-BA48-3F1C0502AE0A}"/>
+                <a16:creationId xmlns="" xmlns:a16="http://schemas.microsoft.com/office/drawing/2014/main" id="{109B023A-F28F-184D-BA48-3F1C0502AE0A}"/>
               </a:ext>
             </a:extLst>
           </p:cNvPr>
@@ -3527,10 +3613,10 @@
           <p:cNvPr id="4" name="Straight Connector 3">
             <a:extLst>
               <a:ext uri="{FF2B5EF4-FFF2-40B4-BE49-F238E27FC236}">
-                <a16:creationId xmlns:a16="http://schemas.microsoft.com/office/drawing/2014/main" xmlns="" id="{E66081BA-9135-73B1-DCE5-77FD12431F13}"/>
+                <a16:creationId xmlns="" xmlns:a16="http://schemas.microsoft.com/office/drawing/2014/main" id="{E66081BA-9135-73B1-DCE5-77FD12431F13}"/>
               </a:ext>
               <a:ext uri="{C183D7F6-B498-43B3-948B-1728B52AA6E4}">
-                <adec:decorative xmlns:adec="http://schemas.microsoft.com/office/drawing/2017/decorative" xmlns="" val="1"/>
+                <adec:decorative xmlns="" xmlns:adec="http://schemas.microsoft.com/office/drawing/2017/decorative" val="1"/>
               </a:ext>
             </a:extLst>
           </p:cNvPr>
@@ -3575,7 +3661,7 @@
           <p:cNvPr id="6" name="Content Placeholder 5">
             <a:extLst>
               <a:ext uri="{FF2B5EF4-FFF2-40B4-BE49-F238E27FC236}">
-                <a16:creationId xmlns:a16="http://schemas.microsoft.com/office/drawing/2014/main" xmlns="" id="{5BCAAA28-C292-C527-AD35-90836B8BB978}"/>
+                <a16:creationId xmlns="" xmlns:a16="http://schemas.microsoft.com/office/drawing/2014/main" id="{5BCAAA28-C292-C527-AD35-90836B8BB978}"/>
               </a:ext>
             </a:extLst>
           </p:cNvPr>
@@ -3671,7 +3757,7 @@
           <p:cNvPr id="7" name="Content Placeholder 5">
             <a:extLst>
               <a:ext uri="{FF2B5EF4-FFF2-40B4-BE49-F238E27FC236}">
-                <a16:creationId xmlns:a16="http://schemas.microsoft.com/office/drawing/2014/main" xmlns="" id="{8007FA9C-C4D5-89EC-C457-5F329A338E1E}"/>
+                <a16:creationId xmlns="" xmlns:a16="http://schemas.microsoft.com/office/drawing/2014/main" id="{8007FA9C-C4D5-89EC-C457-5F329A338E1E}"/>
               </a:ext>
             </a:extLst>
           </p:cNvPr>
@@ -3768,7 +3854,7 @@
           <p:cNvPr id="8" name="Date Placeholder 7">
             <a:extLst>
               <a:ext uri="{FF2B5EF4-FFF2-40B4-BE49-F238E27FC236}">
-                <a16:creationId xmlns:a16="http://schemas.microsoft.com/office/drawing/2014/main" xmlns="" id="{C5EA2E64-5690-A56B-7051-476EC7BADA55}"/>
+                <a16:creationId xmlns="" xmlns:a16="http://schemas.microsoft.com/office/drawing/2014/main" id="{C5EA2E64-5690-A56B-7051-476EC7BADA55}"/>
               </a:ext>
             </a:extLst>
           </p:cNvPr>
@@ -3795,7 +3881,7 @@
           <p:cNvPr id="10" name="Slide Number Placeholder 9">
             <a:extLst>
               <a:ext uri="{FF2B5EF4-FFF2-40B4-BE49-F238E27FC236}">
-                <a16:creationId xmlns:a16="http://schemas.microsoft.com/office/drawing/2014/main" xmlns="" id="{05D79B4B-A9BD-581F-536E-DE7CF728F84E}"/>
+                <a16:creationId xmlns="" xmlns:a16="http://schemas.microsoft.com/office/drawing/2014/main" id="{05D79B4B-A9BD-581F-536E-DE7CF728F84E}"/>
               </a:ext>
             </a:extLst>
           </p:cNvPr>
@@ -3825,7 +3911,7 @@
     </p:spTree>
     <p:extLst>
       <p:ext uri="{BB962C8B-B14F-4D97-AF65-F5344CB8AC3E}">
-        <p14:creationId xmlns:p14="http://schemas.microsoft.com/office/powerpoint/2010/main" xmlns="" val="649744719"/>
+        <p14:creationId xmlns="" xmlns:p14="http://schemas.microsoft.com/office/powerpoint/2010/main" val="649744719"/>
       </p:ext>
     </p:extLst>
   </p:cSld>
@@ -3834,7 +3920,7 @@
   </p:clrMapOvr>
   <p:extLst>
     <p:ext uri="{DCECCB84-F9BA-43D5-87BE-67443E8EF086}">
-      <p15:sldGuideLst xmlns:p15="http://schemas.microsoft.com/office/powerpoint/2012/main" xmlns="">
+      <p15:sldGuideLst xmlns="" xmlns:p15="http://schemas.microsoft.com/office/powerpoint/2012/main">
         <p15:guide id="1" pos="600">
           <p15:clr>
             <a:srgbClr val="FBAE40"/>
@@ -3916,7 +4002,7 @@
           <p:cNvPr id="16" name="Title 1">
             <a:extLst>
               <a:ext uri="{FF2B5EF4-FFF2-40B4-BE49-F238E27FC236}">
-                <a16:creationId xmlns:a16="http://schemas.microsoft.com/office/drawing/2014/main" xmlns="" id="{109B023A-F28F-184D-BA48-3F1C0502AE0A}"/>
+                <a16:creationId xmlns="" xmlns:a16="http://schemas.microsoft.com/office/drawing/2014/main" id="{109B023A-F28F-184D-BA48-3F1C0502AE0A}"/>
               </a:ext>
             </a:extLst>
           </p:cNvPr>
@@ -3963,7 +4049,7 @@
           <p:cNvPr id="9" name="Table Placeholder 2">
             <a:extLst>
               <a:ext uri="{FF2B5EF4-FFF2-40B4-BE49-F238E27FC236}">
-                <a16:creationId xmlns:a16="http://schemas.microsoft.com/office/drawing/2014/main" xmlns="" id="{1506B022-475A-6647-98FF-D5C319A0C7C4}"/>
+                <a16:creationId xmlns="" xmlns:a16="http://schemas.microsoft.com/office/drawing/2014/main" id="{1506B022-475A-6647-98FF-D5C319A0C7C4}"/>
               </a:ext>
             </a:extLst>
           </p:cNvPr>
@@ -4002,7 +4088,7 @@
           <p:cNvPr id="10" name="Slide Number Placeholder 9">
             <a:extLst>
               <a:ext uri="{FF2B5EF4-FFF2-40B4-BE49-F238E27FC236}">
-                <a16:creationId xmlns:a16="http://schemas.microsoft.com/office/drawing/2014/main" xmlns="" id="{05D79B4B-A9BD-581F-536E-DE7CF728F84E}"/>
+                <a16:creationId xmlns="" xmlns:a16="http://schemas.microsoft.com/office/drawing/2014/main" id="{05D79B4B-A9BD-581F-536E-DE7CF728F84E}"/>
               </a:ext>
             </a:extLst>
           </p:cNvPr>
@@ -4034,7 +4120,7 @@
           <p:cNvPr id="8" name="Date Placeholder 7">
             <a:extLst>
               <a:ext uri="{FF2B5EF4-FFF2-40B4-BE49-F238E27FC236}">
-                <a16:creationId xmlns:a16="http://schemas.microsoft.com/office/drawing/2014/main" xmlns="" id="{C5EA2E64-5690-A56B-7051-476EC7BADA55}"/>
+                <a16:creationId xmlns="" xmlns:a16="http://schemas.microsoft.com/office/drawing/2014/main" id="{C5EA2E64-5690-A56B-7051-476EC7BADA55}"/>
               </a:ext>
             </a:extLst>
           </p:cNvPr>
@@ -4061,10 +4147,10 @@
           <p:cNvPr id="4" name="Straight Connector 3">
             <a:extLst>
               <a:ext uri="{FF2B5EF4-FFF2-40B4-BE49-F238E27FC236}">
-                <a16:creationId xmlns:a16="http://schemas.microsoft.com/office/drawing/2014/main" xmlns="" id="{E66081BA-9135-73B1-DCE5-77FD12431F13}"/>
+                <a16:creationId xmlns="" xmlns:a16="http://schemas.microsoft.com/office/drawing/2014/main" id="{E66081BA-9135-73B1-DCE5-77FD12431F13}"/>
               </a:ext>
               <a:ext uri="{C183D7F6-B498-43B3-948B-1728B52AA6E4}">
-                <adec:decorative xmlns:adec="http://schemas.microsoft.com/office/drawing/2017/decorative" xmlns="" val="1"/>
+                <adec:decorative xmlns="" xmlns:adec="http://schemas.microsoft.com/office/drawing/2017/decorative" val="1"/>
               </a:ext>
             </a:extLst>
           </p:cNvPr>
@@ -4107,7 +4193,7 @@
     </p:spTree>
     <p:extLst>
       <p:ext uri="{BB962C8B-B14F-4D97-AF65-F5344CB8AC3E}">
-        <p14:creationId xmlns:p14="http://schemas.microsoft.com/office/powerpoint/2010/main" xmlns="" val="310410957"/>
+        <p14:creationId xmlns="" xmlns:p14="http://schemas.microsoft.com/office/powerpoint/2010/main" val="310410957"/>
       </p:ext>
     </p:extLst>
   </p:cSld>
@@ -4116,7 +4202,7 @@
   </p:clrMapOvr>
   <p:extLst>
     <p:ext uri="{DCECCB84-F9BA-43D5-87BE-67443E8EF086}">
-      <p15:sldGuideLst xmlns:p15="http://schemas.microsoft.com/office/powerpoint/2012/main" xmlns="">
+      <p15:sldGuideLst xmlns="" xmlns:p15="http://schemas.microsoft.com/office/powerpoint/2012/main">
         <p15:guide id="1" pos="600">
           <p15:clr>
             <a:srgbClr val="FBAE40"/>
@@ -4198,7 +4284,7 @@
           <p:cNvPr id="2" name="Title 1">
             <a:extLst>
               <a:ext uri="{FF2B5EF4-FFF2-40B4-BE49-F238E27FC236}">
-                <a16:creationId xmlns:a16="http://schemas.microsoft.com/office/drawing/2014/main" xmlns="" id="{E3B6987D-0137-DE42-B76B-FF621E808D90}"/>
+                <a16:creationId xmlns="" xmlns:a16="http://schemas.microsoft.com/office/drawing/2014/main" id="{E3B6987D-0137-DE42-B76B-FF621E808D90}"/>
               </a:ext>
             </a:extLst>
           </p:cNvPr>
@@ -4248,10 +4334,10 @@
           <p:cNvPr id="9" name="Group 8">
             <a:extLst>
               <a:ext uri="{FF2B5EF4-FFF2-40B4-BE49-F238E27FC236}">
-                <a16:creationId xmlns:a16="http://schemas.microsoft.com/office/drawing/2014/main" xmlns="" id="{C26C18C3-ED25-DD4B-BA72-24932D54DE37}"/>
+                <a16:creationId xmlns="" xmlns:a16="http://schemas.microsoft.com/office/drawing/2014/main" id="{C26C18C3-ED25-DD4B-BA72-24932D54DE37}"/>
               </a:ext>
               <a:ext uri="{C183D7F6-B498-43B3-948B-1728B52AA6E4}">
-                <adec:decorative xmlns:adec="http://schemas.microsoft.com/office/drawing/2017/decorative" xmlns="" val="1"/>
+                <adec:decorative xmlns="" xmlns:adec="http://schemas.microsoft.com/office/drawing/2017/decorative" val="1"/>
               </a:ext>
             </a:extLst>
           </p:cNvPr>
@@ -4273,7 +4359,7 @@
             <p:cNvPr id="10" name="Freeform 9">
               <a:extLst>
                 <a:ext uri="{FF2B5EF4-FFF2-40B4-BE49-F238E27FC236}">
-                  <a16:creationId xmlns:a16="http://schemas.microsoft.com/office/drawing/2014/main" xmlns="" id="{C07CC263-2515-F147-8CC5-F8E9FF9FA8E4}"/>
+                  <a16:creationId xmlns="" xmlns:a16="http://schemas.microsoft.com/office/drawing/2014/main" id="{C07CC263-2515-F147-8CC5-F8E9FF9FA8E4}"/>
                 </a:ext>
               </a:extLst>
             </p:cNvPr>
@@ -4354,7 +4440,7 @@
             </a:ln>
             <a:extLst>
               <a:ext uri="{91240B29-F687-4F45-9708-019B960494DF}">
-                <a14:hiddenLine xmlns:a14="http://schemas.microsoft.com/office/drawing/2010/main" xmlns="" w="9525">
+                <a14:hiddenLine xmlns="" xmlns:a14="http://schemas.microsoft.com/office/drawing/2010/main" w="9525">
                   <a:solidFill>
                     <a:srgbClr val="000000"/>
                   </a:solidFill>
@@ -4380,7 +4466,7 @@
             <p:cNvPr id="11" name="Freeform 10">
               <a:extLst>
                 <a:ext uri="{FF2B5EF4-FFF2-40B4-BE49-F238E27FC236}">
-                  <a16:creationId xmlns:a16="http://schemas.microsoft.com/office/drawing/2014/main" xmlns="" id="{43B40037-7481-524B-8685-404D965690F2}"/>
+                  <a16:creationId xmlns="" xmlns:a16="http://schemas.microsoft.com/office/drawing/2014/main" id="{43B40037-7481-524B-8685-404D965690F2}"/>
                 </a:ext>
               </a:extLst>
             </p:cNvPr>
@@ -4452,7 +4538,7 @@
             </a:ln>
             <a:extLst>
               <a:ext uri="{91240B29-F687-4F45-9708-019B960494DF}">
-                <a14:hiddenLine xmlns:a14="http://schemas.microsoft.com/office/drawing/2010/main" xmlns="" w="9525">
+                <a14:hiddenLine xmlns="" xmlns:a14="http://schemas.microsoft.com/office/drawing/2010/main" w="9525">
                   <a:solidFill>
                     <a:srgbClr val="000000"/>
                   </a:solidFill>
@@ -4478,7 +4564,7 @@
             <p:cNvPr id="12" name="Freeform 11">
               <a:extLst>
                 <a:ext uri="{FF2B5EF4-FFF2-40B4-BE49-F238E27FC236}">
-                  <a16:creationId xmlns:a16="http://schemas.microsoft.com/office/drawing/2014/main" xmlns="" id="{7B759713-8408-EE47-9394-3DA6F5E4B624}"/>
+                  <a16:creationId xmlns="" xmlns:a16="http://schemas.microsoft.com/office/drawing/2014/main" id="{7B759713-8408-EE47-9394-3DA6F5E4B624}"/>
                 </a:ext>
               </a:extLst>
             </p:cNvPr>
@@ -4553,7 +4639,7 @@
             </a:ln>
             <a:extLst>
               <a:ext uri="{91240B29-F687-4F45-9708-019B960494DF}">
-                <a14:hiddenLine xmlns:a14="http://schemas.microsoft.com/office/drawing/2010/main" xmlns="" w="9525">
+                <a14:hiddenLine xmlns="" xmlns:a14="http://schemas.microsoft.com/office/drawing/2010/main" w="9525">
                   <a:solidFill>
                     <a:srgbClr val="000000"/>
                   </a:solidFill>
@@ -4580,7 +4666,7 @@
           <p:cNvPr id="18" name="Text Placeholder 29">
             <a:extLst>
               <a:ext uri="{FF2B5EF4-FFF2-40B4-BE49-F238E27FC236}">
-                <a16:creationId xmlns:a16="http://schemas.microsoft.com/office/drawing/2014/main" xmlns="" id="{276A9CD7-E675-3048-86D3-3546A2F6B456}"/>
+                <a16:creationId xmlns="" xmlns:a16="http://schemas.microsoft.com/office/drawing/2014/main" id="{276A9CD7-E675-3048-86D3-3546A2F6B456}"/>
               </a:ext>
             </a:extLst>
           </p:cNvPr>
@@ -4640,10 +4726,10 @@
           <p:cNvPr id="4" name="Straight Connector 3">
             <a:extLst>
               <a:ext uri="{FF2B5EF4-FFF2-40B4-BE49-F238E27FC236}">
-                <a16:creationId xmlns:a16="http://schemas.microsoft.com/office/drawing/2014/main" xmlns="" id="{58B149C6-5AAC-B8E5-5411-EA38821F6754}"/>
+                <a16:creationId xmlns="" xmlns:a16="http://schemas.microsoft.com/office/drawing/2014/main" id="{58B149C6-5AAC-B8E5-5411-EA38821F6754}"/>
               </a:ext>
               <a:ext uri="{C183D7F6-B498-43B3-948B-1728B52AA6E4}">
-                <adec:decorative xmlns:adec="http://schemas.microsoft.com/office/drawing/2017/decorative" xmlns="" val="1"/>
+                <adec:decorative xmlns="" xmlns:adec="http://schemas.microsoft.com/office/drawing/2017/decorative" val="1"/>
               </a:ext>
             </a:extLst>
           </p:cNvPr>
@@ -4686,7 +4772,7 @@
     </p:spTree>
     <p:extLst>
       <p:ext uri="{BB962C8B-B14F-4D97-AF65-F5344CB8AC3E}">
-        <p14:creationId xmlns:p14="http://schemas.microsoft.com/office/powerpoint/2010/main" xmlns="" val="669273864"/>
+        <p14:creationId xmlns="" xmlns:p14="http://schemas.microsoft.com/office/powerpoint/2010/main" val="669273864"/>
       </p:ext>
     </p:extLst>
   </p:cSld>
@@ -4718,10 +4804,10 @@
           <p:cNvPr id="6" name="Group 5">
             <a:extLst>
               <a:ext uri="{FF2B5EF4-FFF2-40B4-BE49-F238E27FC236}">
-                <a16:creationId xmlns:a16="http://schemas.microsoft.com/office/drawing/2014/main" xmlns="" id="{806C6F65-35CD-D64B-992A-0C1C1E00384D}"/>
+                <a16:creationId xmlns="" xmlns:a16="http://schemas.microsoft.com/office/drawing/2014/main" id="{806C6F65-35CD-D64B-992A-0C1C1E00384D}"/>
               </a:ext>
               <a:ext uri="{C183D7F6-B498-43B3-948B-1728B52AA6E4}">
-                <adec:decorative xmlns:adec="http://schemas.microsoft.com/office/drawing/2017/decorative" xmlns="" val="1"/>
+                <adec:decorative xmlns="" xmlns:adec="http://schemas.microsoft.com/office/drawing/2017/decorative" val="1"/>
               </a:ext>
             </a:extLst>
           </p:cNvPr>
@@ -4741,7 +4827,7 @@
             <p:cNvPr id="7" name="AutoShape 24">
               <a:extLst>
                 <a:ext uri="{FF2B5EF4-FFF2-40B4-BE49-F238E27FC236}">
-                  <a16:creationId xmlns:a16="http://schemas.microsoft.com/office/drawing/2014/main" xmlns="" id="{CFD467E2-FF13-7E4F-BEF9-EA1A17665B2D}"/>
+                  <a16:creationId xmlns="" xmlns:a16="http://schemas.microsoft.com/office/drawing/2014/main" id="{CFD467E2-FF13-7E4F-BEF9-EA1A17665B2D}"/>
                 </a:ext>
               </a:extLst>
             </p:cNvPr>
@@ -4866,7 +4952,7 @@
             </a:ln>
             <a:extLst>
               <a:ext uri="{91240B29-F687-4F45-9708-019B960494DF}">
-                <a14:hiddenLine xmlns:a14="http://schemas.microsoft.com/office/drawing/2010/main" xmlns="" w="9525">
+                <a14:hiddenLine xmlns="" xmlns:a14="http://schemas.microsoft.com/office/drawing/2010/main" w="9525">
                   <a:solidFill>
                     <a:srgbClr val="000000"/>
                   </a:solidFill>
@@ -4892,7 +4978,7 @@
             <p:cNvPr id="8" name="Freeform 7">
               <a:extLst>
                 <a:ext uri="{FF2B5EF4-FFF2-40B4-BE49-F238E27FC236}">
-                  <a16:creationId xmlns:a16="http://schemas.microsoft.com/office/drawing/2014/main" xmlns="" id="{CA85A327-3157-B442-993A-6900F71249AC}"/>
+                  <a16:creationId xmlns="" xmlns:a16="http://schemas.microsoft.com/office/drawing/2014/main" id="{CA85A327-3157-B442-993A-6900F71249AC}"/>
                 </a:ext>
               </a:extLst>
             </p:cNvPr>
@@ -4978,7 +5064,7 @@
             </a:ln>
             <a:extLst>
               <a:ext uri="{91240B29-F687-4F45-9708-019B960494DF}">
-                <a14:hiddenLine xmlns:a14="http://schemas.microsoft.com/office/drawing/2010/main" xmlns="" w="9525">
+                <a14:hiddenLine xmlns="" xmlns:a14="http://schemas.microsoft.com/office/drawing/2010/main" w="9525">
                   <a:solidFill>
                     <a:srgbClr val="000000"/>
                   </a:solidFill>
@@ -5004,7 +5090,7 @@
             <p:cNvPr id="9" name="Freeform 8">
               <a:extLst>
                 <a:ext uri="{FF2B5EF4-FFF2-40B4-BE49-F238E27FC236}">
-                  <a16:creationId xmlns:a16="http://schemas.microsoft.com/office/drawing/2014/main" xmlns="" id="{9A459CB4-74AF-0544-AB1E-7CC6D10F84EB}"/>
+                  <a16:creationId xmlns="" xmlns:a16="http://schemas.microsoft.com/office/drawing/2014/main" id="{9A459CB4-74AF-0544-AB1E-7CC6D10F84EB}"/>
                 </a:ext>
               </a:extLst>
             </p:cNvPr>
@@ -5076,7 +5162,7 @@
             </a:ln>
             <a:extLst>
               <a:ext uri="{91240B29-F687-4F45-9708-019B960494DF}">
-                <a14:hiddenLine xmlns:a14="http://schemas.microsoft.com/office/drawing/2010/main" xmlns="" w="9525">
+                <a14:hiddenLine xmlns="" xmlns:a14="http://schemas.microsoft.com/office/drawing/2010/main" w="9525">
                   <a:solidFill>
                     <a:srgbClr val="000000"/>
                   </a:solidFill>
@@ -5102,7 +5188,7 @@
             <p:cNvPr id="10" name="Freeform 9">
               <a:extLst>
                 <a:ext uri="{FF2B5EF4-FFF2-40B4-BE49-F238E27FC236}">
-                  <a16:creationId xmlns:a16="http://schemas.microsoft.com/office/drawing/2014/main" xmlns="" id="{95A20BFD-9142-D64A-A78A-61B75FCA0D76}"/>
+                  <a16:creationId xmlns="" xmlns:a16="http://schemas.microsoft.com/office/drawing/2014/main" id="{95A20BFD-9142-D64A-A78A-61B75FCA0D76}"/>
                 </a:ext>
               </a:extLst>
             </p:cNvPr>
@@ -5202,7 +5288,7 @@
             <p:cNvPr id="11" name="Freeform 10">
               <a:extLst>
                 <a:ext uri="{FF2B5EF4-FFF2-40B4-BE49-F238E27FC236}">
-                  <a16:creationId xmlns:a16="http://schemas.microsoft.com/office/drawing/2014/main" xmlns="" id="{B80736DF-C890-DB47-AEAA-D3D92505E632}"/>
+                  <a16:creationId xmlns="" xmlns:a16="http://schemas.microsoft.com/office/drawing/2014/main" id="{B80736DF-C890-DB47-AEAA-D3D92505E632}"/>
                 </a:ext>
               </a:extLst>
             </p:cNvPr>
@@ -5287,7 +5373,7 @@
             </a:ln>
             <a:extLst>
               <a:ext uri="{91240B29-F687-4F45-9708-019B960494DF}">
-                <a14:hiddenLine xmlns:a14="http://schemas.microsoft.com/office/drawing/2010/main" xmlns="" w="9525">
+                <a14:hiddenLine xmlns="" xmlns:a14="http://schemas.microsoft.com/office/drawing/2010/main" w="9525">
                   <a:solidFill>
                     <a:srgbClr val="000000"/>
                   </a:solidFill>
@@ -5314,7 +5400,7 @@
           <p:cNvPr id="12" name="Title 1">
             <a:extLst>
               <a:ext uri="{FF2B5EF4-FFF2-40B4-BE49-F238E27FC236}">
-                <a16:creationId xmlns:a16="http://schemas.microsoft.com/office/drawing/2014/main" xmlns="" id="{39F93F26-ED5C-E74E-BFBD-E3054DC1B9C1}"/>
+                <a16:creationId xmlns="" xmlns:a16="http://schemas.microsoft.com/office/drawing/2014/main" id="{39F93F26-ED5C-E74E-BFBD-E3054DC1B9C1}"/>
               </a:ext>
             </a:extLst>
           </p:cNvPr>
@@ -5358,7 +5444,7 @@
           <p:cNvPr id="2" name="Content Placeholder 5">
             <a:extLst>
               <a:ext uri="{FF2B5EF4-FFF2-40B4-BE49-F238E27FC236}">
-                <a16:creationId xmlns:a16="http://schemas.microsoft.com/office/drawing/2014/main" xmlns="" id="{186153BD-9D2B-47EB-3553-1D3F6663B2A3}"/>
+                <a16:creationId xmlns="" xmlns:a16="http://schemas.microsoft.com/office/drawing/2014/main" id="{186153BD-9D2B-47EB-3553-1D3F6663B2A3}"/>
               </a:ext>
             </a:extLst>
           </p:cNvPr>
@@ -5467,7 +5553,7 @@
           <p:cNvPr id="43" name="Slide Number Placeholder 42">
             <a:extLst>
               <a:ext uri="{FF2B5EF4-FFF2-40B4-BE49-F238E27FC236}">
-                <a16:creationId xmlns:a16="http://schemas.microsoft.com/office/drawing/2014/main" xmlns="" id="{D80CCC8F-9CF1-9621-04EB-DFA68FEE42D2}"/>
+                <a16:creationId xmlns="" xmlns:a16="http://schemas.microsoft.com/office/drawing/2014/main" id="{D80CCC8F-9CF1-9621-04EB-DFA68FEE42D2}"/>
               </a:ext>
             </a:extLst>
           </p:cNvPr>
@@ -5499,7 +5585,7 @@
           <p:cNvPr id="42" name="Date Placeholder 41">
             <a:extLst>
               <a:ext uri="{FF2B5EF4-FFF2-40B4-BE49-F238E27FC236}">
-                <a16:creationId xmlns:a16="http://schemas.microsoft.com/office/drawing/2014/main" xmlns="" id="{29CE2856-DB8F-5603-C085-74C70560FAC8}"/>
+                <a16:creationId xmlns="" xmlns:a16="http://schemas.microsoft.com/office/drawing/2014/main" id="{29CE2856-DB8F-5603-C085-74C70560FAC8}"/>
               </a:ext>
             </a:extLst>
           </p:cNvPr>
@@ -5526,10 +5612,10 @@
           <p:cNvPr id="4" name="Straight Connector 3">
             <a:extLst>
               <a:ext uri="{FF2B5EF4-FFF2-40B4-BE49-F238E27FC236}">
-                <a16:creationId xmlns:a16="http://schemas.microsoft.com/office/drawing/2014/main" xmlns="" id="{979826C1-7A52-DA25-F422-EE62DED7D1B6}"/>
+                <a16:creationId xmlns="" xmlns:a16="http://schemas.microsoft.com/office/drawing/2014/main" id="{979826C1-7A52-DA25-F422-EE62DED7D1B6}"/>
               </a:ext>
               <a:ext uri="{C183D7F6-B498-43B3-948B-1728B52AA6E4}">
-                <adec:decorative xmlns:adec="http://schemas.microsoft.com/office/drawing/2017/decorative" xmlns="" val="1"/>
+                <adec:decorative xmlns="" xmlns:adec="http://schemas.microsoft.com/office/drawing/2017/decorative" val="1"/>
               </a:ext>
             </a:extLst>
           </p:cNvPr>
@@ -5572,7 +5658,7 @@
     </p:spTree>
     <p:extLst>
       <p:ext uri="{BB962C8B-B14F-4D97-AF65-F5344CB8AC3E}">
-        <p14:creationId xmlns:p14="http://schemas.microsoft.com/office/powerpoint/2010/main" xmlns="" val="518089260"/>
+        <p14:creationId xmlns="" xmlns:p14="http://schemas.microsoft.com/office/powerpoint/2010/main" val="518089260"/>
       </p:ext>
     </p:extLst>
   </p:cSld>
@@ -5612,7 +5698,7 @@
           <p:cNvPr id="4" name="Freeform: Shape 3">
             <a:extLst>
               <a:ext uri="{FF2B5EF4-FFF2-40B4-BE49-F238E27FC236}">
-                <a16:creationId xmlns:a16="http://schemas.microsoft.com/office/drawing/2014/main" xmlns="" id="{B79D0555-EBDC-B53A-212D-A5921795FEC8}"/>
+                <a16:creationId xmlns="" xmlns:a16="http://schemas.microsoft.com/office/drawing/2014/main" id="{B79D0555-EBDC-B53A-212D-A5921795FEC8}"/>
               </a:ext>
             </a:extLst>
           </p:cNvPr>
@@ -5735,7 +5821,7 @@
           <p:cNvPr id="18" name="Title 1">
             <a:extLst>
               <a:ext uri="{FF2B5EF4-FFF2-40B4-BE49-F238E27FC236}">
-                <a16:creationId xmlns:a16="http://schemas.microsoft.com/office/drawing/2014/main" xmlns="" id="{8D492973-78E3-D34E-835E-CF2D4517016D}"/>
+                <a16:creationId xmlns="" xmlns:a16="http://schemas.microsoft.com/office/drawing/2014/main" id="{8D492973-78E3-D34E-835E-CF2D4517016D}"/>
               </a:ext>
             </a:extLst>
           </p:cNvPr>
@@ -5782,10 +5868,10 @@
           <p:cNvPr id="7" name="Rectangle 6">
             <a:extLst>
               <a:ext uri="{FF2B5EF4-FFF2-40B4-BE49-F238E27FC236}">
-                <a16:creationId xmlns:a16="http://schemas.microsoft.com/office/drawing/2014/main" xmlns="" id="{D96BA398-1ED2-1FCA-63B9-8915A8C7A524}"/>
+                <a16:creationId xmlns="" xmlns:a16="http://schemas.microsoft.com/office/drawing/2014/main" id="{D96BA398-1ED2-1FCA-63B9-8915A8C7A524}"/>
               </a:ext>
               <a:ext uri="{C183D7F6-B498-43B3-948B-1728B52AA6E4}">
-                <adec:decorative xmlns:adec="http://schemas.microsoft.com/office/drawing/2017/decorative" xmlns="" val="1"/>
+                <adec:decorative xmlns="" xmlns:adec="http://schemas.microsoft.com/office/drawing/2017/decorative" val="1"/>
               </a:ext>
             </a:extLst>
           </p:cNvPr>
@@ -5835,7 +5921,7 @@
     </p:spTree>
     <p:extLst>
       <p:ext uri="{BB962C8B-B14F-4D97-AF65-F5344CB8AC3E}">
-        <p14:creationId xmlns:p14="http://schemas.microsoft.com/office/powerpoint/2010/main" xmlns="" val="1729169562"/>
+        <p14:creationId xmlns="" xmlns:p14="http://schemas.microsoft.com/office/powerpoint/2010/main" val="1729169562"/>
       </p:ext>
     </p:extLst>
   </p:cSld>
@@ -5844,7 +5930,7 @@
   </p:clrMapOvr>
   <p:extLst>
     <p:ext uri="{DCECCB84-F9BA-43D5-87BE-67443E8EF086}">
-      <p15:sldGuideLst xmlns:p15="http://schemas.microsoft.com/office/powerpoint/2012/main" xmlns="">
+      <p15:sldGuideLst xmlns="" xmlns:p15="http://schemas.microsoft.com/office/powerpoint/2012/main">
         <p15:guide id="2" pos="7104">
           <p15:clr>
             <a:srgbClr val="FBAE40"/>
@@ -5901,7 +5987,7 @@
           <p:cNvPr id="2" name="Title 1">
             <a:extLst>
               <a:ext uri="{FF2B5EF4-FFF2-40B4-BE49-F238E27FC236}">
-                <a16:creationId xmlns:a16="http://schemas.microsoft.com/office/drawing/2014/main" xmlns="" id="{E3B6987D-0137-DE42-B76B-FF621E808D90}"/>
+                <a16:creationId xmlns="" xmlns:a16="http://schemas.microsoft.com/office/drawing/2014/main" id="{E3B6987D-0137-DE42-B76B-FF621E808D90}"/>
               </a:ext>
             </a:extLst>
           </p:cNvPr>
@@ -5951,7 +6037,7 @@
           <p:cNvPr id="6" name="Picture Placeholder 5">
             <a:extLst>
               <a:ext uri="{FF2B5EF4-FFF2-40B4-BE49-F238E27FC236}">
-                <a16:creationId xmlns:a16="http://schemas.microsoft.com/office/drawing/2014/main" xmlns="" id="{A9973BC6-F6E5-0B3B-C8AB-0AC4020D4E8B}"/>
+                <a16:creationId xmlns="" xmlns:a16="http://schemas.microsoft.com/office/drawing/2014/main" id="{A9973BC6-F6E5-0B3B-C8AB-0AC4020D4E8B}"/>
               </a:ext>
             </a:extLst>
           </p:cNvPr>
@@ -5991,7 +6077,7 @@
           <p:cNvPr id="18" name="Text Placeholder 29">
             <a:extLst>
               <a:ext uri="{FF2B5EF4-FFF2-40B4-BE49-F238E27FC236}">
-                <a16:creationId xmlns:a16="http://schemas.microsoft.com/office/drawing/2014/main" xmlns="" id="{276A9CD7-E675-3048-86D3-3546A2F6B456}"/>
+                <a16:creationId xmlns="" xmlns:a16="http://schemas.microsoft.com/office/drawing/2014/main" id="{276A9CD7-E675-3048-86D3-3546A2F6B456}"/>
               </a:ext>
             </a:extLst>
           </p:cNvPr>
@@ -6051,10 +6137,10 @@
           <p:cNvPr id="7" name="Straight Connector 6">
             <a:extLst>
               <a:ext uri="{FF2B5EF4-FFF2-40B4-BE49-F238E27FC236}">
-                <a16:creationId xmlns:a16="http://schemas.microsoft.com/office/drawing/2014/main" xmlns="" id="{29169ED6-4B82-6844-119F-AC15CDF2D3E5}"/>
+                <a16:creationId xmlns="" xmlns:a16="http://schemas.microsoft.com/office/drawing/2014/main" id="{29169ED6-4B82-6844-119F-AC15CDF2D3E5}"/>
               </a:ext>
               <a:ext uri="{C183D7F6-B498-43B3-948B-1728B52AA6E4}">
-                <adec:decorative xmlns:adec="http://schemas.microsoft.com/office/drawing/2017/decorative" xmlns="" val="1"/>
+                <adec:decorative xmlns="" xmlns:adec="http://schemas.microsoft.com/office/drawing/2017/decorative" val="1"/>
               </a:ext>
             </a:extLst>
           </p:cNvPr>
@@ -6097,7 +6183,7 @@
     </p:spTree>
     <p:extLst>
       <p:ext uri="{BB962C8B-B14F-4D97-AF65-F5344CB8AC3E}">
-        <p14:creationId xmlns:p14="http://schemas.microsoft.com/office/powerpoint/2010/main" xmlns="" val="1987914064"/>
+        <p14:creationId xmlns="" xmlns:p14="http://schemas.microsoft.com/office/powerpoint/2010/main" val="1987914064"/>
       </p:ext>
     </p:extLst>
   </p:cSld>
@@ -6137,10 +6223,10 @@
           <p:cNvPr id="9" name="Straight Connector 8">
             <a:extLst>
               <a:ext uri="{FF2B5EF4-FFF2-40B4-BE49-F238E27FC236}">
-                <a16:creationId xmlns:a16="http://schemas.microsoft.com/office/drawing/2014/main" xmlns="" id="{C57F1500-1A16-D1EF-4F0C-030852B291FC}"/>
+                <a16:creationId xmlns="" xmlns:a16="http://schemas.microsoft.com/office/drawing/2014/main" id="{C57F1500-1A16-D1EF-4F0C-030852B291FC}"/>
               </a:ext>
               <a:ext uri="{C183D7F6-B498-43B3-948B-1728B52AA6E4}">
-                <adec:decorative xmlns:adec="http://schemas.microsoft.com/office/drawing/2017/decorative" xmlns="" val="1"/>
+                <adec:decorative xmlns="" xmlns:adec="http://schemas.microsoft.com/office/drawing/2017/decorative" val="1"/>
               </a:ext>
             </a:extLst>
           </p:cNvPr>
@@ -6185,10 +6271,10 @@
           <p:cNvPr id="10" name="Group 9">
             <a:extLst>
               <a:ext uri="{FF2B5EF4-FFF2-40B4-BE49-F238E27FC236}">
-                <a16:creationId xmlns:a16="http://schemas.microsoft.com/office/drawing/2014/main" xmlns="" id="{2D07A0BE-3890-193E-9439-F294E61A71B9}"/>
+                <a16:creationId xmlns="" xmlns:a16="http://schemas.microsoft.com/office/drawing/2014/main" id="{2D07A0BE-3890-193E-9439-F294E61A71B9}"/>
               </a:ext>
               <a:ext uri="{C183D7F6-B498-43B3-948B-1728B52AA6E4}">
-                <adec:decorative xmlns:adec="http://schemas.microsoft.com/office/drawing/2017/decorative" xmlns="" val="1"/>
+                <adec:decorative xmlns="" xmlns:adec="http://schemas.microsoft.com/office/drawing/2017/decorative" val="1"/>
               </a:ext>
             </a:extLst>
           </p:cNvPr>
@@ -6210,7 +6296,7 @@
             <p:cNvPr id="11" name="Freeform 19">
               <a:extLst>
                 <a:ext uri="{FF2B5EF4-FFF2-40B4-BE49-F238E27FC236}">
-                  <a16:creationId xmlns:a16="http://schemas.microsoft.com/office/drawing/2014/main" xmlns="" id="{C05217ED-C258-E6CE-BA7F-28A6EA41BCD3}"/>
+                  <a16:creationId xmlns="" xmlns:a16="http://schemas.microsoft.com/office/drawing/2014/main" id="{C05217ED-C258-E6CE-BA7F-28A6EA41BCD3}"/>
                 </a:ext>
               </a:extLst>
             </p:cNvPr>
@@ -6291,7 +6377,7 @@
             </a:ln>
             <a:extLst>
               <a:ext uri="{91240B29-F687-4F45-9708-019B960494DF}">
-                <a14:hiddenLine xmlns:a14="http://schemas.microsoft.com/office/drawing/2010/main" xmlns="" w="9525">
+                <a14:hiddenLine xmlns="" xmlns:a14="http://schemas.microsoft.com/office/drawing/2010/main" w="9525">
                   <a:solidFill>
                     <a:srgbClr val="000000"/>
                   </a:solidFill>
@@ -6317,7 +6403,7 @@
             <p:cNvPr id="12" name="Freeform 20">
               <a:extLst>
                 <a:ext uri="{FF2B5EF4-FFF2-40B4-BE49-F238E27FC236}">
-                  <a16:creationId xmlns:a16="http://schemas.microsoft.com/office/drawing/2014/main" xmlns="" id="{F3E11A1F-14DD-BA35-D7D7-4D4ADEAA3484}"/>
+                  <a16:creationId xmlns="" xmlns:a16="http://schemas.microsoft.com/office/drawing/2014/main" id="{F3E11A1F-14DD-BA35-D7D7-4D4ADEAA3484}"/>
                 </a:ext>
               </a:extLst>
             </p:cNvPr>
@@ -6389,7 +6475,7 @@
             </a:ln>
             <a:extLst>
               <a:ext uri="{91240B29-F687-4F45-9708-019B960494DF}">
-                <a14:hiddenLine xmlns:a14="http://schemas.microsoft.com/office/drawing/2010/main" xmlns="" w="9525">
+                <a14:hiddenLine xmlns="" xmlns:a14="http://schemas.microsoft.com/office/drawing/2010/main" w="9525">
                   <a:solidFill>
                     <a:srgbClr val="000000"/>
                   </a:solidFill>
@@ -6415,7 +6501,7 @@
             <p:cNvPr id="13" name="Freeform 21">
               <a:extLst>
                 <a:ext uri="{FF2B5EF4-FFF2-40B4-BE49-F238E27FC236}">
-                  <a16:creationId xmlns:a16="http://schemas.microsoft.com/office/drawing/2014/main" xmlns="" id="{F14541B0-973F-7E21-1019-D2FB83C8C0D0}"/>
+                  <a16:creationId xmlns="" xmlns:a16="http://schemas.microsoft.com/office/drawing/2014/main" id="{F14541B0-973F-7E21-1019-D2FB83C8C0D0}"/>
                 </a:ext>
               </a:extLst>
             </p:cNvPr>
@@ -6490,7 +6576,7 @@
             </a:ln>
             <a:extLst>
               <a:ext uri="{91240B29-F687-4F45-9708-019B960494DF}">
-                <a14:hiddenLine xmlns:a14="http://schemas.microsoft.com/office/drawing/2010/main" xmlns="" w="9525">
+                <a14:hiddenLine xmlns="" xmlns:a14="http://schemas.microsoft.com/office/drawing/2010/main" w="9525">
                   <a:solidFill>
                     <a:srgbClr val="000000"/>
                   </a:solidFill>
@@ -6517,7 +6603,7 @@
           <p:cNvPr id="32" name="Title 1">
             <a:extLst>
               <a:ext uri="{FF2B5EF4-FFF2-40B4-BE49-F238E27FC236}">
-                <a16:creationId xmlns:a16="http://schemas.microsoft.com/office/drawing/2014/main" xmlns="" id="{467E05B6-B7CB-1E4F-96BA-4B8CFE8B63D9}"/>
+                <a16:creationId xmlns="" xmlns:a16="http://schemas.microsoft.com/office/drawing/2014/main" id="{467E05B6-B7CB-1E4F-96BA-4B8CFE8B63D9}"/>
               </a:ext>
             </a:extLst>
           </p:cNvPr>
@@ -6561,7 +6647,7 @@
           <p:cNvPr id="2" name="Content Placeholder 5">
             <a:extLst>
               <a:ext uri="{FF2B5EF4-FFF2-40B4-BE49-F238E27FC236}">
-                <a16:creationId xmlns:a16="http://schemas.microsoft.com/office/drawing/2014/main" xmlns="" id="{F6FE0DC0-B0D7-F4D6-8038-177AD7A8C211}"/>
+                <a16:creationId xmlns="" xmlns:a16="http://schemas.microsoft.com/office/drawing/2014/main" id="{F6FE0DC0-B0D7-F4D6-8038-177AD7A8C211}"/>
               </a:ext>
             </a:extLst>
           </p:cNvPr>
@@ -6658,7 +6744,7 @@
           <p:cNvPr id="8" name="Slide Number Placeholder 7">
             <a:extLst>
               <a:ext uri="{FF2B5EF4-FFF2-40B4-BE49-F238E27FC236}">
-                <a16:creationId xmlns:a16="http://schemas.microsoft.com/office/drawing/2014/main" xmlns="" id="{7ED58739-4346-5104-B1AC-89ED035912AF}"/>
+                <a16:creationId xmlns="" xmlns:a16="http://schemas.microsoft.com/office/drawing/2014/main" id="{7ED58739-4346-5104-B1AC-89ED035912AF}"/>
               </a:ext>
             </a:extLst>
           </p:cNvPr>
@@ -6690,7 +6776,7 @@
           <p:cNvPr id="5" name="Date Placeholder 4">
             <a:extLst>
               <a:ext uri="{FF2B5EF4-FFF2-40B4-BE49-F238E27FC236}">
-                <a16:creationId xmlns:a16="http://schemas.microsoft.com/office/drawing/2014/main" xmlns="" id="{E9272B8D-F380-9F1A-C8E6-BDD2352B1763}"/>
+                <a16:creationId xmlns="" xmlns:a16="http://schemas.microsoft.com/office/drawing/2014/main" id="{E9272B8D-F380-9F1A-C8E6-BDD2352B1763}"/>
               </a:ext>
             </a:extLst>
           </p:cNvPr>
@@ -6715,7 +6801,7 @@
     </p:spTree>
     <p:extLst>
       <p:ext uri="{BB962C8B-B14F-4D97-AF65-F5344CB8AC3E}">
-        <p14:creationId xmlns:p14="http://schemas.microsoft.com/office/powerpoint/2010/main" xmlns="" val="1402964143"/>
+        <p14:creationId xmlns="" xmlns:p14="http://schemas.microsoft.com/office/powerpoint/2010/main" val="1402964143"/>
       </p:ext>
     </p:extLst>
   </p:cSld>
@@ -6724,7 +6810,7 @@
   </p:clrMapOvr>
   <p:extLst>
     <p:ext uri="{DCECCB84-F9BA-43D5-87BE-67443E8EF086}">
-      <p15:sldGuideLst xmlns:p15="http://schemas.microsoft.com/office/powerpoint/2012/main" xmlns="">
+      <p15:sldGuideLst xmlns="" xmlns:p15="http://schemas.microsoft.com/office/powerpoint/2012/main">
         <p15:guide id="1" pos="600">
           <p15:clr>
             <a:srgbClr val="FBAE40"/>
@@ -6816,7 +6902,7 @@
           <p:cNvPr id="2" name="Title 1">
             <a:extLst>
               <a:ext uri="{FF2B5EF4-FFF2-40B4-BE49-F238E27FC236}">
-                <a16:creationId xmlns:a16="http://schemas.microsoft.com/office/drawing/2014/main" xmlns="" id="{E3B6987D-0137-DE42-B76B-FF621E808D90}"/>
+                <a16:creationId xmlns="" xmlns:a16="http://schemas.microsoft.com/office/drawing/2014/main" id="{E3B6987D-0137-DE42-B76B-FF621E808D90}"/>
               </a:ext>
             </a:extLst>
           </p:cNvPr>
@@ -6866,10 +6952,10 @@
           <p:cNvPr id="9" name="Group 8">
             <a:extLst>
               <a:ext uri="{FF2B5EF4-FFF2-40B4-BE49-F238E27FC236}">
-                <a16:creationId xmlns:a16="http://schemas.microsoft.com/office/drawing/2014/main" xmlns="" id="{C26C18C3-ED25-DD4B-BA72-24932D54DE37}"/>
+                <a16:creationId xmlns="" xmlns:a16="http://schemas.microsoft.com/office/drawing/2014/main" id="{C26C18C3-ED25-DD4B-BA72-24932D54DE37}"/>
               </a:ext>
               <a:ext uri="{C183D7F6-B498-43B3-948B-1728B52AA6E4}">
-                <adec:decorative xmlns:adec="http://schemas.microsoft.com/office/drawing/2017/decorative" xmlns="" val="1"/>
+                <adec:decorative xmlns="" xmlns:adec="http://schemas.microsoft.com/office/drawing/2017/decorative" val="1"/>
               </a:ext>
             </a:extLst>
           </p:cNvPr>
@@ -6891,7 +6977,7 @@
             <p:cNvPr id="10" name="Freeform 9">
               <a:extLst>
                 <a:ext uri="{FF2B5EF4-FFF2-40B4-BE49-F238E27FC236}">
-                  <a16:creationId xmlns:a16="http://schemas.microsoft.com/office/drawing/2014/main" xmlns="" id="{C07CC263-2515-F147-8CC5-F8E9FF9FA8E4}"/>
+                  <a16:creationId xmlns="" xmlns:a16="http://schemas.microsoft.com/office/drawing/2014/main" id="{C07CC263-2515-F147-8CC5-F8E9FF9FA8E4}"/>
                 </a:ext>
               </a:extLst>
             </p:cNvPr>
@@ -6972,7 +7058,7 @@
             </a:ln>
             <a:extLst>
               <a:ext uri="{91240B29-F687-4F45-9708-019B960494DF}">
-                <a14:hiddenLine xmlns:a14="http://schemas.microsoft.com/office/drawing/2010/main" xmlns="" w="9525">
+                <a14:hiddenLine xmlns="" xmlns:a14="http://schemas.microsoft.com/office/drawing/2010/main" w="9525">
                   <a:solidFill>
                     <a:srgbClr val="000000"/>
                   </a:solidFill>
@@ -6998,7 +7084,7 @@
             <p:cNvPr id="11" name="Freeform 10">
               <a:extLst>
                 <a:ext uri="{FF2B5EF4-FFF2-40B4-BE49-F238E27FC236}">
-                  <a16:creationId xmlns:a16="http://schemas.microsoft.com/office/drawing/2014/main" xmlns="" id="{43B40037-7481-524B-8685-404D965690F2}"/>
+                  <a16:creationId xmlns="" xmlns:a16="http://schemas.microsoft.com/office/drawing/2014/main" id="{43B40037-7481-524B-8685-404D965690F2}"/>
                 </a:ext>
               </a:extLst>
             </p:cNvPr>
@@ -7070,7 +7156,7 @@
             </a:ln>
             <a:extLst>
               <a:ext uri="{91240B29-F687-4F45-9708-019B960494DF}">
-                <a14:hiddenLine xmlns:a14="http://schemas.microsoft.com/office/drawing/2010/main" xmlns="" w="9525">
+                <a14:hiddenLine xmlns="" xmlns:a14="http://schemas.microsoft.com/office/drawing/2010/main" w="9525">
                   <a:solidFill>
                     <a:srgbClr val="000000"/>
                   </a:solidFill>
@@ -7096,7 +7182,7 @@
             <p:cNvPr id="12" name="Freeform 11">
               <a:extLst>
                 <a:ext uri="{FF2B5EF4-FFF2-40B4-BE49-F238E27FC236}">
-                  <a16:creationId xmlns:a16="http://schemas.microsoft.com/office/drawing/2014/main" xmlns="" id="{7B759713-8408-EE47-9394-3DA6F5E4B624}"/>
+                  <a16:creationId xmlns="" xmlns:a16="http://schemas.microsoft.com/office/drawing/2014/main" id="{7B759713-8408-EE47-9394-3DA6F5E4B624}"/>
                 </a:ext>
               </a:extLst>
             </p:cNvPr>
@@ -7171,7 +7257,7 @@
             </a:ln>
             <a:extLst>
               <a:ext uri="{91240B29-F687-4F45-9708-019B960494DF}">
-                <a14:hiddenLine xmlns:a14="http://schemas.microsoft.com/office/drawing/2010/main" xmlns="" w="9525">
+                <a14:hiddenLine xmlns="" xmlns:a14="http://schemas.microsoft.com/office/drawing/2010/main" w="9525">
                   <a:solidFill>
                     <a:srgbClr val="000000"/>
                   </a:solidFill>
@@ -7198,10 +7284,10 @@
           <p:cNvPr id="13" name="Straight Connector 12">
             <a:extLst>
               <a:ext uri="{FF2B5EF4-FFF2-40B4-BE49-F238E27FC236}">
-                <a16:creationId xmlns:a16="http://schemas.microsoft.com/office/drawing/2014/main" xmlns="" id="{A69706A2-3726-FE4E-B923-E75D48597816}"/>
+                <a16:creationId xmlns="" xmlns:a16="http://schemas.microsoft.com/office/drawing/2014/main" id="{A69706A2-3726-FE4E-B923-E75D48597816}"/>
               </a:ext>
               <a:ext uri="{C183D7F6-B498-43B3-948B-1728B52AA6E4}">
-                <adec:decorative xmlns:adec="http://schemas.microsoft.com/office/drawing/2017/decorative" xmlns="" val="1"/>
+                <adec:decorative xmlns="" xmlns:adec="http://schemas.microsoft.com/office/drawing/2017/decorative" val="1"/>
               </a:ext>
             </a:extLst>
           </p:cNvPr>
@@ -7246,7 +7332,7 @@
           <p:cNvPr id="18" name="Text Placeholder 29">
             <a:extLst>
               <a:ext uri="{FF2B5EF4-FFF2-40B4-BE49-F238E27FC236}">
-                <a16:creationId xmlns:a16="http://schemas.microsoft.com/office/drawing/2014/main" xmlns="" id="{276A9CD7-E675-3048-86D3-3546A2F6B456}"/>
+                <a16:creationId xmlns="" xmlns:a16="http://schemas.microsoft.com/office/drawing/2014/main" id="{276A9CD7-E675-3048-86D3-3546A2F6B456}"/>
               </a:ext>
             </a:extLst>
           </p:cNvPr>
@@ -7304,7 +7390,7 @@
     </p:spTree>
     <p:extLst>
       <p:ext uri="{BB962C8B-B14F-4D97-AF65-F5344CB8AC3E}">
-        <p14:creationId xmlns:p14="http://schemas.microsoft.com/office/powerpoint/2010/main" xmlns="" val="2027108532"/>
+        <p14:creationId xmlns="" xmlns:p14="http://schemas.microsoft.com/office/powerpoint/2010/main" val="2027108532"/>
       </p:ext>
     </p:extLst>
   </p:cSld>
@@ -7344,10 +7430,10 @@
           <p:cNvPr id="11" name="Group 10">
             <a:extLst>
               <a:ext uri="{FF2B5EF4-FFF2-40B4-BE49-F238E27FC236}">
-                <a16:creationId xmlns:a16="http://schemas.microsoft.com/office/drawing/2014/main" xmlns="" id="{C97D5AF2-684A-4A8D-3D82-B57D7AC44677}"/>
+                <a16:creationId xmlns="" xmlns:a16="http://schemas.microsoft.com/office/drawing/2014/main" id="{C97D5AF2-684A-4A8D-3D82-B57D7AC44677}"/>
               </a:ext>
               <a:ext uri="{C183D7F6-B498-43B3-948B-1728B52AA6E4}">
-                <adec:decorative xmlns:adec="http://schemas.microsoft.com/office/drawing/2017/decorative" xmlns="" val="1"/>
+                <adec:decorative xmlns="" xmlns:adec="http://schemas.microsoft.com/office/drawing/2017/decorative" val="1"/>
               </a:ext>
             </a:extLst>
           </p:cNvPr>
@@ -7369,7 +7455,7 @@
             <p:cNvPr id="12" name="Freeform 4">
               <a:extLst>
                 <a:ext uri="{FF2B5EF4-FFF2-40B4-BE49-F238E27FC236}">
-                  <a16:creationId xmlns:a16="http://schemas.microsoft.com/office/drawing/2014/main" xmlns="" id="{8CF5F650-F8F0-F4FE-44DA-1F14ADE428B2}"/>
+                  <a16:creationId xmlns="" xmlns:a16="http://schemas.microsoft.com/office/drawing/2014/main" id="{8CF5F650-F8F0-F4FE-44DA-1F14ADE428B2}"/>
                 </a:ext>
               </a:extLst>
             </p:cNvPr>
@@ -7450,7 +7536,7 @@
             </a:ln>
             <a:extLst>
               <a:ext uri="{91240B29-F687-4F45-9708-019B960494DF}">
-                <a14:hiddenLine xmlns:a14="http://schemas.microsoft.com/office/drawing/2010/main" xmlns="" w="9525">
+                <a14:hiddenLine xmlns="" xmlns:a14="http://schemas.microsoft.com/office/drawing/2010/main" w="9525">
                   <a:solidFill>
                     <a:srgbClr val="000000"/>
                   </a:solidFill>
@@ -7476,7 +7562,7 @@
             <p:cNvPr id="13" name="Freeform 5">
               <a:extLst>
                 <a:ext uri="{FF2B5EF4-FFF2-40B4-BE49-F238E27FC236}">
-                  <a16:creationId xmlns:a16="http://schemas.microsoft.com/office/drawing/2014/main" xmlns="" id="{18870924-E47D-404F-59B5-BD1C58F7B04C}"/>
+                  <a16:creationId xmlns="" xmlns:a16="http://schemas.microsoft.com/office/drawing/2014/main" id="{18870924-E47D-404F-59B5-BD1C58F7B04C}"/>
                 </a:ext>
               </a:extLst>
             </p:cNvPr>
@@ -7548,7 +7634,7 @@
             </a:ln>
             <a:extLst>
               <a:ext uri="{91240B29-F687-4F45-9708-019B960494DF}">
-                <a14:hiddenLine xmlns:a14="http://schemas.microsoft.com/office/drawing/2010/main" xmlns="" w="9525">
+                <a14:hiddenLine xmlns="" xmlns:a14="http://schemas.microsoft.com/office/drawing/2010/main" w="9525">
                   <a:solidFill>
                     <a:srgbClr val="000000"/>
                   </a:solidFill>
@@ -7574,7 +7660,7 @@
             <p:cNvPr id="14" name="Freeform 7">
               <a:extLst>
                 <a:ext uri="{FF2B5EF4-FFF2-40B4-BE49-F238E27FC236}">
-                  <a16:creationId xmlns:a16="http://schemas.microsoft.com/office/drawing/2014/main" xmlns="" id="{80806A65-E4FC-2F52-65B3-CC181E620C29}"/>
+                  <a16:creationId xmlns="" xmlns:a16="http://schemas.microsoft.com/office/drawing/2014/main" id="{80806A65-E4FC-2F52-65B3-CC181E620C29}"/>
                 </a:ext>
               </a:extLst>
             </p:cNvPr>
@@ -7649,7 +7735,7 @@
             </a:ln>
             <a:extLst>
               <a:ext uri="{91240B29-F687-4F45-9708-019B960494DF}">
-                <a14:hiddenLine xmlns:a14="http://schemas.microsoft.com/office/drawing/2010/main" xmlns="" w="9525">
+                <a14:hiddenLine xmlns="" xmlns:a14="http://schemas.microsoft.com/office/drawing/2010/main" w="9525">
                   <a:solidFill>
                     <a:srgbClr val="000000"/>
                   </a:solidFill>
@@ -7676,7 +7762,7 @@
           <p:cNvPr id="16" name="Title 1">
             <a:extLst>
               <a:ext uri="{FF2B5EF4-FFF2-40B4-BE49-F238E27FC236}">
-                <a16:creationId xmlns:a16="http://schemas.microsoft.com/office/drawing/2014/main" xmlns="" id="{109B023A-F28F-184D-BA48-3F1C0502AE0A}"/>
+                <a16:creationId xmlns="" xmlns:a16="http://schemas.microsoft.com/office/drawing/2014/main" id="{109B023A-F28F-184D-BA48-3F1C0502AE0A}"/>
               </a:ext>
             </a:extLst>
           </p:cNvPr>
@@ -7723,7 +7809,7 @@
           <p:cNvPr id="2" name="Content Placeholder 5">
             <a:extLst>
               <a:ext uri="{FF2B5EF4-FFF2-40B4-BE49-F238E27FC236}">
-                <a16:creationId xmlns:a16="http://schemas.microsoft.com/office/drawing/2014/main" xmlns="" id="{F14DA3C5-63E4-BAFB-1D68-47F71EEEE538}"/>
+                <a16:creationId xmlns="" xmlns:a16="http://schemas.microsoft.com/office/drawing/2014/main" id="{F14DA3C5-63E4-BAFB-1D68-47F71EEEE538}"/>
               </a:ext>
             </a:extLst>
           </p:cNvPr>
@@ -7820,7 +7906,7 @@
           <p:cNvPr id="3" name="Content Placeholder 5">
             <a:extLst>
               <a:ext uri="{FF2B5EF4-FFF2-40B4-BE49-F238E27FC236}">
-                <a16:creationId xmlns:a16="http://schemas.microsoft.com/office/drawing/2014/main" xmlns="" id="{BD11386D-847E-8CF5-E56A-42E80A65A089}"/>
+                <a16:creationId xmlns="" xmlns:a16="http://schemas.microsoft.com/office/drawing/2014/main" id="{BD11386D-847E-8CF5-E56A-42E80A65A089}"/>
               </a:ext>
             </a:extLst>
           </p:cNvPr>
@@ -7917,7 +8003,7 @@
           <p:cNvPr id="10" name="Slide Number Placeholder 9">
             <a:extLst>
               <a:ext uri="{FF2B5EF4-FFF2-40B4-BE49-F238E27FC236}">
-                <a16:creationId xmlns:a16="http://schemas.microsoft.com/office/drawing/2014/main" xmlns="" id="{05D79B4B-A9BD-581F-536E-DE7CF728F84E}"/>
+                <a16:creationId xmlns="" xmlns:a16="http://schemas.microsoft.com/office/drawing/2014/main" id="{05D79B4B-A9BD-581F-536E-DE7CF728F84E}"/>
               </a:ext>
             </a:extLst>
           </p:cNvPr>
@@ -7949,7 +8035,7 @@
           <p:cNvPr id="8" name="Date Placeholder 7">
             <a:extLst>
               <a:ext uri="{FF2B5EF4-FFF2-40B4-BE49-F238E27FC236}">
-                <a16:creationId xmlns:a16="http://schemas.microsoft.com/office/drawing/2014/main" xmlns="" id="{C5EA2E64-5690-A56B-7051-476EC7BADA55}"/>
+                <a16:creationId xmlns="" xmlns:a16="http://schemas.microsoft.com/office/drawing/2014/main" id="{C5EA2E64-5690-A56B-7051-476EC7BADA55}"/>
               </a:ext>
             </a:extLst>
           </p:cNvPr>
@@ -7976,10 +8062,10 @@
           <p:cNvPr id="4" name="Straight Connector 3">
             <a:extLst>
               <a:ext uri="{FF2B5EF4-FFF2-40B4-BE49-F238E27FC236}">
-                <a16:creationId xmlns:a16="http://schemas.microsoft.com/office/drawing/2014/main" xmlns="" id="{E66081BA-9135-73B1-DCE5-77FD12431F13}"/>
+                <a16:creationId xmlns="" xmlns:a16="http://schemas.microsoft.com/office/drawing/2014/main" id="{E66081BA-9135-73B1-DCE5-77FD12431F13}"/>
               </a:ext>
               <a:ext uri="{C183D7F6-B498-43B3-948B-1728B52AA6E4}">
-                <adec:decorative xmlns:adec="http://schemas.microsoft.com/office/drawing/2017/decorative" xmlns="" val="1"/>
+                <adec:decorative xmlns="" xmlns:adec="http://schemas.microsoft.com/office/drawing/2017/decorative" val="1"/>
               </a:ext>
             </a:extLst>
           </p:cNvPr>
@@ -8022,7 +8108,7 @@
     </p:spTree>
     <p:extLst>
       <p:ext uri="{BB962C8B-B14F-4D97-AF65-F5344CB8AC3E}">
-        <p14:creationId xmlns:p14="http://schemas.microsoft.com/office/powerpoint/2010/main" xmlns="" val="941056953"/>
+        <p14:creationId xmlns="" xmlns:p14="http://schemas.microsoft.com/office/powerpoint/2010/main" val="941056953"/>
       </p:ext>
     </p:extLst>
   </p:cSld>
@@ -8031,7 +8117,7 @@
   </p:clrMapOvr>
   <p:extLst>
     <p:ext uri="{DCECCB84-F9BA-43D5-87BE-67443E8EF086}">
-      <p15:sldGuideLst xmlns:p15="http://schemas.microsoft.com/office/powerpoint/2012/main" xmlns="">
+      <p15:sldGuideLst xmlns="" xmlns:p15="http://schemas.microsoft.com/office/powerpoint/2012/main">
         <p15:guide id="1" pos="600">
           <p15:clr>
             <a:srgbClr val="FBAE40"/>
@@ -8113,10 +8199,10 @@
           <p:cNvPr id="11" name="Group 10">
             <a:extLst>
               <a:ext uri="{FF2B5EF4-FFF2-40B4-BE49-F238E27FC236}">
-                <a16:creationId xmlns:a16="http://schemas.microsoft.com/office/drawing/2014/main" xmlns="" id="{42E558A9-6DD6-E21D-3A8F-6707E1DD19F1}"/>
+                <a16:creationId xmlns="" xmlns:a16="http://schemas.microsoft.com/office/drawing/2014/main" id="{42E558A9-6DD6-E21D-3A8F-6707E1DD19F1}"/>
               </a:ext>
               <a:ext uri="{C183D7F6-B498-43B3-948B-1728B52AA6E4}">
-                <adec:decorative xmlns:adec="http://schemas.microsoft.com/office/drawing/2017/decorative" xmlns="" val="1"/>
+                <adec:decorative xmlns="" xmlns:adec="http://schemas.microsoft.com/office/drawing/2017/decorative" val="1"/>
               </a:ext>
             </a:extLst>
           </p:cNvPr>
@@ -8136,7 +8222,7 @@
             <p:cNvPr id="12" name="AutoShape 24">
               <a:extLst>
                 <a:ext uri="{FF2B5EF4-FFF2-40B4-BE49-F238E27FC236}">
-                  <a16:creationId xmlns:a16="http://schemas.microsoft.com/office/drawing/2014/main" xmlns="" id="{3FC994E4-318C-1E66-B4E4-8F8FD08E098F}"/>
+                  <a16:creationId xmlns="" xmlns:a16="http://schemas.microsoft.com/office/drawing/2014/main" id="{3FC994E4-318C-1E66-B4E4-8F8FD08E098F}"/>
                 </a:ext>
               </a:extLst>
             </p:cNvPr>
@@ -8261,7 +8347,7 @@
             </a:ln>
             <a:extLst>
               <a:ext uri="{91240B29-F687-4F45-9708-019B960494DF}">
-                <a14:hiddenLine xmlns:a14="http://schemas.microsoft.com/office/drawing/2010/main" xmlns="" w="9525">
+                <a14:hiddenLine xmlns="" xmlns:a14="http://schemas.microsoft.com/office/drawing/2010/main" w="9525">
                   <a:solidFill>
                     <a:srgbClr val="000000"/>
                   </a:solidFill>
@@ -8287,7 +8373,7 @@
             <p:cNvPr id="13" name="Freeform 7">
               <a:extLst>
                 <a:ext uri="{FF2B5EF4-FFF2-40B4-BE49-F238E27FC236}">
-                  <a16:creationId xmlns:a16="http://schemas.microsoft.com/office/drawing/2014/main" xmlns="" id="{17C00E6B-F625-6D6C-8364-9DD9F3C3628F}"/>
+                  <a16:creationId xmlns="" xmlns:a16="http://schemas.microsoft.com/office/drawing/2014/main" id="{17C00E6B-F625-6D6C-8364-9DD9F3C3628F}"/>
                 </a:ext>
               </a:extLst>
             </p:cNvPr>
@@ -8373,7 +8459,7 @@
             </a:ln>
             <a:extLst>
               <a:ext uri="{91240B29-F687-4F45-9708-019B960494DF}">
-                <a14:hiddenLine xmlns:a14="http://schemas.microsoft.com/office/drawing/2010/main" xmlns="" w="9525">
+                <a14:hiddenLine xmlns="" xmlns:a14="http://schemas.microsoft.com/office/drawing/2010/main" w="9525">
                   <a:solidFill>
                     <a:srgbClr val="000000"/>
                   </a:solidFill>
@@ -8399,7 +8485,7 @@
             <p:cNvPr id="14" name="Freeform 8">
               <a:extLst>
                 <a:ext uri="{FF2B5EF4-FFF2-40B4-BE49-F238E27FC236}">
-                  <a16:creationId xmlns:a16="http://schemas.microsoft.com/office/drawing/2014/main" xmlns="" id="{C6197B87-4F65-7981-9463-84830CD3687F}"/>
+                  <a16:creationId xmlns="" xmlns:a16="http://schemas.microsoft.com/office/drawing/2014/main" id="{C6197B87-4F65-7981-9463-84830CD3687F}"/>
                 </a:ext>
               </a:extLst>
             </p:cNvPr>
@@ -8471,7 +8557,7 @@
             </a:ln>
             <a:extLst>
               <a:ext uri="{91240B29-F687-4F45-9708-019B960494DF}">
-                <a14:hiddenLine xmlns:a14="http://schemas.microsoft.com/office/drawing/2010/main" xmlns="" w="9525">
+                <a14:hiddenLine xmlns="" xmlns:a14="http://schemas.microsoft.com/office/drawing/2010/main" w="9525">
                   <a:solidFill>
                     <a:srgbClr val="000000"/>
                   </a:solidFill>
@@ -8497,7 +8583,7 @@
             <p:cNvPr id="18" name="Freeform 9">
               <a:extLst>
                 <a:ext uri="{FF2B5EF4-FFF2-40B4-BE49-F238E27FC236}">
-                  <a16:creationId xmlns:a16="http://schemas.microsoft.com/office/drawing/2014/main" xmlns="" id="{86AA517C-7217-D864-B7E7-40984A2880DB}"/>
+                  <a16:creationId xmlns="" xmlns:a16="http://schemas.microsoft.com/office/drawing/2014/main" id="{86AA517C-7217-D864-B7E7-40984A2880DB}"/>
                 </a:ext>
               </a:extLst>
             </p:cNvPr>
@@ -8597,7 +8683,7 @@
             <p:cNvPr id="19" name="Freeform 10">
               <a:extLst>
                 <a:ext uri="{FF2B5EF4-FFF2-40B4-BE49-F238E27FC236}">
-                  <a16:creationId xmlns:a16="http://schemas.microsoft.com/office/drawing/2014/main" xmlns="" id="{524013C6-491C-CAA2-5BD6-7C73596711CC}"/>
+                  <a16:creationId xmlns="" xmlns:a16="http://schemas.microsoft.com/office/drawing/2014/main" id="{524013C6-491C-CAA2-5BD6-7C73596711CC}"/>
                 </a:ext>
               </a:extLst>
             </p:cNvPr>
@@ -8682,7 +8768,7 @@
             </a:ln>
             <a:extLst>
               <a:ext uri="{91240B29-F687-4F45-9708-019B960494DF}">
-                <a14:hiddenLine xmlns:a14="http://schemas.microsoft.com/office/drawing/2010/main" xmlns="" w="9525">
+                <a14:hiddenLine xmlns="" xmlns:a14="http://schemas.microsoft.com/office/drawing/2010/main" w="9525">
                   <a:solidFill>
                     <a:srgbClr val="000000"/>
                   </a:solidFill>
@@ -8709,7 +8795,7 @@
           <p:cNvPr id="16" name="Title 1">
             <a:extLst>
               <a:ext uri="{FF2B5EF4-FFF2-40B4-BE49-F238E27FC236}">
-                <a16:creationId xmlns:a16="http://schemas.microsoft.com/office/drawing/2014/main" xmlns="" id="{109B023A-F28F-184D-BA48-3F1C0502AE0A}"/>
+                <a16:creationId xmlns="" xmlns:a16="http://schemas.microsoft.com/office/drawing/2014/main" id="{109B023A-F28F-184D-BA48-3F1C0502AE0A}"/>
               </a:ext>
             </a:extLst>
           </p:cNvPr>
@@ -8756,10 +8842,10 @@
           <p:cNvPr id="4" name="Straight Connector 3">
             <a:extLst>
               <a:ext uri="{FF2B5EF4-FFF2-40B4-BE49-F238E27FC236}">
-                <a16:creationId xmlns:a16="http://schemas.microsoft.com/office/drawing/2014/main" xmlns="" id="{E66081BA-9135-73B1-DCE5-77FD12431F13}"/>
+                <a16:creationId xmlns="" xmlns:a16="http://schemas.microsoft.com/office/drawing/2014/main" id="{E66081BA-9135-73B1-DCE5-77FD12431F13}"/>
               </a:ext>
               <a:ext uri="{C183D7F6-B498-43B3-948B-1728B52AA6E4}">
-                <adec:decorative xmlns:adec="http://schemas.microsoft.com/office/drawing/2017/decorative" xmlns="" val="1"/>
+                <adec:decorative xmlns="" xmlns:adec="http://schemas.microsoft.com/office/drawing/2017/decorative" val="1"/>
               </a:ext>
             </a:extLst>
           </p:cNvPr>
@@ -8804,7 +8890,7 @@
           <p:cNvPr id="7" name="Content Placeholder 5">
             <a:extLst>
               <a:ext uri="{FF2B5EF4-FFF2-40B4-BE49-F238E27FC236}">
-                <a16:creationId xmlns:a16="http://schemas.microsoft.com/office/drawing/2014/main" xmlns="" id="{8007FA9C-C4D5-89EC-C457-5F329A338E1E}"/>
+                <a16:creationId xmlns="" xmlns:a16="http://schemas.microsoft.com/office/drawing/2014/main" id="{8007FA9C-C4D5-89EC-C457-5F329A338E1E}"/>
               </a:ext>
             </a:extLst>
           </p:cNvPr>
@@ -8899,7 +8985,7 @@
           <p:cNvPr id="2" name="Content Placeholder 5">
             <a:extLst>
               <a:ext uri="{FF2B5EF4-FFF2-40B4-BE49-F238E27FC236}">
-                <a16:creationId xmlns:a16="http://schemas.microsoft.com/office/drawing/2014/main" xmlns="" id="{3AC171DA-232D-44C1-6B93-40BACB298F4B}"/>
+                <a16:creationId xmlns="" xmlns:a16="http://schemas.microsoft.com/office/drawing/2014/main" id="{3AC171DA-232D-44C1-6B93-40BACB298F4B}"/>
               </a:ext>
             </a:extLst>
           </p:cNvPr>
@@ -8996,7 +9082,7 @@
           <p:cNvPr id="10" name="Slide Number Placeholder 9">
             <a:extLst>
               <a:ext uri="{FF2B5EF4-FFF2-40B4-BE49-F238E27FC236}">
-                <a16:creationId xmlns:a16="http://schemas.microsoft.com/office/drawing/2014/main" xmlns="" id="{05D79B4B-A9BD-581F-536E-DE7CF728F84E}"/>
+                <a16:creationId xmlns="" xmlns:a16="http://schemas.microsoft.com/office/drawing/2014/main" id="{05D79B4B-A9BD-581F-536E-DE7CF728F84E}"/>
               </a:ext>
             </a:extLst>
           </p:cNvPr>
@@ -9028,7 +9114,7 @@
           <p:cNvPr id="8" name="Date Placeholder 7">
             <a:extLst>
               <a:ext uri="{FF2B5EF4-FFF2-40B4-BE49-F238E27FC236}">
-                <a16:creationId xmlns:a16="http://schemas.microsoft.com/office/drawing/2014/main" xmlns="" id="{C5EA2E64-5690-A56B-7051-476EC7BADA55}"/>
+                <a16:creationId xmlns="" xmlns:a16="http://schemas.microsoft.com/office/drawing/2014/main" id="{C5EA2E64-5690-A56B-7051-476EC7BADA55}"/>
               </a:ext>
             </a:extLst>
           </p:cNvPr>
@@ -9053,7 +9139,7 @@
     </p:spTree>
     <p:extLst>
       <p:ext uri="{BB962C8B-B14F-4D97-AF65-F5344CB8AC3E}">
-        <p14:creationId xmlns:p14="http://schemas.microsoft.com/office/powerpoint/2010/main" xmlns="" val="554606805"/>
+        <p14:creationId xmlns="" xmlns:p14="http://schemas.microsoft.com/office/powerpoint/2010/main" val="554606805"/>
       </p:ext>
     </p:extLst>
   </p:cSld>
@@ -9062,7 +9148,7 @@
   </p:clrMapOvr>
   <p:extLst>
     <p:ext uri="{DCECCB84-F9BA-43D5-87BE-67443E8EF086}">
-      <p15:sldGuideLst xmlns:p15="http://schemas.microsoft.com/office/powerpoint/2012/main" xmlns="">
+      <p15:sldGuideLst xmlns="" xmlns:p15="http://schemas.microsoft.com/office/powerpoint/2012/main">
         <p15:guide id="1" pos="600">
           <p15:clr>
             <a:srgbClr val="FBAE40"/>
@@ -9144,7 +9230,7 @@
           <p:cNvPr id="16" name="Title 1">
             <a:extLst>
               <a:ext uri="{FF2B5EF4-FFF2-40B4-BE49-F238E27FC236}">
-                <a16:creationId xmlns:a16="http://schemas.microsoft.com/office/drawing/2014/main" xmlns="" id="{109B023A-F28F-184D-BA48-3F1C0502AE0A}"/>
+                <a16:creationId xmlns="" xmlns:a16="http://schemas.microsoft.com/office/drawing/2014/main" id="{109B023A-F28F-184D-BA48-3F1C0502AE0A}"/>
               </a:ext>
             </a:extLst>
           </p:cNvPr>
@@ -9191,7 +9277,7 @@
           <p:cNvPr id="3" name="Content Placeholder 5">
             <a:extLst>
               <a:ext uri="{FF2B5EF4-FFF2-40B4-BE49-F238E27FC236}">
-                <a16:creationId xmlns:a16="http://schemas.microsoft.com/office/drawing/2014/main" xmlns="" id="{1EF4505D-6803-3813-7738-049963427819}"/>
+                <a16:creationId xmlns="" xmlns:a16="http://schemas.microsoft.com/office/drawing/2014/main" id="{1EF4505D-6803-3813-7738-049963427819}"/>
               </a:ext>
             </a:extLst>
           </p:cNvPr>
@@ -9288,10 +9374,10 @@
           <p:cNvPr id="4" name="Straight Connector 3">
             <a:extLst>
               <a:ext uri="{FF2B5EF4-FFF2-40B4-BE49-F238E27FC236}">
-                <a16:creationId xmlns:a16="http://schemas.microsoft.com/office/drawing/2014/main" xmlns="" id="{E66081BA-9135-73B1-DCE5-77FD12431F13}"/>
+                <a16:creationId xmlns="" xmlns:a16="http://schemas.microsoft.com/office/drawing/2014/main" id="{E66081BA-9135-73B1-DCE5-77FD12431F13}"/>
               </a:ext>
               <a:ext uri="{C183D7F6-B498-43B3-948B-1728B52AA6E4}">
-                <adec:decorative xmlns:adec="http://schemas.microsoft.com/office/drawing/2017/decorative" xmlns="" val="1"/>
+                <adec:decorative xmlns="" xmlns:adec="http://schemas.microsoft.com/office/drawing/2017/decorative" val="1"/>
               </a:ext>
             </a:extLst>
           </p:cNvPr>
@@ -9336,7 +9422,7 @@
           <p:cNvPr id="12" name="Picture Placeholder 11">
             <a:extLst>
               <a:ext uri="{FF2B5EF4-FFF2-40B4-BE49-F238E27FC236}">
-                <a16:creationId xmlns:a16="http://schemas.microsoft.com/office/drawing/2014/main" xmlns="" id="{4658637A-5D36-6127-19BC-C203E23FA49F}"/>
+                <a16:creationId xmlns="" xmlns:a16="http://schemas.microsoft.com/office/drawing/2014/main" id="{4658637A-5D36-6127-19BC-C203E23FA49F}"/>
               </a:ext>
             </a:extLst>
           </p:cNvPr>
@@ -9380,7 +9466,7 @@
           <p:cNvPr id="10" name="Slide Number Placeholder 9">
             <a:extLst>
               <a:ext uri="{FF2B5EF4-FFF2-40B4-BE49-F238E27FC236}">
-                <a16:creationId xmlns:a16="http://schemas.microsoft.com/office/drawing/2014/main" xmlns="" id="{05D79B4B-A9BD-581F-536E-DE7CF728F84E}"/>
+                <a16:creationId xmlns="" xmlns:a16="http://schemas.microsoft.com/office/drawing/2014/main" id="{05D79B4B-A9BD-581F-536E-DE7CF728F84E}"/>
               </a:ext>
             </a:extLst>
           </p:cNvPr>
@@ -9412,7 +9498,7 @@
           <p:cNvPr id="8" name="Date Placeholder 7">
             <a:extLst>
               <a:ext uri="{FF2B5EF4-FFF2-40B4-BE49-F238E27FC236}">
-                <a16:creationId xmlns:a16="http://schemas.microsoft.com/office/drawing/2014/main" xmlns="" id="{C5EA2E64-5690-A56B-7051-476EC7BADA55}"/>
+                <a16:creationId xmlns="" xmlns:a16="http://schemas.microsoft.com/office/drawing/2014/main" id="{C5EA2E64-5690-A56B-7051-476EC7BADA55}"/>
               </a:ext>
             </a:extLst>
           </p:cNvPr>
@@ -9437,7 +9523,7 @@
     </p:spTree>
     <p:extLst>
       <p:ext uri="{BB962C8B-B14F-4D97-AF65-F5344CB8AC3E}">
-        <p14:creationId xmlns:p14="http://schemas.microsoft.com/office/powerpoint/2010/main" xmlns="" val="1429319764"/>
+        <p14:creationId xmlns="" xmlns:p14="http://schemas.microsoft.com/office/powerpoint/2010/main" val="1429319764"/>
       </p:ext>
     </p:extLst>
   </p:cSld>
@@ -9446,7 +9532,7 @@
   </p:clrMapOvr>
   <p:extLst>
     <p:ext uri="{DCECCB84-F9BA-43D5-87BE-67443E8EF086}">
-      <p15:sldGuideLst xmlns:p15="http://schemas.microsoft.com/office/powerpoint/2012/main" xmlns="">
+      <p15:sldGuideLst xmlns="" xmlns:p15="http://schemas.microsoft.com/office/powerpoint/2012/main">
         <p15:guide id="1" pos="600">
           <p15:clr>
             <a:srgbClr val="FBAE40"/>
@@ -9528,7 +9614,7 @@
           <p:cNvPr id="3" name="Text Placeholder 2">
             <a:extLst>
               <a:ext uri="{FF2B5EF4-FFF2-40B4-BE49-F238E27FC236}">
-                <a16:creationId xmlns:a16="http://schemas.microsoft.com/office/drawing/2014/main" xmlns="" id="{8EED84C6-50E6-6C43-8031-AFF6268E0C06}"/>
+                <a16:creationId xmlns="" xmlns:a16="http://schemas.microsoft.com/office/drawing/2014/main" id="{8EED84C6-50E6-6C43-8031-AFF6268E0C06}"/>
               </a:ext>
             </a:extLst>
           </p:cNvPr>
@@ -9595,7 +9681,7 @@
           <p:cNvPr id="12" name="Title Placeholder 11">
             <a:extLst>
               <a:ext uri="{FF2B5EF4-FFF2-40B4-BE49-F238E27FC236}">
-                <a16:creationId xmlns:a16="http://schemas.microsoft.com/office/drawing/2014/main" xmlns="" id="{D41FC0AE-253D-D242-9C88-017078F8A23A}"/>
+                <a16:creationId xmlns="" xmlns:a16="http://schemas.microsoft.com/office/drawing/2014/main" id="{D41FC0AE-253D-D242-9C88-017078F8A23A}"/>
               </a:ext>
             </a:extLst>
           </p:cNvPr>
@@ -9633,7 +9719,7 @@
           <p:cNvPr id="30" name="Date Placeholder 3">
             <a:extLst>
               <a:ext uri="{FF2B5EF4-FFF2-40B4-BE49-F238E27FC236}">
-                <a16:creationId xmlns:a16="http://schemas.microsoft.com/office/drawing/2014/main" xmlns="" id="{EF47083A-6D76-4B4D-87CA-E08E212F781D}"/>
+                <a16:creationId xmlns="" xmlns:a16="http://schemas.microsoft.com/office/drawing/2014/main" id="{EF47083A-6D76-4B4D-87CA-E08E212F781D}"/>
               </a:ext>
             </a:extLst>
           </p:cNvPr>
@@ -9677,7 +9763,7 @@
           <p:cNvPr id="32" name="Slide Number Placeholder 5">
             <a:extLst>
               <a:ext uri="{FF2B5EF4-FFF2-40B4-BE49-F238E27FC236}">
-                <a16:creationId xmlns:a16="http://schemas.microsoft.com/office/drawing/2014/main" xmlns="" id="{C8ADA0DF-3751-9A48-8A21-59F01C782D7C}"/>
+                <a16:creationId xmlns="" xmlns:a16="http://schemas.microsoft.com/office/drawing/2014/main" id="{C8ADA0DF-3751-9A48-8A21-59F01C782D7C}"/>
               </a:ext>
             </a:extLst>
           </p:cNvPr>
@@ -9722,7 +9808,7 @@
     </p:spTree>
     <p:extLst>
       <p:ext uri="{BB962C8B-B14F-4D97-AF65-F5344CB8AC3E}">
-        <p14:creationId xmlns:p14="http://schemas.microsoft.com/office/powerpoint/2010/main" xmlns="" val="3515892240"/>
+        <p14:creationId xmlns="" xmlns:p14="http://schemas.microsoft.com/office/powerpoint/2010/main" val="3515892240"/>
       </p:ext>
     </p:extLst>
   </p:cSld>
@@ -10081,7 +10167,7 @@
   </p:txStyles>
   <p:extLst>
     <p:ext uri="{27BBF7A9-308A-43DC-89C8-2F10F3537804}">
-      <p15:sldGuideLst xmlns:p15="http://schemas.microsoft.com/office/powerpoint/2012/main" xmlns="">
+      <p15:sldGuideLst xmlns="" xmlns:p15="http://schemas.microsoft.com/office/powerpoint/2012/main">
         <p15:guide id="1" orient="horz" pos="2160">
           <p15:clr>
             <a:srgbClr val="A4A3A4"/>
@@ -10195,7 +10281,7 @@
           <p:cNvPr id="2" name="Title 1">
             <a:extLst>
               <a:ext uri="{FF2B5EF4-FFF2-40B4-BE49-F238E27FC236}">
-                <a16:creationId xmlns:a16="http://schemas.microsoft.com/office/drawing/2014/main" xmlns="" id="{7AB1D9D6-2977-ABCD-FDF8-51AFA5064E54}"/>
+                <a16:creationId xmlns="" xmlns:a16="http://schemas.microsoft.com/office/drawing/2014/main" id="{7AB1D9D6-2977-ABCD-FDF8-51AFA5064E54}"/>
               </a:ext>
             </a:extLst>
           </p:cNvPr>
@@ -10221,14 +10307,7 @@
                 <a:latin typeface="Times New Roman" pitchFamily="18" charset="0"/>
                 <a:cs typeface="Times New Roman" pitchFamily="18" charset="0"/>
               </a:rPr>
-              <a:t>Netflix </a:t>
-            </a:r>
-            <a:r>
-              <a:rPr lang="en-US" dirty="0" smtClean="0">
-                <a:latin typeface="Times New Roman" pitchFamily="18" charset="0"/>
-                <a:cs typeface="Times New Roman" pitchFamily="18" charset="0"/>
-              </a:rPr>
-              <a:t>Movies and TV Shows Clustering</a:t>
+              <a:t>Netflix Movies and TV Shows Clustering</a:t>
             </a:r>
             <a:endParaRPr lang="en-US" dirty="0">
               <a:latin typeface="Times New Roman" pitchFamily="18" charset="0"/>
@@ -10240,7 +10319,7 @@
     </p:spTree>
     <p:extLst>
       <p:ext uri="{BB962C8B-B14F-4D97-AF65-F5344CB8AC3E}">
-        <p14:creationId xmlns:p14="http://schemas.microsoft.com/office/powerpoint/2010/main" xmlns="" val="3390304222"/>
+        <p14:creationId xmlns="" xmlns:p14="http://schemas.microsoft.com/office/powerpoint/2010/main" val="3390304222"/>
       </p:ext>
     </p:extLst>
   </p:cSld>
@@ -10279,7 +10358,7 @@
           <p:cNvPr id="2" name="Title 1">
             <a:extLst>
               <a:ext uri="{FF2B5EF4-FFF2-40B4-BE49-F238E27FC236}">
-                <a16:creationId xmlns:a16="http://schemas.microsoft.com/office/drawing/2014/main" xmlns="" id="{65B8CE60-587E-1D5C-8B50-ED3441BA49CE}"/>
+                <a16:creationId xmlns="" xmlns:a16="http://schemas.microsoft.com/office/drawing/2014/main" id="{65B8CE60-587E-1D5C-8B50-ED3441BA49CE}"/>
               </a:ext>
             </a:extLst>
           </p:cNvPr>
@@ -10319,7 +10398,7 @@
           <p:cNvPr id="12" name="Picture Placeholder 4" descr="A close-up of a wood grain">
             <a:extLst>
               <a:ext uri="{FF2B5EF4-FFF2-40B4-BE49-F238E27FC236}">
-                <a16:creationId xmlns:a16="http://schemas.microsoft.com/office/drawing/2014/main" xmlns="" id="{7D5BDB53-9169-3BBC-9362-0539514AC7DD}"/>
+                <a16:creationId xmlns="" xmlns:a16="http://schemas.microsoft.com/office/drawing/2014/main" id="{7D5BDB53-9169-3BBC-9362-0539514AC7DD}"/>
               </a:ext>
             </a:extLst>
           </p:cNvPr>
@@ -10334,7 +10413,7 @@
           <a:blip r:embed="rId3">
             <a:extLst>
               <a:ext uri="{BEBA8EAE-BF5A-486C-A8C5-ECC9F3942E4B}">
-                <a14:imgProps xmlns:a14="http://schemas.microsoft.com/office/drawing/2010/main" xmlns="">
+                <a14:imgProps xmlns="" xmlns:a14="http://schemas.microsoft.com/office/drawing/2010/main">
                   <a14:imgLayer r:embed="rId4">
                     <a14:imgEffect>
                       <a14:colorTemperature colorTemp="4700"/>
@@ -10346,7 +10425,7 @@
                 </a14:imgProps>
               </a:ext>
               <a:ext uri="{28A0092B-C50C-407E-A947-70E740481C1C}">
-                <a14:useLocalDpi xmlns:a14="http://schemas.microsoft.com/office/drawing/2010/main" xmlns="" val="0"/>
+                <a14:useLocalDpi xmlns="" xmlns:a14="http://schemas.microsoft.com/office/drawing/2010/main" val="0"/>
               </a:ext>
             </a:extLst>
           </a:blip>
@@ -10363,7 +10442,7 @@
     </p:spTree>
     <p:extLst>
       <p:ext uri="{BB962C8B-B14F-4D97-AF65-F5344CB8AC3E}">
-        <p14:creationId xmlns:p14="http://schemas.microsoft.com/office/powerpoint/2010/main" xmlns="" val="1440871986"/>
+        <p14:creationId xmlns="" xmlns:p14="http://schemas.microsoft.com/office/powerpoint/2010/main" val="1440871986"/>
       </p:ext>
     </p:extLst>
   </p:cSld>
@@ -10402,7 +10481,7 @@
           <p:cNvPr id="3" name="Title 2">
             <a:extLst>
               <a:ext uri="{FF2B5EF4-FFF2-40B4-BE49-F238E27FC236}">
-                <a16:creationId xmlns:a16="http://schemas.microsoft.com/office/drawing/2014/main" xmlns="" id="{545D3755-C3E2-975E-DE68-CDECC4B526EC}"/>
+                <a16:creationId xmlns="" xmlns:a16="http://schemas.microsoft.com/office/drawing/2014/main" id="{545D3755-C3E2-975E-DE68-CDECC4B526EC}"/>
               </a:ext>
             </a:extLst>
           </p:cNvPr>
@@ -10442,7 +10521,7 @@
           <p:cNvPr id="7" name="Text Placeholder 6">
             <a:extLst>
               <a:ext uri="{FF2B5EF4-FFF2-40B4-BE49-F238E27FC236}">
-                <a16:creationId xmlns:a16="http://schemas.microsoft.com/office/drawing/2014/main" xmlns="" id="{F70BD87D-F7DA-961B-4024-A354DC87D168}"/>
+                <a16:creationId xmlns="" xmlns:a16="http://schemas.microsoft.com/office/drawing/2014/main" id="{F70BD87D-F7DA-961B-4024-A354DC87D168}"/>
               </a:ext>
             </a:extLst>
           </p:cNvPr>
@@ -10484,37 +10563,16 @@
                 <a:latin typeface="Times New Roman" pitchFamily="18" charset="0"/>
                 <a:cs typeface="Times New Roman" pitchFamily="18" charset="0"/>
               </a:rPr>
-              <a:t> (feature) </a:t>
-            </a:r>
+              <a:t> (feature) columns for to perform clustering Netflix movies and TV shows based on various features like genre, rating, and duration.</a:t>
+            </a:r>
+          </a:p>
+          <a:p>
             <a:r>
               <a:rPr lang="en-US" sz="1600" dirty="0" smtClean="0">
                 <a:latin typeface="Times New Roman" pitchFamily="18" charset="0"/>
                 <a:cs typeface="Times New Roman" pitchFamily="18" charset="0"/>
               </a:rPr>
-              <a:t>columns for to perform clustering </a:t>
-            </a:r>
-            <a:r>
-              <a:rPr lang="en-US" sz="1600" dirty="0" smtClean="0">
-                <a:latin typeface="Times New Roman" pitchFamily="18" charset="0"/>
-                <a:cs typeface="Times New Roman" pitchFamily="18" charset="0"/>
-              </a:rPr>
-              <a:t>Netflix movies and TV shows based on various features like genre, rating, and duration.</a:t>
-            </a:r>
-          </a:p>
-          <a:p>
-            <a:r>
-              <a:rPr lang="en-US" sz="1600" dirty="0" smtClean="0">
-                <a:latin typeface="Times New Roman" pitchFamily="18" charset="0"/>
-                <a:cs typeface="Times New Roman" pitchFamily="18" charset="0"/>
-              </a:rPr>
-              <a:t>Preprocess </a:t>
-            </a:r>
-            <a:r>
-              <a:rPr lang="en-US" sz="1600" dirty="0" smtClean="0">
-                <a:latin typeface="Times New Roman" pitchFamily="18" charset="0"/>
-                <a:cs typeface="Times New Roman" pitchFamily="18" charset="0"/>
-              </a:rPr>
-              <a:t>Numeric Columns Use </a:t>
+              <a:t>Preprocess Numeric Columns Use </a:t>
             </a:r>
             <a:r>
               <a:rPr lang="en-US" sz="1600" b="1" dirty="0" smtClean="0">
@@ -10544,10 +10602,6 @@
               </a:rPr>
               <a:t> to bring features to a common scale.</a:t>
             </a:r>
-            <a:endParaRPr lang="en-US" sz="1600" dirty="0" smtClean="0">
-              <a:latin typeface="Times New Roman" pitchFamily="18" charset="0"/>
-              <a:cs typeface="Times New Roman" pitchFamily="18" charset="0"/>
-            </a:endParaRPr>
           </a:p>
           <a:p>
             <a:r>
@@ -10555,14 +10609,7 @@
                 <a:latin typeface="Times New Roman" pitchFamily="18" charset="0"/>
                 <a:cs typeface="Times New Roman" pitchFamily="18" charset="0"/>
               </a:rPr>
-              <a:t>Preprocess </a:t>
-            </a:r>
-            <a:r>
-              <a:rPr lang="en-US" sz="1600" dirty="0" smtClean="0">
-                <a:latin typeface="Times New Roman" pitchFamily="18" charset="0"/>
-                <a:cs typeface="Times New Roman" pitchFamily="18" charset="0"/>
-              </a:rPr>
-              <a:t>Text Columns two main options depending on use case </a:t>
+              <a:t>Preprocess Text Columns two main options depending on use case </a:t>
             </a:r>
             <a:r>
               <a:rPr lang="en-US" sz="1600" b="1" dirty="0" smtClean="0">
@@ -10606,10 +10653,6 @@
               </a:rPr>
               <a:t>.</a:t>
             </a:r>
-            <a:endParaRPr lang="en-US" sz="1600" dirty="0" smtClean="0">
-              <a:latin typeface="Times New Roman" pitchFamily="18" charset="0"/>
-              <a:cs typeface="Times New Roman" pitchFamily="18" charset="0"/>
-            </a:endParaRPr>
           </a:p>
           <a:p>
             <a:r>
@@ -10617,14 +10660,7 @@
                 <a:latin typeface="Times New Roman" pitchFamily="18" charset="0"/>
                 <a:cs typeface="Times New Roman" pitchFamily="18" charset="0"/>
               </a:rPr>
-              <a:t>Dimensionality </a:t>
-            </a:r>
-            <a:r>
-              <a:rPr lang="en-US" sz="1600" dirty="0" smtClean="0">
-                <a:latin typeface="Times New Roman" pitchFamily="18" charset="0"/>
-                <a:cs typeface="Times New Roman" pitchFamily="18" charset="0"/>
-              </a:rPr>
-              <a:t>Reduction apply </a:t>
+              <a:t>Dimensionality Reduction apply </a:t>
             </a:r>
             <a:r>
               <a:rPr lang="en-US" sz="1600" b="1" dirty="0" smtClean="0">
@@ -10638,14 +10674,7 @@
                 <a:latin typeface="Times New Roman" pitchFamily="18" charset="0"/>
                 <a:cs typeface="Times New Roman" pitchFamily="18" charset="0"/>
               </a:rPr>
-              <a:t> to reduce feature space especially if text vectorization adds many dimensions. Useful for visualization and faster </a:t>
-            </a:r>
-            <a:r>
-              <a:rPr lang="en-US" sz="1600" dirty="0" smtClean="0">
-                <a:latin typeface="Times New Roman" pitchFamily="18" charset="0"/>
-                <a:cs typeface="Times New Roman" pitchFamily="18" charset="0"/>
-              </a:rPr>
-              <a:t>clustering.</a:t>
+              <a:t> to reduce feature space especially if text vectorization adds many dimensions. Useful for visualization and faster clustering.</a:t>
             </a:r>
           </a:p>
           <a:p>
@@ -10698,10 +10727,6 @@
               </a:rPr>
               <a:t> Clustering for clustering. </a:t>
             </a:r>
-            <a:endParaRPr lang="en-US" sz="1600" dirty="0" smtClean="0">
-              <a:latin typeface="Times New Roman" pitchFamily="18" charset="0"/>
-              <a:cs typeface="Times New Roman" pitchFamily="18" charset="0"/>
-            </a:endParaRPr>
           </a:p>
           <a:p>
             <a:r>
@@ -10744,14 +10769,7 @@
                 <a:latin typeface="Times New Roman" pitchFamily="18" charset="0"/>
                 <a:cs typeface="Times New Roman" pitchFamily="18" charset="0"/>
               </a:rPr>
-              <a:t> </a:t>
-            </a:r>
-            <a:r>
-              <a:rPr lang="en-US" sz="1600" b="1" dirty="0" smtClean="0">
-                <a:latin typeface="Times New Roman" pitchFamily="18" charset="0"/>
-                <a:cs typeface="Times New Roman" pitchFamily="18" charset="0"/>
-              </a:rPr>
-              <a:t>Index</a:t>
+              <a:t> Index</a:t>
             </a:r>
             <a:r>
               <a:rPr lang="en-US" sz="1600" dirty="0" smtClean="0">
@@ -10774,10 +10792,6 @@
               </a:rPr>
               <a:t> (for clustering) . Use visualization 2D/3D scatter plots. </a:t>
             </a:r>
-            <a:endParaRPr lang="en-US" sz="1600" dirty="0" smtClean="0">
-              <a:latin typeface="Times New Roman" pitchFamily="18" charset="0"/>
-              <a:cs typeface="Times New Roman" pitchFamily="18" charset="0"/>
-            </a:endParaRPr>
           </a:p>
           <a:p>
             <a:r>
@@ -10829,10 +10843,6 @@
               </a:rPr>
               <a:t> file.</a:t>
             </a:r>
-            <a:endParaRPr lang="en-US" sz="1600" dirty="0" smtClean="0">
-              <a:latin typeface="Times New Roman" pitchFamily="18" charset="0"/>
-              <a:cs typeface="Times New Roman" pitchFamily="18" charset="0"/>
-            </a:endParaRPr>
           </a:p>
         </p:txBody>
       </p:sp>
@@ -10841,10 +10851,10 @@
           <p:cNvPr id="2" name="Group 18">
             <a:extLst>
               <a:ext uri="{FF2B5EF4-FFF2-40B4-BE49-F238E27FC236}">
-                <a16:creationId xmlns:a16="http://schemas.microsoft.com/office/drawing/2014/main" xmlns="" id="{C78CEA4F-D72A-C069-6A51-328B103CA0CA}"/>
+                <a16:creationId xmlns="" xmlns:a16="http://schemas.microsoft.com/office/drawing/2014/main" id="{C78CEA4F-D72A-C069-6A51-328B103CA0CA}"/>
               </a:ext>
               <a:ext uri="{C183D7F6-B498-43B3-948B-1728B52AA6E4}">
-                <adec:decorative xmlns:adec="http://schemas.microsoft.com/office/drawing/2017/decorative" xmlns="" val="1"/>
+                <adec:decorative xmlns="" xmlns:adec="http://schemas.microsoft.com/office/drawing/2017/decorative" val="1"/>
               </a:ext>
             </a:extLst>
           </p:cNvPr>
@@ -10866,7 +10876,7 @@
             <p:cNvPr id="20" name="Freeform 19">
               <a:extLst>
                 <a:ext uri="{FF2B5EF4-FFF2-40B4-BE49-F238E27FC236}">
-                  <a16:creationId xmlns:a16="http://schemas.microsoft.com/office/drawing/2014/main" xmlns="" id="{7E473402-19FD-A5B0-5CB6-E5F3926D3828}"/>
+                  <a16:creationId xmlns="" xmlns:a16="http://schemas.microsoft.com/office/drawing/2014/main" id="{7E473402-19FD-A5B0-5CB6-E5F3926D3828}"/>
                 </a:ext>
               </a:extLst>
             </p:cNvPr>
@@ -10947,7 +10957,7 @@
             </a:ln>
             <a:extLst>
               <a:ext uri="{91240B29-F687-4F45-9708-019B960494DF}">
-                <a14:hiddenLine xmlns:a14="http://schemas.microsoft.com/office/drawing/2010/main" xmlns="" w="9525">
+                <a14:hiddenLine xmlns="" xmlns:a14="http://schemas.microsoft.com/office/drawing/2010/main" w="9525">
                   <a:solidFill>
                     <a:srgbClr val="000000"/>
                   </a:solidFill>
@@ -10973,7 +10983,7 @@
             <p:cNvPr id="21" name="Freeform 20">
               <a:extLst>
                 <a:ext uri="{FF2B5EF4-FFF2-40B4-BE49-F238E27FC236}">
-                  <a16:creationId xmlns:a16="http://schemas.microsoft.com/office/drawing/2014/main" xmlns="" id="{879D1CAD-2EA2-9376-7B64-0C3AC590F651}"/>
+                  <a16:creationId xmlns="" xmlns:a16="http://schemas.microsoft.com/office/drawing/2014/main" id="{879D1CAD-2EA2-9376-7B64-0C3AC590F651}"/>
                 </a:ext>
               </a:extLst>
             </p:cNvPr>
@@ -11045,7 +11055,7 @@
             </a:ln>
             <a:extLst>
               <a:ext uri="{91240B29-F687-4F45-9708-019B960494DF}">
-                <a14:hiddenLine xmlns:a14="http://schemas.microsoft.com/office/drawing/2010/main" xmlns="" w="9525">
+                <a14:hiddenLine xmlns="" xmlns:a14="http://schemas.microsoft.com/office/drawing/2010/main" w="9525">
                   <a:solidFill>
                     <a:srgbClr val="000000"/>
                   </a:solidFill>
@@ -11071,7 +11081,7 @@
             <p:cNvPr id="22" name="Freeform 21">
               <a:extLst>
                 <a:ext uri="{FF2B5EF4-FFF2-40B4-BE49-F238E27FC236}">
-                  <a16:creationId xmlns:a16="http://schemas.microsoft.com/office/drawing/2014/main" xmlns="" id="{B16F8906-918C-BE0B-A4AB-6A1D48150AC7}"/>
+                  <a16:creationId xmlns="" xmlns:a16="http://schemas.microsoft.com/office/drawing/2014/main" id="{B16F8906-918C-BE0B-A4AB-6A1D48150AC7}"/>
                 </a:ext>
               </a:extLst>
             </p:cNvPr>
@@ -11146,7 +11156,7 @@
             </a:ln>
             <a:extLst>
               <a:ext uri="{91240B29-F687-4F45-9708-019B960494DF}">
-                <a14:hiddenLine xmlns:a14="http://schemas.microsoft.com/office/drawing/2010/main" xmlns="" w="9525">
+                <a14:hiddenLine xmlns="" xmlns:a14="http://schemas.microsoft.com/office/drawing/2010/main" w="9525">
                   <a:solidFill>
                     <a:srgbClr val="000000"/>
                   </a:solidFill>
@@ -11171,7 +11181,7 @@
     </p:spTree>
     <p:extLst>
       <p:ext uri="{BB962C8B-B14F-4D97-AF65-F5344CB8AC3E}">
-        <p14:creationId xmlns:p14="http://schemas.microsoft.com/office/powerpoint/2010/main" xmlns="" val="3200312026"/>
+        <p14:creationId xmlns="" xmlns:p14="http://schemas.microsoft.com/office/powerpoint/2010/main" val="3200312026"/>
       </p:ext>
     </p:extLst>
   </p:cSld>
@@ -11210,7 +11220,7 @@
           <p:cNvPr id="3" name="Title 2">
             <a:extLst>
               <a:ext uri="{FF2B5EF4-FFF2-40B4-BE49-F238E27FC236}">
-                <a16:creationId xmlns:a16="http://schemas.microsoft.com/office/drawing/2014/main" xmlns="" id="{545D3755-C3E2-975E-DE68-CDECC4B526EC}"/>
+                <a16:creationId xmlns="" xmlns:a16="http://schemas.microsoft.com/office/drawing/2014/main" id="{545D3755-C3E2-975E-DE68-CDECC4B526EC}"/>
               </a:ext>
             </a:extLst>
           </p:cNvPr>
@@ -11250,7 +11260,7 @@
           <p:cNvPr id="7" name="Text Placeholder 6">
             <a:extLst>
               <a:ext uri="{FF2B5EF4-FFF2-40B4-BE49-F238E27FC236}">
-                <a16:creationId xmlns:a16="http://schemas.microsoft.com/office/drawing/2014/main" xmlns="" id="{F70BD87D-F7DA-961B-4024-A354DC87D168}"/>
+                <a16:creationId xmlns="" xmlns:a16="http://schemas.microsoft.com/office/drawing/2014/main" id="{F70BD87D-F7DA-961B-4024-A354DC87D168}"/>
               </a:ext>
             </a:extLst>
           </p:cNvPr>
@@ -11287,30 +11297,16 @@
                 <a:latin typeface="Times New Roman" pitchFamily="18" charset="0"/>
                 <a:cs typeface="Times New Roman" pitchFamily="18" charset="0"/>
               </a:rPr>
-              <a:t>The WCSS drops steeply from K=1 to around K=5-6</a:t>
-            </a:r>
+              <a:t>The WCSS drops steeply from K=1 to around K=5-6.</a:t>
+            </a:r>
+          </a:p>
+          <a:p>
             <a:r>
               <a:rPr lang="en-US" sz="1600" dirty="0" smtClean="0">
                 <a:latin typeface="Times New Roman" pitchFamily="18" charset="0"/>
                 <a:cs typeface="Times New Roman" pitchFamily="18" charset="0"/>
               </a:rPr>
-              <a:t>.</a:t>
-            </a:r>
-          </a:p>
-          <a:p>
-            <a:r>
-              <a:rPr lang="en-US" sz="1600" dirty="0" smtClean="0">
-                <a:latin typeface="Times New Roman" pitchFamily="18" charset="0"/>
-                <a:cs typeface="Times New Roman" pitchFamily="18" charset="0"/>
-              </a:rPr>
-              <a:t>After that the curve bends and starts to </a:t>
-            </a:r>
-            <a:r>
-              <a:rPr lang="en-US" sz="1600" dirty="0" smtClean="0">
-                <a:latin typeface="Times New Roman" pitchFamily="18" charset="0"/>
-                <a:cs typeface="Times New Roman" pitchFamily="18" charset="0"/>
-              </a:rPr>
-              <a:t>flatten.</a:t>
+              <a:t>After that the curve bends and starts to flatten.</a:t>
             </a:r>
           </a:p>
           <a:p>
@@ -11408,7 +11404,7 @@
     </p:spTree>
     <p:extLst>
       <p:ext uri="{BB962C8B-B14F-4D97-AF65-F5344CB8AC3E}">
-        <p14:creationId xmlns:p14="http://schemas.microsoft.com/office/powerpoint/2010/main" xmlns="" val="3200312026"/>
+        <p14:creationId xmlns="" xmlns:p14="http://schemas.microsoft.com/office/powerpoint/2010/main" val="3200312026"/>
       </p:ext>
     </p:extLst>
   </p:cSld>
@@ -11447,7 +11443,7 @@
           <p:cNvPr id="3" name="Title 2">
             <a:extLst>
               <a:ext uri="{FF2B5EF4-FFF2-40B4-BE49-F238E27FC236}">
-                <a16:creationId xmlns:a16="http://schemas.microsoft.com/office/drawing/2014/main" xmlns="" id="{545D3755-C3E2-975E-DE68-CDECC4B526EC}"/>
+                <a16:creationId xmlns="" xmlns:a16="http://schemas.microsoft.com/office/drawing/2014/main" id="{545D3755-C3E2-975E-DE68-CDECC4B526EC}"/>
               </a:ext>
             </a:extLst>
           </p:cNvPr>
@@ -11473,14 +11469,7 @@
                 <a:latin typeface="Times New Roman" pitchFamily="18" charset="0"/>
                 <a:cs typeface="Times New Roman" pitchFamily="18" charset="0"/>
               </a:rPr>
-              <a:t>Hierarchical </a:t>
-            </a:r>
-            <a:r>
-              <a:rPr lang="en-US" dirty="0" smtClean="0">
-                <a:latin typeface="Times New Roman" pitchFamily="18" charset="0"/>
-                <a:cs typeface="Times New Roman" pitchFamily="18" charset="0"/>
-              </a:rPr>
-              <a:t>clustering Model</a:t>
+              <a:t>K-Mean Clustering Model</a:t>
             </a:r>
             <a:endParaRPr lang="en-US" dirty="0">
               <a:latin typeface="Times New Roman" pitchFamily="18" charset="0"/>
@@ -11494,7 +11483,254 @@
           <p:cNvPr id="7" name="Text Placeholder 6">
             <a:extLst>
               <a:ext uri="{FF2B5EF4-FFF2-40B4-BE49-F238E27FC236}">
-                <a16:creationId xmlns:a16="http://schemas.microsoft.com/office/drawing/2014/main" xmlns="" id="{F70BD87D-F7DA-961B-4024-A354DC87D168}"/>
+                <a16:creationId xmlns="" xmlns:a16="http://schemas.microsoft.com/office/drawing/2014/main" id="{F70BD87D-F7DA-961B-4024-A354DC87D168}"/>
+              </a:ext>
+            </a:extLst>
+          </p:cNvPr>
+          <p:cNvSpPr>
+            <a:spLocks noGrp="1"/>
+          </p:cNvSpPr>
+          <p:nvPr>
+            <p:ph sz="quarter" idx="13"/>
+          </p:nvPr>
+        </p:nvSpPr>
+        <p:spPr>
+          <a:xfrm>
+            <a:off x="3009901" y="1028700"/>
+            <a:ext cx="8896350" cy="5295899"/>
+          </a:xfrm>
+        </p:spPr>
+        <p:txBody>
+          <a:bodyPr>
+            <a:normAutofit/>
+          </a:bodyPr>
+          <a:lstStyle/>
+          <a:p>
+            <a:r>
+              <a:rPr lang="en-US" sz="1600" dirty="0" smtClean="0">
+                <a:latin typeface="Times New Roman" pitchFamily="18" charset="0"/>
+                <a:cs typeface="Times New Roman" pitchFamily="18" charset="0"/>
+              </a:rPr>
+              <a:t>Cluster 0 - Solidly </a:t>
+            </a:r>
+            <a:r>
+              <a:rPr lang="en-US" sz="1600" dirty="0" smtClean="0">
+                <a:latin typeface="Times New Roman" pitchFamily="18" charset="0"/>
+                <a:cs typeface="Times New Roman" pitchFamily="18" charset="0"/>
+              </a:rPr>
+              <a:t>performing shows/movies. Consistent popularity or critical reception.</a:t>
+            </a:r>
+          </a:p>
+          <a:p>
+            <a:r>
+              <a:rPr lang="en-US" sz="1600" dirty="0" smtClean="0">
+                <a:latin typeface="Times New Roman" pitchFamily="18" charset="0"/>
+                <a:cs typeface="Times New Roman" pitchFamily="18" charset="0"/>
+              </a:rPr>
+              <a:t>Cluster  </a:t>
+            </a:r>
+            <a:r>
+              <a:rPr lang="en-US" sz="1600" dirty="0" smtClean="0">
+                <a:latin typeface="Times New Roman" pitchFamily="18" charset="0"/>
+                <a:cs typeface="Times New Roman" pitchFamily="18" charset="0"/>
+              </a:rPr>
+              <a:t>1 - Very </a:t>
+            </a:r>
+            <a:r>
+              <a:rPr lang="en-US" sz="1600" dirty="0" smtClean="0">
+                <a:latin typeface="Times New Roman" pitchFamily="18" charset="0"/>
+                <a:cs typeface="Times New Roman" pitchFamily="18" charset="0"/>
+              </a:rPr>
+              <a:t>high value, possibly indicating high feature score. Could include legacy classics, high critic scores but low recent popularity, or a mix of standout attributes.</a:t>
+            </a:r>
+          </a:p>
+          <a:p>
+            <a:r>
+              <a:rPr lang="en-US" sz="1600" dirty="0" smtClean="0">
+                <a:latin typeface="Times New Roman" pitchFamily="18" charset="0"/>
+                <a:cs typeface="Times New Roman" pitchFamily="18" charset="0"/>
+              </a:rPr>
+              <a:t>Cluster </a:t>
+            </a:r>
+            <a:r>
+              <a:rPr lang="en-US" sz="1600" dirty="0" smtClean="0">
+                <a:latin typeface="Times New Roman" pitchFamily="18" charset="0"/>
+                <a:cs typeface="Times New Roman" pitchFamily="18" charset="0"/>
+              </a:rPr>
+              <a:t>2 - Slightly </a:t>
+            </a:r>
+            <a:r>
+              <a:rPr lang="en-US" sz="1600" dirty="0" smtClean="0">
+                <a:latin typeface="Times New Roman" pitchFamily="18" charset="0"/>
+                <a:cs typeface="Times New Roman" pitchFamily="18" charset="0"/>
+              </a:rPr>
+              <a:t>below “Top Rated” but above mid-tier. Could be genre specific hits or well reviewed content that isn’t broadly known.</a:t>
+            </a:r>
+          </a:p>
+          <a:p>
+            <a:r>
+              <a:rPr lang="en-US" sz="1600" dirty="0" smtClean="0">
+                <a:latin typeface="Times New Roman" pitchFamily="18" charset="0"/>
+                <a:cs typeface="Times New Roman" pitchFamily="18" charset="0"/>
+              </a:rPr>
+              <a:t>Cluster </a:t>
+            </a:r>
+            <a:r>
+              <a:rPr lang="en-US" sz="1600" dirty="0" smtClean="0">
+                <a:latin typeface="Times New Roman" pitchFamily="18" charset="0"/>
+                <a:cs typeface="Times New Roman" pitchFamily="18" charset="0"/>
+              </a:rPr>
+              <a:t>3 - Lowest </a:t>
+            </a:r>
+            <a:r>
+              <a:rPr lang="en-US" sz="1600" dirty="0" smtClean="0">
+                <a:latin typeface="Times New Roman" pitchFamily="18" charset="0"/>
+                <a:cs typeface="Times New Roman" pitchFamily="18" charset="0"/>
+              </a:rPr>
+              <a:t>value, possibly low rating or popularity. Could represent unpopular, niche, or new/unrated content.</a:t>
+            </a:r>
+          </a:p>
+          <a:p>
+            <a:r>
+              <a:rPr lang="en-US" sz="1600" dirty="0" smtClean="0">
+                <a:latin typeface="Times New Roman" pitchFamily="18" charset="0"/>
+                <a:cs typeface="Times New Roman" pitchFamily="18" charset="0"/>
+              </a:rPr>
+              <a:t>Cluster </a:t>
+            </a:r>
+            <a:r>
+              <a:rPr lang="en-US" sz="1600" dirty="0" smtClean="0">
+                <a:latin typeface="Times New Roman" pitchFamily="18" charset="0"/>
+                <a:cs typeface="Times New Roman" pitchFamily="18" charset="0"/>
+              </a:rPr>
+              <a:t>4 - High </a:t>
+            </a:r>
+            <a:r>
+              <a:rPr lang="en-US" sz="1600" dirty="0" smtClean="0">
+                <a:latin typeface="Times New Roman" pitchFamily="18" charset="0"/>
+                <a:cs typeface="Times New Roman" pitchFamily="18" charset="0"/>
+              </a:rPr>
+              <a:t>popularity or ratings. Potentially trending, blockbuster, or highly rated content.</a:t>
+            </a:r>
+          </a:p>
+          <a:p>
+            <a:r>
+              <a:rPr lang="en-US" sz="1600" dirty="0" smtClean="0">
+                <a:latin typeface="Times New Roman" pitchFamily="18" charset="0"/>
+                <a:cs typeface="Times New Roman" pitchFamily="18" charset="0"/>
+              </a:rPr>
+              <a:t>Cluster </a:t>
+            </a:r>
+            <a:r>
+              <a:rPr lang="en-US" sz="1600" dirty="0" smtClean="0">
+                <a:latin typeface="Times New Roman" pitchFamily="18" charset="0"/>
+                <a:cs typeface="Times New Roman" pitchFamily="18" charset="0"/>
+              </a:rPr>
+              <a:t>5 -Mid-range </a:t>
+            </a:r>
+            <a:r>
+              <a:rPr lang="en-US" sz="1600" dirty="0" smtClean="0">
+                <a:latin typeface="Times New Roman" pitchFamily="18" charset="0"/>
+                <a:cs typeface="Times New Roman" pitchFamily="18" charset="0"/>
+              </a:rPr>
+              <a:t>content in terms of ratings/popularity. Possibly under-the-radar or emerging content.</a:t>
+            </a:r>
+            <a:endParaRPr lang="en-US" sz="1600" dirty="0" smtClean="0">
+              <a:latin typeface="Times New Roman" pitchFamily="18" charset="0"/>
+              <a:cs typeface="Times New Roman" pitchFamily="18" charset="0"/>
+            </a:endParaRPr>
+          </a:p>
+          <a:p>
+            <a:endParaRPr lang="en-US" sz="1600" dirty="0" smtClean="0">
+              <a:latin typeface="Times New Roman" pitchFamily="18" charset="0"/>
+              <a:cs typeface="Times New Roman" pitchFamily="18" charset="0"/>
+            </a:endParaRPr>
+          </a:p>
+        </p:txBody>
+      </p:sp>
+    </p:spTree>
+    <p:extLst>
+      <p:ext uri="{BB962C8B-B14F-4D97-AF65-F5344CB8AC3E}">
+        <p14:creationId xmlns="" xmlns:p14="http://schemas.microsoft.com/office/powerpoint/2010/main" val="3200312026"/>
+      </p:ext>
+    </p:extLst>
+  </p:cSld>
+  <p:clrMapOvr>
+    <a:masterClrMapping/>
+  </p:clrMapOvr>
+  <p:timing>
+    <p:tnLst>
+      <p:par>
+        <p:cTn id="1" dur="indefinite" restart="never" nodeType="tmRoot"/>
+      </p:par>
+    </p:tnLst>
+  </p:timing>
+</p:sld>
+</file>
+
+<file path=ppt/slides/slide14.xml><?xml version="1.0" encoding="utf-8"?>
+<p:sld xmlns:a="http://schemas.openxmlformats.org/drawingml/2006/main" xmlns:r="http://schemas.openxmlformats.org/officeDocument/2006/relationships" xmlns:p="http://schemas.openxmlformats.org/presentationml/2006/main">
+  <p:cSld>
+    <p:spTree>
+      <p:nvGrpSpPr>
+        <p:cNvPr id="1" name=""/>
+        <p:cNvGrpSpPr/>
+        <p:nvPr/>
+      </p:nvGrpSpPr>
+      <p:grpSpPr>
+        <a:xfrm>
+          <a:off x="0" y="0"/>
+          <a:ext cx="0" cy="0"/>
+          <a:chOff x="0" y="0"/>
+          <a:chExt cx="0" cy="0"/>
+        </a:xfrm>
+      </p:grpSpPr>
+      <p:sp>
+        <p:nvSpPr>
+          <p:cNvPr id="3" name="Title 2">
+            <a:extLst>
+              <a:ext uri="{FF2B5EF4-FFF2-40B4-BE49-F238E27FC236}">
+                <a16:creationId xmlns="" xmlns:a16="http://schemas.microsoft.com/office/drawing/2014/main" id="{545D3755-C3E2-975E-DE68-CDECC4B526EC}"/>
+              </a:ext>
+            </a:extLst>
+          </p:cNvPr>
+          <p:cNvSpPr>
+            <a:spLocks noGrp="1"/>
+          </p:cNvSpPr>
+          <p:nvPr>
+            <p:ph type="title"/>
+          </p:nvPr>
+        </p:nvSpPr>
+        <p:spPr>
+          <a:xfrm>
+            <a:off x="594360" y="102876"/>
+            <a:ext cx="8082915" cy="840099"/>
+          </a:xfrm>
+        </p:spPr>
+        <p:txBody>
+          <a:bodyPr/>
+          <a:lstStyle/>
+          <a:p>
+            <a:r>
+              <a:rPr lang="en-US" dirty="0" smtClean="0">
+                <a:latin typeface="Times New Roman" pitchFamily="18" charset="0"/>
+                <a:cs typeface="Times New Roman" pitchFamily="18" charset="0"/>
+              </a:rPr>
+              <a:t>Hierarchical clustering Model</a:t>
+            </a:r>
+            <a:endParaRPr lang="en-US" dirty="0">
+              <a:latin typeface="Times New Roman" pitchFamily="18" charset="0"/>
+              <a:cs typeface="Times New Roman" pitchFamily="18" charset="0"/>
+            </a:endParaRPr>
+          </a:p>
+        </p:txBody>
+      </p:sp>
+      <p:sp>
+        <p:nvSpPr>
+          <p:cNvPr id="7" name="Text Placeholder 6">
+            <a:extLst>
+              <a:ext uri="{FF2B5EF4-FFF2-40B4-BE49-F238E27FC236}">
+                <a16:creationId xmlns="" xmlns:a16="http://schemas.microsoft.com/office/drawing/2014/main" id="{F70BD87D-F7DA-961B-4024-A354DC87D168}"/>
               </a:ext>
             </a:extLst>
           </p:cNvPr>
@@ -11522,14 +11758,7 @@
                 <a:latin typeface="Times New Roman" pitchFamily="18" charset="0"/>
                 <a:cs typeface="Times New Roman" pitchFamily="18" charset="0"/>
               </a:rPr>
-              <a:t>Create linkage matrix using Ward's </a:t>
-            </a:r>
-            <a:r>
-              <a:rPr lang="en-US" sz="1600" dirty="0" smtClean="0">
-                <a:latin typeface="Times New Roman" pitchFamily="18" charset="0"/>
-                <a:cs typeface="Times New Roman" pitchFamily="18" charset="0"/>
-              </a:rPr>
-              <a:t>method.</a:t>
+              <a:t>Create linkage matrix using Ward's method.</a:t>
             </a:r>
           </a:p>
           <a:p>
@@ -11566,14 +11795,16 @@
                 <a:latin typeface="Times New Roman" pitchFamily="18" charset="0"/>
                 <a:cs typeface="Times New Roman" pitchFamily="18" charset="0"/>
               </a:rPr>
-              <a:t> helps decide how many clusters to form by visually cutting the </a:t>
-            </a:r>
+              <a:t> helps decide how many clusters to form by visually cutting the tree.</a:t>
+            </a:r>
+          </a:p>
+          <a:p>
             <a:r>
               <a:rPr lang="en-US" sz="1600" dirty="0" smtClean="0">
                 <a:latin typeface="Times New Roman" pitchFamily="18" charset="0"/>
                 <a:cs typeface="Times New Roman" pitchFamily="18" charset="0"/>
               </a:rPr>
-              <a:t>tree.</a:t>
+              <a:t>Assign cluster labels. The largest height jump appears at the top 2 merges.</a:t>
             </a:r>
           </a:p>
           <a:p>
@@ -11582,34 +11813,7 @@
                 <a:latin typeface="Times New Roman" pitchFamily="18" charset="0"/>
                 <a:cs typeface="Times New Roman" pitchFamily="18" charset="0"/>
               </a:rPr>
-              <a:t>Assign </a:t>
-            </a:r>
-            <a:r>
-              <a:rPr lang="en-US" sz="1600" dirty="0" smtClean="0">
-                <a:latin typeface="Times New Roman" pitchFamily="18" charset="0"/>
-                <a:cs typeface="Times New Roman" pitchFamily="18" charset="0"/>
-              </a:rPr>
-              <a:t>cluster labels. The largest height jump appears at the top 2 merges.</a:t>
-            </a:r>
-            <a:endParaRPr lang="en-US" sz="1600" dirty="0" smtClean="0">
-              <a:latin typeface="Times New Roman" pitchFamily="18" charset="0"/>
-              <a:cs typeface="Times New Roman" pitchFamily="18" charset="0"/>
-            </a:endParaRPr>
-          </a:p>
-          <a:p>
-            <a:r>
-              <a:rPr lang="en-US" sz="1600" dirty="0" smtClean="0">
-                <a:latin typeface="Times New Roman" pitchFamily="18" charset="0"/>
-                <a:cs typeface="Times New Roman" pitchFamily="18" charset="0"/>
-              </a:rPr>
-              <a:t>If </a:t>
-            </a:r>
-            <a:r>
-              <a:rPr lang="en-US" sz="1600" dirty="0" smtClean="0">
-                <a:latin typeface="Times New Roman" pitchFamily="18" charset="0"/>
-                <a:cs typeface="Times New Roman" pitchFamily="18" charset="0"/>
-              </a:rPr>
-              <a:t>you draw a horizontal line slightly below the tallest merge. It will intersect 3 vertical lines, meaning 3 clusters.</a:t>
+              <a:t>If you draw a horizontal line slightly below the tallest merge. It will intersect 3 vertical lines, meaning 3 clusters.</a:t>
             </a:r>
             <a:endParaRPr lang="en-IN" sz="1600" dirty="0" smtClean="0">
               <a:latin typeface="Times New Roman" pitchFamily="18" charset="0"/>
@@ -11669,7 +11873,7 @@
     </p:spTree>
     <p:extLst>
       <p:ext uri="{BB962C8B-B14F-4D97-AF65-F5344CB8AC3E}">
-        <p14:creationId xmlns:p14="http://schemas.microsoft.com/office/powerpoint/2010/main" xmlns="" val="3200312026"/>
+        <p14:creationId xmlns="" xmlns:p14="http://schemas.microsoft.com/office/powerpoint/2010/main" val="3200312026"/>
       </p:ext>
     </p:extLst>
   </p:cSld>
@@ -11686,7 +11890,7 @@
 </p:sld>
 </file>
 
-<file path=ppt/slides/slide14.xml><?xml version="1.0" encoding="utf-8"?>
+<file path=ppt/slides/slide15.xml><?xml version="1.0" encoding="utf-8"?>
 <p:sld xmlns:a="http://schemas.openxmlformats.org/drawingml/2006/main" xmlns:r="http://schemas.openxmlformats.org/officeDocument/2006/relationships" xmlns:p="http://schemas.openxmlformats.org/presentationml/2006/main">
   <p:cSld>
     <p:spTree>
@@ -11708,7 +11912,7 @@
           <p:cNvPr id="2" name="Title 1">
             <a:extLst>
               <a:ext uri="{FF2B5EF4-FFF2-40B4-BE49-F238E27FC236}">
-                <a16:creationId xmlns:a16="http://schemas.microsoft.com/office/drawing/2014/main" xmlns="" id="{F810C1B7-6E4E-3DEE-50C0-1CA3B14303EE}"/>
+                <a16:creationId xmlns="" xmlns:a16="http://schemas.microsoft.com/office/drawing/2014/main" id="{F810C1B7-6E4E-3DEE-50C0-1CA3B14303EE}"/>
               </a:ext>
             </a:extLst>
           </p:cNvPr>
@@ -11744,7 +11948,7 @@
           <p:cNvPr id="3" name="Text Placeholder 2">
             <a:extLst>
               <a:ext uri="{FF2B5EF4-FFF2-40B4-BE49-F238E27FC236}">
-                <a16:creationId xmlns:a16="http://schemas.microsoft.com/office/drawing/2014/main" xmlns="" id="{8BE734F0-2DDD-AF70-F13D-F9E4C1929411}"/>
+                <a16:creationId xmlns="" xmlns:a16="http://schemas.microsoft.com/office/drawing/2014/main" id="{8BE734F0-2DDD-AF70-F13D-F9E4C1929411}"/>
               </a:ext>
             </a:extLst>
           </p:cNvPr>
@@ -11804,7 +12008,7 @@
     </p:spTree>
     <p:extLst>
       <p:ext uri="{BB962C8B-B14F-4D97-AF65-F5344CB8AC3E}">
-        <p14:creationId xmlns:p14="http://schemas.microsoft.com/office/powerpoint/2010/main" xmlns="" val="4261132419"/>
+        <p14:creationId xmlns="" xmlns:p14="http://schemas.microsoft.com/office/powerpoint/2010/main" val="4261132419"/>
       </p:ext>
     </p:extLst>
   </p:cSld>
@@ -11843,7 +12047,7 @@
           <p:cNvPr id="3" name="Text Placeholder 2">
             <a:extLst>
               <a:ext uri="{FF2B5EF4-FFF2-40B4-BE49-F238E27FC236}">
-                <a16:creationId xmlns:a16="http://schemas.microsoft.com/office/drawing/2014/main" xmlns="" id="{3B8EBC2C-6DD7-5003-38EB-40753046FE8C}"/>
+                <a16:creationId xmlns="" xmlns:a16="http://schemas.microsoft.com/office/drawing/2014/main" id="{3B8EBC2C-6DD7-5003-38EB-40753046FE8C}"/>
               </a:ext>
             </a:extLst>
           </p:cNvPr>
@@ -11874,105 +12078,20 @@
                 <a:latin typeface="Times New Roman" pitchFamily="18" charset="0"/>
                 <a:cs typeface="Times New Roman" pitchFamily="18" charset="0"/>
               </a:rPr>
-              <a:t>	We sincerely appreciate the opportunity to analyse </a:t>
-            </a:r>
+              <a:t>	We sincerely appreciate the opportunity to analyse Netflix movies and TV shows based on various features like genre, rating, and duration. And also develop a machine learning model that can identify similar content groups, which can help users discover content based on preferences.</a:t>
+            </a:r>
+          </a:p>
+          <a:p>
+            <a:pPr>
+              <a:buNone/>
+            </a:pPr>
             <a:r>
               <a:rPr smtClean="0">
                 <a:latin typeface="Times New Roman" pitchFamily="18" charset="0"/>
                 <a:cs typeface="Times New Roman" pitchFamily="18" charset="0"/>
               </a:rPr>
-              <a:t>Netflix movies and TV shows based on various features like genre, rating, and </a:t>
-            </a:r>
-            <a:r>
-              <a:rPr smtClean="0">
-                <a:latin typeface="Times New Roman" pitchFamily="18" charset="0"/>
-                <a:cs typeface="Times New Roman" pitchFamily="18" charset="0"/>
-              </a:rPr>
-              <a:t>duration. </a:t>
-            </a:r>
-            <a:r>
-              <a:rPr smtClean="0">
-                <a:latin typeface="Times New Roman" pitchFamily="18" charset="0"/>
-                <a:cs typeface="Times New Roman" pitchFamily="18" charset="0"/>
-              </a:rPr>
-              <a:t>And also develop a machine learning model that can identify similar content groups, which can help users discover content based on </a:t>
-            </a:r>
-            <a:r>
-              <a:rPr smtClean="0">
-                <a:latin typeface="Times New Roman" pitchFamily="18" charset="0"/>
-                <a:cs typeface="Times New Roman" pitchFamily="18" charset="0"/>
-              </a:rPr>
-              <a:t>preferences.</a:t>
-            </a:r>
-            <a:endParaRPr smtClean="0">
-              <a:latin typeface="Times New Roman" pitchFamily="18" charset="0"/>
-              <a:cs typeface="Times New Roman" pitchFamily="18" charset="0"/>
-            </a:endParaRPr>
-          </a:p>
-          <a:p>
-            <a:pPr>
-              <a:buNone/>
-            </a:pPr>
-            <a:r>
-              <a:rPr smtClean="0">
-                <a:latin typeface="Times New Roman" pitchFamily="18" charset="0"/>
-                <a:cs typeface="Times New Roman" pitchFamily="18" charset="0"/>
-              </a:rPr>
-              <a:t>Our </a:t>
-            </a:r>
-            <a:r>
-              <a:rPr smtClean="0">
-                <a:latin typeface="Times New Roman" pitchFamily="18" charset="0"/>
-                <a:cs typeface="Times New Roman" pitchFamily="18" charset="0"/>
-              </a:rPr>
-              <a:t>analysis will include insights into </a:t>
-            </a:r>
-            <a:r>
-              <a:rPr smtClean="0">
-                <a:latin typeface="Times New Roman" pitchFamily="18" charset="0"/>
-                <a:cs typeface="Times New Roman" pitchFamily="18" charset="0"/>
-              </a:rPr>
-              <a:t>Movies and TV shows trends </a:t>
-            </a:r>
-            <a:r>
-              <a:rPr smtClean="0">
-                <a:latin typeface="Times New Roman" pitchFamily="18" charset="0"/>
-                <a:cs typeface="Times New Roman" pitchFamily="18" charset="0"/>
-              </a:rPr>
-              <a:t>and deliver a </a:t>
-            </a:r>
-            <a:r>
-              <a:rPr smtClean="0">
-                <a:latin typeface="Times New Roman" pitchFamily="18" charset="0"/>
-                <a:cs typeface="Times New Roman" pitchFamily="18" charset="0"/>
-              </a:rPr>
-              <a:t>clustering model </a:t>
-            </a:r>
-            <a:r>
-              <a:rPr smtClean="0">
-                <a:latin typeface="Times New Roman" pitchFamily="18" charset="0"/>
-                <a:cs typeface="Times New Roman" pitchFamily="18" charset="0"/>
-              </a:rPr>
-              <a:t>that can </a:t>
-            </a:r>
-            <a:r>
-              <a:rPr smtClean="0">
-                <a:latin typeface="Times New Roman" pitchFamily="18" charset="0"/>
-                <a:cs typeface="Times New Roman" pitchFamily="18" charset="0"/>
-              </a:rPr>
-              <a:t>can identify similar content </a:t>
-            </a:r>
-            <a:r>
-              <a:rPr smtClean="0">
-                <a:latin typeface="Times New Roman" pitchFamily="18" charset="0"/>
-                <a:cs typeface="Times New Roman" pitchFamily="18" charset="0"/>
-              </a:rPr>
-              <a:t>groups.</a:t>
-            </a:r>
-            <a:endParaRPr smtClean="0">
-              <a:latin typeface="Times New Roman" pitchFamily="18" charset="0"/>
-              <a:cs typeface="Times New Roman" pitchFamily="18" charset="0"/>
-            </a:endParaRPr>
+              <a:t>Our analysis will include insights into Movies and TV shows trends and deliver a clustering model that can can identify similar content groups.</a:t>
+            </a:r>
           </a:p>
           <a:p>
             <a:pPr>
@@ -11988,7 +12107,7 @@
     </p:spTree>
     <p:extLst>
       <p:ext uri="{BB962C8B-B14F-4D97-AF65-F5344CB8AC3E}">
-        <p14:creationId xmlns:p14="http://schemas.microsoft.com/office/powerpoint/2010/main" xmlns="" val="3346685798"/>
+        <p14:creationId xmlns="" xmlns:p14="http://schemas.microsoft.com/office/powerpoint/2010/main" val="3346685798"/>
       </p:ext>
     </p:extLst>
   </p:cSld>
@@ -12027,7 +12146,7 @@
           <p:cNvPr id="11" name="Picture Placeholder 10" descr="A close-up of a plant">
             <a:extLst>
               <a:ext uri="{FF2B5EF4-FFF2-40B4-BE49-F238E27FC236}">
-                <a16:creationId xmlns:a16="http://schemas.microsoft.com/office/drawing/2014/main" xmlns="" id="{8DB431A1-9806-9CFE-0E5F-1A5611C2A666}"/>
+                <a16:creationId xmlns="" xmlns:a16="http://schemas.microsoft.com/office/drawing/2014/main" id="{8DB431A1-9806-9CFE-0E5F-1A5611C2A666}"/>
               </a:ext>
             </a:extLst>
           </p:cNvPr>
@@ -12042,7 +12161,7 @@
           <a:blip r:embed="rId3">
             <a:extLst>
               <a:ext uri="{28A0092B-C50C-407E-A947-70E740481C1C}">
-                <a14:useLocalDpi xmlns:a14="http://schemas.microsoft.com/office/drawing/2010/main" xmlns="" val="0"/>
+                <a14:useLocalDpi xmlns="" xmlns:a14="http://schemas.microsoft.com/office/drawing/2010/main" val="0"/>
               </a:ext>
             </a:extLst>
           </a:blip>
@@ -12061,7 +12180,7 @@
           <p:cNvPr id="3" name="Title 2">
             <a:extLst>
               <a:ext uri="{FF2B5EF4-FFF2-40B4-BE49-F238E27FC236}">
-                <a16:creationId xmlns:a16="http://schemas.microsoft.com/office/drawing/2014/main" xmlns="" id="{9C37279A-330D-886F-340D-494A5005E5FC}"/>
+                <a16:creationId xmlns="" xmlns:a16="http://schemas.microsoft.com/office/drawing/2014/main" id="{9C37279A-330D-886F-340D-494A5005E5FC}"/>
               </a:ext>
             </a:extLst>
           </p:cNvPr>
@@ -12099,7 +12218,7 @@
     </p:spTree>
     <p:extLst>
       <p:ext uri="{BB962C8B-B14F-4D97-AF65-F5344CB8AC3E}">
-        <p14:creationId xmlns:p14="http://schemas.microsoft.com/office/powerpoint/2010/main" xmlns="" val="2249372667"/>
+        <p14:creationId xmlns="" xmlns:p14="http://schemas.microsoft.com/office/powerpoint/2010/main" val="2249372667"/>
       </p:ext>
     </p:extLst>
   </p:cSld>
@@ -12138,7 +12257,7 @@
           <p:cNvPr id="3" name="Title 2">
             <a:extLst>
               <a:ext uri="{FF2B5EF4-FFF2-40B4-BE49-F238E27FC236}">
-                <a16:creationId xmlns:a16="http://schemas.microsoft.com/office/drawing/2014/main" xmlns="" id="{545D3755-C3E2-975E-DE68-CDECC4B526EC}"/>
+                <a16:creationId xmlns="" xmlns:a16="http://schemas.microsoft.com/office/drawing/2014/main" id="{545D3755-C3E2-975E-DE68-CDECC4B526EC}"/>
               </a:ext>
             </a:extLst>
           </p:cNvPr>
@@ -12178,7 +12297,7 @@
           <p:cNvPr id="7" name="Text Placeholder 6">
             <a:extLst>
               <a:ext uri="{FF2B5EF4-FFF2-40B4-BE49-F238E27FC236}">
-                <a16:creationId xmlns:a16="http://schemas.microsoft.com/office/drawing/2014/main" xmlns="" id="{F70BD87D-F7DA-961B-4024-A354DC87D168}"/>
+                <a16:creationId xmlns="" xmlns:a16="http://schemas.microsoft.com/office/drawing/2014/main" id="{F70BD87D-F7DA-961B-4024-A354DC87D168}"/>
               </a:ext>
             </a:extLst>
           </p:cNvPr>
@@ -12256,19 +12375,8 @@
                 <a:latin typeface="Times New Roman" pitchFamily="18" charset="0"/>
                 <a:cs typeface="Times New Roman" pitchFamily="18" charset="0"/>
               </a:rPr>
-              <a:t>Determined </a:t>
-            </a:r>
-            <a:r>
-              <a:rPr lang="en-US" sz="1600" dirty="0" smtClean="0">
-                <a:latin typeface="Times New Roman" pitchFamily="18" charset="0"/>
-                <a:cs typeface="Times New Roman" pitchFamily="18" charset="0"/>
-              </a:rPr>
-              <a:t>the encoding technique for to convert text to number format.</a:t>
-            </a:r>
-            <a:endParaRPr lang="en-US" sz="1600" dirty="0" smtClean="0">
-              <a:latin typeface="Times New Roman" pitchFamily="18" charset="0"/>
-              <a:cs typeface="Times New Roman" pitchFamily="18" charset="0"/>
-            </a:endParaRPr>
+              <a:t>Determined the encoding technique for to convert text to number format.</a:t>
+            </a:r>
           </a:p>
           <a:p>
             <a:r>
@@ -12285,14 +12393,7 @@
                 <a:latin typeface="Times New Roman" pitchFamily="18" charset="0"/>
                 <a:cs typeface="Times New Roman" pitchFamily="18" charset="0"/>
               </a:rPr>
-              <a:t>Applied </a:t>
-            </a:r>
-            <a:r>
-              <a:rPr lang="en-US" sz="1600" dirty="0" smtClean="0">
-                <a:latin typeface="Times New Roman" pitchFamily="18" charset="0"/>
-                <a:cs typeface="Times New Roman" pitchFamily="18" charset="0"/>
-              </a:rPr>
-              <a:t>normalization and standardization to scale the selected columns appropriately.</a:t>
+              <a:t>Applied normalization and standardization to scale the selected columns appropriately.</a:t>
             </a:r>
           </a:p>
           <a:p>
@@ -12308,10 +12409,10 @@
           <p:cNvPr id="19" name="Group 18">
             <a:extLst>
               <a:ext uri="{FF2B5EF4-FFF2-40B4-BE49-F238E27FC236}">
-                <a16:creationId xmlns:a16="http://schemas.microsoft.com/office/drawing/2014/main" xmlns="" id="{C78CEA4F-D72A-C069-6A51-328B103CA0CA}"/>
+                <a16:creationId xmlns="" xmlns:a16="http://schemas.microsoft.com/office/drawing/2014/main" id="{C78CEA4F-D72A-C069-6A51-328B103CA0CA}"/>
               </a:ext>
               <a:ext uri="{C183D7F6-B498-43B3-948B-1728B52AA6E4}">
-                <adec:decorative xmlns:adec="http://schemas.microsoft.com/office/drawing/2017/decorative" xmlns="" val="1"/>
+                <adec:decorative xmlns="" xmlns:adec="http://schemas.microsoft.com/office/drawing/2017/decorative" val="1"/>
               </a:ext>
             </a:extLst>
           </p:cNvPr>
@@ -12333,7 +12434,7 @@
             <p:cNvPr id="20" name="Freeform 19">
               <a:extLst>
                 <a:ext uri="{FF2B5EF4-FFF2-40B4-BE49-F238E27FC236}">
-                  <a16:creationId xmlns:a16="http://schemas.microsoft.com/office/drawing/2014/main" xmlns="" id="{7E473402-19FD-A5B0-5CB6-E5F3926D3828}"/>
+                  <a16:creationId xmlns="" xmlns:a16="http://schemas.microsoft.com/office/drawing/2014/main" id="{7E473402-19FD-A5B0-5CB6-E5F3926D3828}"/>
                 </a:ext>
               </a:extLst>
             </p:cNvPr>
@@ -12414,7 +12515,7 @@
             </a:ln>
             <a:extLst>
               <a:ext uri="{91240B29-F687-4F45-9708-019B960494DF}">
-                <a14:hiddenLine xmlns:a14="http://schemas.microsoft.com/office/drawing/2010/main" xmlns="" w="9525">
+                <a14:hiddenLine xmlns="" xmlns:a14="http://schemas.microsoft.com/office/drawing/2010/main" w="9525">
                   <a:solidFill>
                     <a:srgbClr val="000000"/>
                   </a:solidFill>
@@ -12440,7 +12541,7 @@
             <p:cNvPr id="21" name="Freeform 20">
               <a:extLst>
                 <a:ext uri="{FF2B5EF4-FFF2-40B4-BE49-F238E27FC236}">
-                  <a16:creationId xmlns:a16="http://schemas.microsoft.com/office/drawing/2014/main" xmlns="" id="{879D1CAD-2EA2-9376-7B64-0C3AC590F651}"/>
+                  <a16:creationId xmlns="" xmlns:a16="http://schemas.microsoft.com/office/drawing/2014/main" id="{879D1CAD-2EA2-9376-7B64-0C3AC590F651}"/>
                 </a:ext>
               </a:extLst>
             </p:cNvPr>
@@ -12512,7 +12613,7 @@
             </a:ln>
             <a:extLst>
               <a:ext uri="{91240B29-F687-4F45-9708-019B960494DF}">
-                <a14:hiddenLine xmlns:a14="http://schemas.microsoft.com/office/drawing/2010/main" xmlns="" w="9525">
+                <a14:hiddenLine xmlns="" xmlns:a14="http://schemas.microsoft.com/office/drawing/2010/main" w="9525">
                   <a:solidFill>
                     <a:srgbClr val="000000"/>
                   </a:solidFill>
@@ -12538,7 +12639,7 @@
             <p:cNvPr id="22" name="Freeform 21">
               <a:extLst>
                 <a:ext uri="{FF2B5EF4-FFF2-40B4-BE49-F238E27FC236}">
-                  <a16:creationId xmlns:a16="http://schemas.microsoft.com/office/drawing/2014/main" xmlns="" id="{B16F8906-918C-BE0B-A4AB-6A1D48150AC7}"/>
+                  <a16:creationId xmlns="" xmlns:a16="http://schemas.microsoft.com/office/drawing/2014/main" id="{B16F8906-918C-BE0B-A4AB-6A1D48150AC7}"/>
                 </a:ext>
               </a:extLst>
             </p:cNvPr>
@@ -12613,7 +12714,7 @@
             </a:ln>
             <a:extLst>
               <a:ext uri="{91240B29-F687-4F45-9708-019B960494DF}">
-                <a14:hiddenLine xmlns:a14="http://schemas.microsoft.com/office/drawing/2010/main" xmlns="" w="9525">
+                <a14:hiddenLine xmlns="" xmlns:a14="http://schemas.microsoft.com/office/drawing/2010/main" w="9525">
                   <a:solidFill>
                     <a:srgbClr val="000000"/>
                   </a:solidFill>
@@ -12638,7 +12739,7 @@
     </p:spTree>
     <p:extLst>
       <p:ext uri="{BB962C8B-B14F-4D97-AF65-F5344CB8AC3E}">
-        <p14:creationId xmlns:p14="http://schemas.microsoft.com/office/powerpoint/2010/main" xmlns="" val="3200312026"/>
+        <p14:creationId xmlns="" xmlns:p14="http://schemas.microsoft.com/office/powerpoint/2010/main" val="3200312026"/>
       </p:ext>
     </p:extLst>
   </p:cSld>
@@ -12677,7 +12778,7 @@
           <p:cNvPr id="7" name="Text Placeholder 6">
             <a:extLst>
               <a:ext uri="{FF2B5EF4-FFF2-40B4-BE49-F238E27FC236}">
-                <a16:creationId xmlns:a16="http://schemas.microsoft.com/office/drawing/2014/main" xmlns="" id="{F70BD87D-F7DA-961B-4024-A354DC87D168}"/>
+                <a16:creationId xmlns="" xmlns:a16="http://schemas.microsoft.com/office/drawing/2014/main" id="{F70BD87D-F7DA-961B-4024-A354DC87D168}"/>
               </a:ext>
             </a:extLst>
           </p:cNvPr>
@@ -12705,123 +12806,34 @@
                 <a:latin typeface="Times New Roman" pitchFamily="18" charset="0"/>
                 <a:cs typeface="Times New Roman" pitchFamily="18" charset="0"/>
               </a:rPr>
-              <a:t>Movies have a significantly higher count than TV Shows — over 5,000 titles, compared to approximately 2,400 TV Shows</a:t>
-            </a:r>
+              <a:t>Movies have a significantly higher count than TV Shows — over 5,000 titles, compared to approximately 2,400 TV Shows. Ratio: Roughly 2:1 (Movies: TV Shows).</a:t>
+            </a:r>
+          </a:p>
+          <a:p>
             <a:r>
               <a:rPr lang="en-US" sz="1600" dirty="0" smtClean="0">
                 <a:latin typeface="Times New Roman" pitchFamily="18" charset="0"/>
                 <a:cs typeface="Times New Roman" pitchFamily="18" charset="0"/>
               </a:rPr>
-              <a:t>. </a:t>
-            </a:r>
+              <a:t>This suggests the platform prioritizes more movie content than TV shows, either due to: Licensing ease, Lower production cost per title, Viewer preference or platform strategy.</a:t>
+            </a:r>
+          </a:p>
+          <a:p>
             <a:r>
               <a:rPr lang="en-US" sz="1600" dirty="0" smtClean="0">
                 <a:latin typeface="Times New Roman" pitchFamily="18" charset="0"/>
                 <a:cs typeface="Times New Roman" pitchFamily="18" charset="0"/>
               </a:rPr>
-              <a:t>Ratio: Roughly 2:1 </a:t>
-            </a:r>
+              <a:t>A user opening the app is more likely to be shown a movie, simply due to volume. However, TV show watchers may be more engaged over time (multiple episodes), so quantity doesn’t always mean better retention.</a:t>
+            </a:r>
+          </a:p>
+          <a:p>
             <a:r>
               <a:rPr lang="en-US" sz="1600" dirty="0" smtClean="0">
                 <a:latin typeface="Times New Roman" pitchFamily="18" charset="0"/>
                 <a:cs typeface="Times New Roman" pitchFamily="18" charset="0"/>
               </a:rPr>
-              <a:t>(Movies: TV </a:t>
-            </a:r>
-            <a:r>
-              <a:rPr lang="en-US" sz="1600" dirty="0" smtClean="0">
-                <a:latin typeface="Times New Roman" pitchFamily="18" charset="0"/>
-                <a:cs typeface="Times New Roman" pitchFamily="18" charset="0"/>
-              </a:rPr>
-              <a:t>Shows</a:t>
-            </a:r>
-            <a:r>
-              <a:rPr lang="en-US" sz="1600" dirty="0" smtClean="0">
-                <a:latin typeface="Times New Roman" pitchFamily="18" charset="0"/>
-                <a:cs typeface="Times New Roman" pitchFamily="18" charset="0"/>
-              </a:rPr>
-              <a:t>).</a:t>
-            </a:r>
-            <a:endParaRPr lang="en-US" sz="1600" dirty="0" smtClean="0">
-              <a:latin typeface="Times New Roman" pitchFamily="18" charset="0"/>
-              <a:cs typeface="Times New Roman" pitchFamily="18" charset="0"/>
-            </a:endParaRPr>
-          </a:p>
-          <a:p>
-            <a:r>
-              <a:rPr lang="en-US" sz="1600" dirty="0" smtClean="0">
-                <a:latin typeface="Times New Roman" pitchFamily="18" charset="0"/>
-                <a:cs typeface="Times New Roman" pitchFamily="18" charset="0"/>
-              </a:rPr>
-              <a:t>This </a:t>
-            </a:r>
-            <a:r>
-              <a:rPr lang="en-US" sz="1600" dirty="0" smtClean="0">
-                <a:latin typeface="Times New Roman" pitchFamily="18" charset="0"/>
-                <a:cs typeface="Times New Roman" pitchFamily="18" charset="0"/>
-              </a:rPr>
-              <a:t>suggests the platform prioritizes more movie content than TV shows, either due </a:t>
-            </a:r>
-            <a:r>
-              <a:rPr lang="en-US" sz="1600" dirty="0" smtClean="0">
-                <a:latin typeface="Times New Roman" pitchFamily="18" charset="0"/>
-                <a:cs typeface="Times New Roman" pitchFamily="18" charset="0"/>
-              </a:rPr>
-              <a:t>to: Licensing </a:t>
-            </a:r>
-            <a:r>
-              <a:rPr lang="en-US" sz="1600" dirty="0" smtClean="0">
-                <a:latin typeface="Times New Roman" pitchFamily="18" charset="0"/>
-                <a:cs typeface="Times New Roman" pitchFamily="18" charset="0"/>
-              </a:rPr>
-              <a:t>ease, Lower production cost per title, Viewer preference or platform strategy.</a:t>
-            </a:r>
-            <a:endParaRPr lang="en-US" sz="1600" dirty="0" smtClean="0">
-              <a:latin typeface="Times New Roman" pitchFamily="18" charset="0"/>
-              <a:cs typeface="Times New Roman" pitchFamily="18" charset="0"/>
-            </a:endParaRPr>
-          </a:p>
-          <a:p>
-            <a:r>
-              <a:rPr lang="en-US" sz="1600" dirty="0" smtClean="0">
-                <a:latin typeface="Times New Roman" pitchFamily="18" charset="0"/>
-                <a:cs typeface="Times New Roman" pitchFamily="18" charset="0"/>
-              </a:rPr>
-              <a:t>A </a:t>
-            </a:r>
-            <a:r>
-              <a:rPr lang="en-US" sz="1600" dirty="0" smtClean="0">
-                <a:latin typeface="Times New Roman" pitchFamily="18" charset="0"/>
-                <a:cs typeface="Times New Roman" pitchFamily="18" charset="0"/>
-              </a:rPr>
-              <a:t>user opening the app is more likely to be shown a movie, simply due to volume. However, TV show watchers may be more engaged over time (multiple episodes), so quantity doesn’t always mean better retention.</a:t>
-            </a:r>
-            <a:endParaRPr lang="en-US" sz="1600" dirty="0" smtClean="0">
-              <a:latin typeface="Times New Roman" pitchFamily="18" charset="0"/>
-              <a:cs typeface="Times New Roman" pitchFamily="18" charset="0"/>
-            </a:endParaRPr>
-          </a:p>
-          <a:p>
-            <a:r>
-              <a:rPr lang="en-US" sz="1600" dirty="0" smtClean="0">
-                <a:latin typeface="Times New Roman" pitchFamily="18" charset="0"/>
-                <a:cs typeface="Times New Roman" pitchFamily="18" charset="0"/>
-              </a:rPr>
-              <a:t>TV-Show </a:t>
-            </a:r>
-            <a:r>
-              <a:rPr lang="en-US" sz="1600" dirty="0" smtClean="0">
-                <a:latin typeface="Times New Roman" pitchFamily="18" charset="0"/>
-                <a:cs typeface="Times New Roman" pitchFamily="18" charset="0"/>
-              </a:rPr>
-              <a:t>expansion: Target emerging market where serialized content is preferred. Focus on regional or original series, especially if competing platforms (like Disney+ or HBO Max) dominate in that segment</a:t>
-            </a:r>
-            <a:r>
-              <a:rPr lang="en-US" sz="1600" dirty="0" smtClean="0">
-                <a:latin typeface="Times New Roman" pitchFamily="18" charset="0"/>
-                <a:cs typeface="Times New Roman" pitchFamily="18" charset="0"/>
-              </a:rPr>
-              <a:t>.</a:t>
+              <a:t>TV-Show expansion: Target emerging market where serialized content is preferred. Focus on regional or original series, especially if competing platforms (like Disney+ or HBO Max) dominate in that segment.</a:t>
             </a:r>
           </a:p>
           <a:p>
@@ -12846,10 +12858,10 @@
           <p:cNvPr id="2" name="Group 18">
             <a:extLst>
               <a:ext uri="{FF2B5EF4-FFF2-40B4-BE49-F238E27FC236}">
-                <a16:creationId xmlns:a16="http://schemas.microsoft.com/office/drawing/2014/main" xmlns="" id="{C78CEA4F-D72A-C069-6A51-328B103CA0CA}"/>
+                <a16:creationId xmlns="" xmlns:a16="http://schemas.microsoft.com/office/drawing/2014/main" id="{C78CEA4F-D72A-C069-6A51-328B103CA0CA}"/>
               </a:ext>
               <a:ext uri="{C183D7F6-B498-43B3-948B-1728B52AA6E4}">
-                <adec:decorative xmlns:adec="http://schemas.microsoft.com/office/drawing/2017/decorative" xmlns="" val="1"/>
+                <adec:decorative xmlns="" xmlns:adec="http://schemas.microsoft.com/office/drawing/2017/decorative" val="1"/>
               </a:ext>
             </a:extLst>
           </p:cNvPr>
@@ -12871,7 +12883,7 @@
             <p:cNvPr id="20" name="Freeform 19">
               <a:extLst>
                 <a:ext uri="{FF2B5EF4-FFF2-40B4-BE49-F238E27FC236}">
-                  <a16:creationId xmlns:a16="http://schemas.microsoft.com/office/drawing/2014/main" xmlns="" id="{7E473402-19FD-A5B0-5CB6-E5F3926D3828}"/>
+                  <a16:creationId xmlns="" xmlns:a16="http://schemas.microsoft.com/office/drawing/2014/main" id="{7E473402-19FD-A5B0-5CB6-E5F3926D3828}"/>
                 </a:ext>
               </a:extLst>
             </p:cNvPr>
@@ -12952,7 +12964,7 @@
             </a:ln>
             <a:extLst>
               <a:ext uri="{91240B29-F687-4F45-9708-019B960494DF}">
-                <a14:hiddenLine xmlns:a14="http://schemas.microsoft.com/office/drawing/2010/main" xmlns="" w="9525">
+                <a14:hiddenLine xmlns="" xmlns:a14="http://schemas.microsoft.com/office/drawing/2010/main" w="9525">
                   <a:solidFill>
                     <a:srgbClr val="000000"/>
                   </a:solidFill>
@@ -12978,7 +12990,7 @@
             <p:cNvPr id="21" name="Freeform 20">
               <a:extLst>
                 <a:ext uri="{FF2B5EF4-FFF2-40B4-BE49-F238E27FC236}">
-                  <a16:creationId xmlns:a16="http://schemas.microsoft.com/office/drawing/2014/main" xmlns="" id="{879D1CAD-2EA2-9376-7B64-0C3AC590F651}"/>
+                  <a16:creationId xmlns="" xmlns:a16="http://schemas.microsoft.com/office/drawing/2014/main" id="{879D1CAD-2EA2-9376-7B64-0C3AC590F651}"/>
                 </a:ext>
               </a:extLst>
             </p:cNvPr>
@@ -13050,7 +13062,7 @@
             </a:ln>
             <a:extLst>
               <a:ext uri="{91240B29-F687-4F45-9708-019B960494DF}">
-                <a14:hiddenLine xmlns:a14="http://schemas.microsoft.com/office/drawing/2010/main" xmlns="" w="9525">
+                <a14:hiddenLine xmlns="" xmlns:a14="http://schemas.microsoft.com/office/drawing/2010/main" w="9525">
                   <a:solidFill>
                     <a:srgbClr val="000000"/>
                   </a:solidFill>
@@ -13076,7 +13088,7 @@
             <p:cNvPr id="22" name="Freeform 21">
               <a:extLst>
                 <a:ext uri="{FF2B5EF4-FFF2-40B4-BE49-F238E27FC236}">
-                  <a16:creationId xmlns:a16="http://schemas.microsoft.com/office/drawing/2014/main" xmlns="" id="{B16F8906-918C-BE0B-A4AB-6A1D48150AC7}"/>
+                  <a16:creationId xmlns="" xmlns:a16="http://schemas.microsoft.com/office/drawing/2014/main" id="{B16F8906-918C-BE0B-A4AB-6A1D48150AC7}"/>
                 </a:ext>
               </a:extLst>
             </p:cNvPr>
@@ -13151,7 +13163,7 @@
             </a:ln>
             <a:extLst>
               <a:ext uri="{91240B29-F687-4F45-9708-019B960494DF}">
-                <a14:hiddenLine xmlns:a14="http://schemas.microsoft.com/office/drawing/2010/main" xmlns="" w="9525">
+                <a14:hiddenLine xmlns="" xmlns:a14="http://schemas.microsoft.com/office/drawing/2010/main" w="9525">
                   <a:solidFill>
                     <a:srgbClr val="000000"/>
                   </a:solidFill>
@@ -13209,7 +13221,7 @@
     </p:spTree>
     <p:extLst>
       <p:ext uri="{BB962C8B-B14F-4D97-AF65-F5344CB8AC3E}">
-        <p14:creationId xmlns:p14="http://schemas.microsoft.com/office/powerpoint/2010/main" xmlns="" val="3200312026"/>
+        <p14:creationId xmlns="" xmlns:p14="http://schemas.microsoft.com/office/powerpoint/2010/main" val="3200312026"/>
       </p:ext>
     </p:extLst>
   </p:cSld>
@@ -13248,7 +13260,7 @@
           <p:cNvPr id="7" name="Text Placeholder 6">
             <a:extLst>
               <a:ext uri="{FF2B5EF4-FFF2-40B4-BE49-F238E27FC236}">
-                <a16:creationId xmlns:a16="http://schemas.microsoft.com/office/drawing/2014/main" xmlns="" id="{F70BD87D-F7DA-961B-4024-A354DC87D168}"/>
+                <a16:creationId xmlns="" xmlns:a16="http://schemas.microsoft.com/office/drawing/2014/main" id="{F70BD87D-F7DA-961B-4024-A354DC87D168}"/>
               </a:ext>
             </a:extLst>
           </p:cNvPr>
@@ -13276,69 +13288,16 @@
                 <a:latin typeface="Times New Roman" pitchFamily="18" charset="0"/>
                 <a:cs typeface="Times New Roman" pitchFamily="18" charset="0"/>
               </a:rPr>
-              <a:t>The </a:t>
-            </a:r>
+              <a:t>The peak in content releases occurred between 2017 and 2019. This surge is driven primarily by movies (shown in red) but also includes a noticeable rise in TV shows. Suggests Netflix ramped up content acquisition and production during this time.</a:t>
+            </a:r>
+          </a:p>
+          <a:p>
             <a:r>
               <a:rPr lang="en-US" sz="1600" dirty="0" smtClean="0">
                 <a:latin typeface="Times New Roman" pitchFamily="18" charset="0"/>
                 <a:cs typeface="Times New Roman" pitchFamily="18" charset="0"/>
               </a:rPr>
-              <a:t>peak in content releases occurred between 2017 and 2019. This surge is driven primarily by movies (shown in red) but also includes a noticeable rise in TV shows. Suggests Netflix ramped up content acquisition and production during this time.</a:t>
-            </a:r>
-            <a:endParaRPr lang="en-US" sz="1600" dirty="0" smtClean="0">
-              <a:latin typeface="Times New Roman" pitchFamily="18" charset="0"/>
-              <a:cs typeface="Times New Roman" pitchFamily="18" charset="0"/>
-            </a:endParaRPr>
-          </a:p>
-          <a:p>
-            <a:r>
-              <a:rPr lang="en-US" sz="1600" dirty="0" smtClean="0">
-                <a:latin typeface="Times New Roman" pitchFamily="18" charset="0"/>
-                <a:cs typeface="Times New Roman" pitchFamily="18" charset="0"/>
-              </a:rPr>
-              <a:t>Noticeable There is a drop in title count after 2020, visible in both </a:t>
-            </a:r>
-            <a:r>
-              <a:rPr lang="en-US" sz="1600" dirty="0" smtClean="0">
-                <a:latin typeface="Times New Roman" pitchFamily="18" charset="0"/>
-                <a:cs typeface="Times New Roman" pitchFamily="18" charset="0"/>
-              </a:rPr>
-              <a:t>types. This </a:t>
-            </a:r>
-            <a:r>
-              <a:rPr lang="en-US" sz="1600" dirty="0" smtClean="0">
-                <a:latin typeface="Times New Roman" pitchFamily="18" charset="0"/>
-                <a:cs typeface="Times New Roman" pitchFamily="18" charset="0"/>
-              </a:rPr>
-              <a:t>may be due to COVID-19 pandemic halting </a:t>
-            </a:r>
-            <a:r>
-              <a:rPr lang="en-US" sz="1600" dirty="0" smtClean="0">
-                <a:latin typeface="Times New Roman" pitchFamily="18" charset="0"/>
-                <a:cs typeface="Times New Roman" pitchFamily="18" charset="0"/>
-              </a:rPr>
-              <a:t>productions, Shifts </a:t>
-            </a:r>
-            <a:r>
-              <a:rPr lang="en-US" sz="1600" dirty="0" smtClean="0">
-                <a:latin typeface="Times New Roman" pitchFamily="18" charset="0"/>
-                <a:cs typeface="Times New Roman" pitchFamily="18" charset="0"/>
-              </a:rPr>
-              <a:t>in </a:t>
-            </a:r>
-            <a:r>
-              <a:rPr lang="en-US" sz="1600" dirty="0" smtClean="0">
-                <a:latin typeface="Times New Roman" pitchFamily="18" charset="0"/>
-                <a:cs typeface="Times New Roman" pitchFamily="18" charset="0"/>
-              </a:rPr>
-              <a:t>strategy focus </a:t>
-            </a:r>
-            <a:r>
-              <a:rPr lang="en-US" sz="1600" dirty="0" smtClean="0">
-                <a:latin typeface="Times New Roman" pitchFamily="18" charset="0"/>
-                <a:cs typeface="Times New Roman" pitchFamily="18" charset="0"/>
-              </a:rPr>
-              <a:t>on quality </a:t>
+              <a:t>Noticeable There is a drop in title count after 2020, visible in both types. This may be due to COVID-19 pandemic halting productions, Shifts in strategy focus on quality </a:t>
             </a:r>
             <a:r>
               <a:rPr lang="en-US" sz="1600" dirty="0" err="1" smtClean="0">
@@ -13352,68 +13311,25 @@
                 <a:latin typeface="Times New Roman" pitchFamily="18" charset="0"/>
                 <a:cs typeface="Times New Roman" pitchFamily="18" charset="0"/>
               </a:rPr>
-              <a:t> </a:t>
-            </a:r>
+              <a:t> quantity, Longer production timelines for new shows/movies post-pandemic.</a:t>
+            </a:r>
+          </a:p>
+          <a:p>
             <a:r>
               <a:rPr lang="en-US" sz="1600" dirty="0" smtClean="0">
                 <a:latin typeface="Times New Roman" pitchFamily="18" charset="0"/>
                 <a:cs typeface="Times New Roman" pitchFamily="18" charset="0"/>
               </a:rPr>
-              <a:t>quantity, Longer </a:t>
-            </a:r>
+              <a:t>Minimal titles from earlier decades, especially pre-2000. Indicates Netflix focuses more on modern content (less classic/archival material), Possibly reflects licensing limitations for older titles.</a:t>
+            </a:r>
+          </a:p>
+          <a:p>
             <a:r>
               <a:rPr lang="en-US" sz="1600" dirty="0" smtClean="0">
                 <a:latin typeface="Times New Roman" pitchFamily="18" charset="0"/>
                 <a:cs typeface="Times New Roman" pitchFamily="18" charset="0"/>
               </a:rPr>
-              <a:t>production timelines for new shows/movies </a:t>
-            </a:r>
-            <a:r>
-              <a:rPr lang="en-US" sz="1600" dirty="0" smtClean="0">
-                <a:latin typeface="Times New Roman" pitchFamily="18" charset="0"/>
-                <a:cs typeface="Times New Roman" pitchFamily="18" charset="0"/>
-              </a:rPr>
-              <a:t>post-pandemic.</a:t>
-            </a:r>
-            <a:endParaRPr lang="en-US" sz="1600" dirty="0" smtClean="0">
-              <a:latin typeface="Times New Roman" pitchFamily="18" charset="0"/>
-              <a:cs typeface="Times New Roman" pitchFamily="18" charset="0"/>
-            </a:endParaRPr>
-          </a:p>
-          <a:p>
-            <a:r>
-              <a:rPr lang="en-US" sz="1600" dirty="0" smtClean="0">
-                <a:latin typeface="Times New Roman" pitchFamily="18" charset="0"/>
-                <a:cs typeface="Times New Roman" pitchFamily="18" charset="0"/>
-              </a:rPr>
-              <a:t>Minimal </a:t>
-            </a:r>
-            <a:r>
-              <a:rPr lang="en-US" sz="1600" dirty="0" smtClean="0">
-                <a:latin typeface="Times New Roman" pitchFamily="18" charset="0"/>
-                <a:cs typeface="Times New Roman" pitchFamily="18" charset="0"/>
-              </a:rPr>
-              <a:t>titles from earlier decades, especially pre-2000. Indicates Netflix focuses more on modern content (less classic/archival material), Possibly reflects licensing limitations for older titles.</a:t>
-            </a:r>
-            <a:endParaRPr lang="en-US" sz="1600" dirty="0" smtClean="0">
-              <a:latin typeface="Times New Roman" pitchFamily="18" charset="0"/>
-              <a:cs typeface="Times New Roman" pitchFamily="18" charset="0"/>
-            </a:endParaRPr>
-          </a:p>
-          <a:p>
-            <a:r>
-              <a:rPr lang="en-US" sz="1600" dirty="0" smtClean="0">
-                <a:latin typeface="Times New Roman" pitchFamily="18" charset="0"/>
-                <a:cs typeface="Times New Roman" pitchFamily="18" charset="0"/>
-              </a:rPr>
-              <a:t>From </a:t>
-            </a:r>
-            <a:r>
-              <a:rPr lang="en-US" sz="1600" dirty="0" smtClean="0">
-                <a:latin typeface="Times New Roman" pitchFamily="18" charset="0"/>
-                <a:cs typeface="Times New Roman" pitchFamily="18" charset="0"/>
-              </a:rPr>
-              <a:t>around 2015 onwards, TV show production has steadily grown.TV Shows (blue) account for a larger proportion of new titles post-2016 than in earlier periods.</a:t>
+              <a:t>From around 2015 onwards, TV show production has steadily grown.TV Shows (blue) account for a larger proportion of new titles post-2016 than in earlier periods.</a:t>
             </a:r>
             <a:endParaRPr lang="en-US" sz="1600" dirty="0">
               <a:latin typeface="Times New Roman" pitchFamily="18" charset="0"/>
@@ -13458,7 +13374,7 @@
     </p:spTree>
     <p:extLst>
       <p:ext uri="{BB962C8B-B14F-4D97-AF65-F5344CB8AC3E}">
-        <p14:creationId xmlns:p14="http://schemas.microsoft.com/office/powerpoint/2010/main" xmlns="" val="3200312026"/>
+        <p14:creationId xmlns="" xmlns:p14="http://schemas.microsoft.com/office/powerpoint/2010/main" val="3200312026"/>
       </p:ext>
     </p:extLst>
   </p:cSld>
@@ -13497,7 +13413,7 @@
           <p:cNvPr id="7" name="Text Placeholder 6">
             <a:extLst>
               <a:ext uri="{FF2B5EF4-FFF2-40B4-BE49-F238E27FC236}">
-                <a16:creationId xmlns:a16="http://schemas.microsoft.com/office/drawing/2014/main" xmlns="" id="{F70BD87D-F7DA-961B-4024-A354DC87D168}"/>
+                <a16:creationId xmlns="" xmlns:a16="http://schemas.microsoft.com/office/drawing/2014/main" id="{F70BD87D-F7DA-961B-4024-A354DC87D168}"/>
               </a:ext>
             </a:extLst>
           </p:cNvPr>
@@ -13525,19 +13441,17 @@
                 <a:latin typeface="Times New Roman" pitchFamily="18" charset="0"/>
                 <a:cs typeface="Times New Roman" pitchFamily="18" charset="0"/>
               </a:rPr>
-              <a:t>TV-MA </a:t>
-            </a:r>
+              <a:t>TV-MA is the most frequent rating, with nearly 3,000 titles. This rating includes content with strong language, violence, or other content. Suggests that a large portion of Netflix’s catalog targets adult viewers.</a:t>
+            </a:r>
+          </a:p>
+          <a:p>
             <a:r>
               <a:rPr lang="en-US" sz="1600" dirty="0" smtClean="0">
                 <a:latin typeface="Times New Roman" pitchFamily="18" charset="0"/>
                 <a:cs typeface="Times New Roman" pitchFamily="18" charset="0"/>
               </a:rPr>
-              <a:t>is the most frequent rating, with nearly 3,000 titles. This rating includes content with strong language, violence, or other content. Suggests that a large portion of Netflix’s catalog targets adult viewers.</a:t>
-            </a:r>
-            <a:endParaRPr lang="en-US" sz="1600" dirty="0" smtClean="0">
-              <a:latin typeface="Times New Roman" pitchFamily="18" charset="0"/>
-              <a:cs typeface="Times New Roman" pitchFamily="18" charset="0"/>
-            </a:endParaRPr>
+              <a:t>TV-14 is suitable for viewers age 14 and up. Also widely represented with nearly 2000 titles. A significant portion of content is teen-friendly, capturing a younger demographic. May include teen dramas, action shows, and some comedies.</a:t>
+            </a:r>
           </a:p>
           <a:p>
             <a:r>
@@ -13545,73 +13459,17 @@
                 <a:latin typeface="Times New Roman" pitchFamily="18" charset="0"/>
                 <a:cs typeface="Times New Roman" pitchFamily="18" charset="0"/>
               </a:rPr>
-              <a:t>TV-14 </a:t>
-            </a:r>
+              <a:t>Ratings like TV-Y, TV-G, TV-Y7, PG, G all appear with much smaller counts. Even PG-13, PG, and TV-PG are lower compared to mature ratings.</a:t>
+            </a:r>
+          </a:p>
+          <a:p>
             <a:r>
               <a:rPr lang="en-US" sz="1600" dirty="0" smtClean="0">
                 <a:latin typeface="Times New Roman" pitchFamily="18" charset="0"/>
                 <a:cs typeface="Times New Roman" pitchFamily="18" charset="0"/>
               </a:rPr>
-              <a:t>is suitable for viewers age 14 and up. Also widely represented with nearly 2000 titles. A significant portion of content is teen-friendly, capturing a younger demographic. May include teen dramas, action shows, and some comedies.</a:t>
-            </a:r>
-            <a:endParaRPr lang="en-US" sz="1600" dirty="0" smtClean="0">
-              <a:latin typeface="Times New Roman" pitchFamily="18" charset="0"/>
-              <a:cs typeface="Times New Roman" pitchFamily="18" charset="0"/>
-            </a:endParaRPr>
-          </a:p>
-          <a:p>
-            <a:r>
-              <a:rPr lang="en-US" sz="1600" dirty="0" smtClean="0">
-                <a:latin typeface="Times New Roman" pitchFamily="18" charset="0"/>
-                <a:cs typeface="Times New Roman" pitchFamily="18" charset="0"/>
-              </a:rPr>
-              <a:t>Ratings </a:t>
-            </a:r>
-            <a:r>
-              <a:rPr lang="en-US" sz="1600" dirty="0" smtClean="0">
-                <a:latin typeface="Times New Roman" pitchFamily="18" charset="0"/>
-                <a:cs typeface="Times New Roman" pitchFamily="18" charset="0"/>
-              </a:rPr>
-              <a:t>like TV-Y, TV-G, TV-Y7, PG, G </a:t>
-            </a:r>
-            <a:r>
-              <a:rPr lang="en-US" sz="1600" dirty="0" smtClean="0">
-                <a:latin typeface="Times New Roman" pitchFamily="18" charset="0"/>
-                <a:cs typeface="Times New Roman" pitchFamily="18" charset="0"/>
-              </a:rPr>
-              <a:t>all </a:t>
-            </a:r>
-            <a:r>
-              <a:rPr lang="en-US" sz="1600" dirty="0" smtClean="0">
-                <a:latin typeface="Times New Roman" pitchFamily="18" charset="0"/>
-                <a:cs typeface="Times New Roman" pitchFamily="18" charset="0"/>
-              </a:rPr>
-              <a:t>appear with much smaller counts. Even PG-13, PG, and TV-PG are lower compared to mature ratings.</a:t>
-            </a:r>
-            <a:endParaRPr lang="en-US" sz="1600" dirty="0" smtClean="0">
-              <a:latin typeface="Times New Roman" pitchFamily="18" charset="0"/>
-              <a:cs typeface="Times New Roman" pitchFamily="18" charset="0"/>
-            </a:endParaRPr>
-          </a:p>
-          <a:p>
-            <a:r>
-              <a:rPr lang="en-US" sz="1600" dirty="0" smtClean="0">
-                <a:latin typeface="Times New Roman" pitchFamily="18" charset="0"/>
-                <a:cs typeface="Times New Roman" pitchFamily="18" charset="0"/>
-              </a:rPr>
-              <a:t>Strategic </a:t>
-            </a:r>
-            <a:r>
-              <a:rPr lang="en-US" sz="1600" dirty="0" smtClean="0">
-                <a:latin typeface="Times New Roman" pitchFamily="18" charset="0"/>
-                <a:cs typeface="Times New Roman" pitchFamily="18" charset="0"/>
-              </a:rPr>
-              <a:t>Takeaways Netflix targets a mature, global audience, with emphasis on thrillers, dramas, action, and adult themes.</a:t>
-            </a:r>
-            <a:endParaRPr lang="en-US" sz="1600" dirty="0" smtClean="0">
-              <a:latin typeface="Times New Roman" pitchFamily="18" charset="0"/>
-              <a:cs typeface="Times New Roman" pitchFamily="18" charset="0"/>
-            </a:endParaRPr>
+              <a:t>Strategic Takeaways Netflix targets a mature, global audience, with emphasis on thrillers, dramas, action, and adult themes.</a:t>
+            </a:r>
           </a:p>
         </p:txBody>
       </p:sp>
@@ -13620,10 +13478,10 @@
           <p:cNvPr id="2" name="Group 18">
             <a:extLst>
               <a:ext uri="{FF2B5EF4-FFF2-40B4-BE49-F238E27FC236}">
-                <a16:creationId xmlns:a16="http://schemas.microsoft.com/office/drawing/2014/main" xmlns="" id="{C78CEA4F-D72A-C069-6A51-328B103CA0CA}"/>
+                <a16:creationId xmlns="" xmlns:a16="http://schemas.microsoft.com/office/drawing/2014/main" id="{C78CEA4F-D72A-C069-6A51-328B103CA0CA}"/>
               </a:ext>
               <a:ext uri="{C183D7F6-B498-43B3-948B-1728B52AA6E4}">
-                <adec:decorative xmlns:adec="http://schemas.microsoft.com/office/drawing/2017/decorative" xmlns="" val="1"/>
+                <adec:decorative xmlns="" xmlns:adec="http://schemas.microsoft.com/office/drawing/2017/decorative" val="1"/>
               </a:ext>
             </a:extLst>
           </p:cNvPr>
@@ -13645,7 +13503,7 @@
             <p:cNvPr id="20" name="Freeform 19">
               <a:extLst>
                 <a:ext uri="{FF2B5EF4-FFF2-40B4-BE49-F238E27FC236}">
-                  <a16:creationId xmlns:a16="http://schemas.microsoft.com/office/drawing/2014/main" xmlns="" id="{7E473402-19FD-A5B0-5CB6-E5F3926D3828}"/>
+                  <a16:creationId xmlns="" xmlns:a16="http://schemas.microsoft.com/office/drawing/2014/main" id="{7E473402-19FD-A5B0-5CB6-E5F3926D3828}"/>
                 </a:ext>
               </a:extLst>
             </p:cNvPr>
@@ -13726,7 +13584,7 @@
             </a:ln>
             <a:extLst>
               <a:ext uri="{91240B29-F687-4F45-9708-019B960494DF}">
-                <a14:hiddenLine xmlns:a14="http://schemas.microsoft.com/office/drawing/2010/main" xmlns="" w="9525">
+                <a14:hiddenLine xmlns="" xmlns:a14="http://schemas.microsoft.com/office/drawing/2010/main" w="9525">
                   <a:solidFill>
                     <a:srgbClr val="000000"/>
                   </a:solidFill>
@@ -13752,7 +13610,7 @@
             <p:cNvPr id="21" name="Freeform 20">
               <a:extLst>
                 <a:ext uri="{FF2B5EF4-FFF2-40B4-BE49-F238E27FC236}">
-                  <a16:creationId xmlns:a16="http://schemas.microsoft.com/office/drawing/2014/main" xmlns="" id="{879D1CAD-2EA2-9376-7B64-0C3AC590F651}"/>
+                  <a16:creationId xmlns="" xmlns:a16="http://schemas.microsoft.com/office/drawing/2014/main" id="{879D1CAD-2EA2-9376-7B64-0C3AC590F651}"/>
                 </a:ext>
               </a:extLst>
             </p:cNvPr>
@@ -13824,7 +13682,7 @@
             </a:ln>
             <a:extLst>
               <a:ext uri="{91240B29-F687-4F45-9708-019B960494DF}">
-                <a14:hiddenLine xmlns:a14="http://schemas.microsoft.com/office/drawing/2010/main" xmlns="" w="9525">
+                <a14:hiddenLine xmlns="" xmlns:a14="http://schemas.microsoft.com/office/drawing/2010/main" w="9525">
                   <a:solidFill>
                     <a:srgbClr val="000000"/>
                   </a:solidFill>
@@ -13850,7 +13708,7 @@
             <p:cNvPr id="22" name="Freeform 21">
               <a:extLst>
                 <a:ext uri="{FF2B5EF4-FFF2-40B4-BE49-F238E27FC236}">
-                  <a16:creationId xmlns:a16="http://schemas.microsoft.com/office/drawing/2014/main" xmlns="" id="{B16F8906-918C-BE0B-A4AB-6A1D48150AC7}"/>
+                  <a16:creationId xmlns="" xmlns:a16="http://schemas.microsoft.com/office/drawing/2014/main" id="{B16F8906-918C-BE0B-A4AB-6A1D48150AC7}"/>
                 </a:ext>
               </a:extLst>
             </p:cNvPr>
@@ -13925,7 +13783,7 @@
             </a:ln>
             <a:extLst>
               <a:ext uri="{91240B29-F687-4F45-9708-019B960494DF}">
-                <a14:hiddenLine xmlns:a14="http://schemas.microsoft.com/office/drawing/2010/main" xmlns="" w="9525">
+                <a14:hiddenLine xmlns="" xmlns:a14="http://schemas.microsoft.com/office/drawing/2010/main" w="9525">
                   <a:solidFill>
                     <a:srgbClr val="000000"/>
                   </a:solidFill>
@@ -13983,7 +13841,7 @@
     </p:spTree>
     <p:extLst>
       <p:ext uri="{BB962C8B-B14F-4D97-AF65-F5344CB8AC3E}">
-        <p14:creationId xmlns:p14="http://schemas.microsoft.com/office/powerpoint/2010/main" xmlns="" val="3200312026"/>
+        <p14:creationId xmlns="" xmlns:p14="http://schemas.microsoft.com/office/powerpoint/2010/main" val="3200312026"/>
       </p:ext>
     </p:extLst>
   </p:cSld>
@@ -14022,7 +13880,7 @@
           <p:cNvPr id="7" name="Text Placeholder 6">
             <a:extLst>
               <a:ext uri="{FF2B5EF4-FFF2-40B4-BE49-F238E27FC236}">
-                <a16:creationId xmlns:a16="http://schemas.microsoft.com/office/drawing/2014/main" xmlns="" id="{F70BD87D-F7DA-961B-4024-A354DC87D168}"/>
+                <a16:creationId xmlns="" xmlns:a16="http://schemas.microsoft.com/office/drawing/2014/main" id="{F70BD87D-F7DA-961B-4024-A354DC87D168}"/>
               </a:ext>
             </a:extLst>
           </p:cNvPr>
@@ -14050,19 +13908,17 @@
                 <a:latin typeface="Times New Roman" pitchFamily="18" charset="0"/>
                 <a:cs typeface="Times New Roman" pitchFamily="18" charset="0"/>
               </a:rPr>
-              <a:t>International </a:t>
-            </a:r>
+              <a:t>International Movies are the most common genre, with over 2400 titles. Netflix has heavily invested in global content, reflecting its international expansion strategy. Includes films in non-English languages (e.g., Indian, Korean, Spanish, French).</a:t>
+            </a:r>
+          </a:p>
+          <a:p>
             <a:r>
               <a:rPr lang="en-US" sz="1600" dirty="0" smtClean="0">
                 <a:latin typeface="Times New Roman" pitchFamily="18" charset="0"/>
                 <a:cs typeface="Times New Roman" pitchFamily="18" charset="0"/>
               </a:rPr>
-              <a:t>Movies are the most common genre, with over 2400 titles. Netflix has heavily invested in global content, reflecting its international expansion strategy. Includes films in non-English languages (e.g., Indian, Korean, Spanish, French).</a:t>
-            </a:r>
-            <a:endParaRPr lang="en-US" sz="1600" dirty="0" smtClean="0">
-              <a:latin typeface="Times New Roman" pitchFamily="18" charset="0"/>
-              <a:cs typeface="Times New Roman" pitchFamily="18" charset="0"/>
-            </a:endParaRPr>
+              <a:t>Dramas come second, with ~2200 titles. Dramas offer deep engagement, emotional storylines, and wide appeal across ages and cultures. </a:t>
+            </a:r>
           </a:p>
           <a:p>
             <a:r>
@@ -14070,19 +13926,17 @@
                 <a:latin typeface="Times New Roman" pitchFamily="18" charset="0"/>
                 <a:cs typeface="Times New Roman" pitchFamily="18" charset="0"/>
               </a:rPr>
-              <a:t>Dramas </a:t>
-            </a:r>
+              <a:t>International TV Show With ~1200 titles, Likely includes hit series from Korea (Squid Game), India, Brazil, Spain (Money Heist), etc.</a:t>
+            </a:r>
+          </a:p>
+          <a:p>
             <a:r>
               <a:rPr lang="en-US" sz="1600" dirty="0" smtClean="0">
                 <a:latin typeface="Times New Roman" pitchFamily="18" charset="0"/>
                 <a:cs typeface="Times New Roman" pitchFamily="18" charset="0"/>
               </a:rPr>
-              <a:t>come second, with ~2200 titles. Dramas offer deep engagement, emotional storylines, and wide appeal across ages and cultures. </a:t>
-            </a:r>
-            <a:endParaRPr lang="en-US" sz="1600" dirty="0" smtClean="0">
-              <a:latin typeface="Times New Roman" pitchFamily="18" charset="0"/>
-              <a:cs typeface="Times New Roman" pitchFamily="18" charset="0"/>
-            </a:endParaRPr>
+              <a:t>Independent Movies, Children &amp; Family Movies, Romantic Movies rank lower in count. Netflix offers some variety in niche and family content, but they are not the focus.</a:t>
+            </a:r>
           </a:p>
           <a:p>
             <a:r>
@@ -14090,62 +13944,8 @@
                 <a:latin typeface="Times New Roman" pitchFamily="18" charset="0"/>
                 <a:cs typeface="Times New Roman" pitchFamily="18" charset="0"/>
               </a:rPr>
-              <a:t>International </a:t>
-            </a:r>
-            <a:r>
-              <a:rPr lang="en-US" sz="1600" dirty="0" smtClean="0">
-                <a:latin typeface="Times New Roman" pitchFamily="18" charset="0"/>
-                <a:cs typeface="Times New Roman" pitchFamily="18" charset="0"/>
-              </a:rPr>
-              <a:t>TV Show With ~1200 titles, Likely includes hit series from Korea (Squid Game), India, Brazil, Spain (Money Heist), etc.</a:t>
-            </a:r>
-            <a:endParaRPr lang="en-US" sz="1600" dirty="0" smtClean="0">
-              <a:latin typeface="Times New Roman" pitchFamily="18" charset="0"/>
-              <a:cs typeface="Times New Roman" pitchFamily="18" charset="0"/>
-            </a:endParaRPr>
-          </a:p>
-          <a:p>
-            <a:r>
-              <a:rPr lang="en-US" sz="1600" dirty="0" smtClean="0">
-                <a:latin typeface="Times New Roman" pitchFamily="18" charset="0"/>
-                <a:cs typeface="Times New Roman" pitchFamily="18" charset="0"/>
-              </a:rPr>
-              <a:t>Independent </a:t>
-            </a:r>
-            <a:r>
-              <a:rPr lang="en-US" sz="1600" dirty="0" smtClean="0">
-                <a:latin typeface="Times New Roman" pitchFamily="18" charset="0"/>
-                <a:cs typeface="Times New Roman" pitchFamily="18" charset="0"/>
-              </a:rPr>
-              <a:t>Movies, Children &amp; Family Movies, Romantic Movies rank lower in count. Netflix offers some variety in niche and family content, but they are not the focus</a:t>
-            </a:r>
-            <a:r>
-              <a:rPr lang="en-US" sz="1600" dirty="0" smtClean="0">
-                <a:latin typeface="Times New Roman" pitchFamily="18" charset="0"/>
-                <a:cs typeface="Times New Roman" pitchFamily="18" charset="0"/>
-              </a:rPr>
-              <a:t>.</a:t>
-            </a:r>
-          </a:p>
-          <a:p>
-            <a:r>
-              <a:rPr lang="en-US" sz="1600" dirty="0" smtClean="0">
-                <a:latin typeface="Times New Roman" pitchFamily="18" charset="0"/>
-                <a:cs typeface="Times New Roman" pitchFamily="18" charset="0"/>
-              </a:rPr>
-              <a:t>Netflix’s </a:t>
-            </a:r>
-            <a:r>
-              <a:rPr lang="en-US" sz="1600" dirty="0" smtClean="0">
-                <a:latin typeface="Times New Roman" pitchFamily="18" charset="0"/>
-                <a:cs typeface="Times New Roman" pitchFamily="18" charset="0"/>
-              </a:rPr>
-              <a:t>content library is genre-diverse but clearly prioritizes International titles, Dramatic storytelling, Mass-appeal comedy, With growing support for non-fiction, action, and global TV.</a:t>
-            </a:r>
-            <a:endParaRPr lang="en-US" sz="1600" dirty="0" smtClean="0">
-              <a:latin typeface="Times New Roman" pitchFamily="18" charset="0"/>
-              <a:cs typeface="Times New Roman" pitchFamily="18" charset="0"/>
-            </a:endParaRPr>
+              <a:t>Netflix’s content library is genre-diverse but clearly prioritizes International titles, Dramatic storytelling, Mass-appeal comedy, With growing support for non-fiction, action, and global TV.</a:t>
+            </a:r>
           </a:p>
         </p:txBody>
       </p:sp>
@@ -14154,10 +13954,10 @@
           <p:cNvPr id="2" name="Group 18">
             <a:extLst>
               <a:ext uri="{FF2B5EF4-FFF2-40B4-BE49-F238E27FC236}">
-                <a16:creationId xmlns:a16="http://schemas.microsoft.com/office/drawing/2014/main" xmlns="" id="{C78CEA4F-D72A-C069-6A51-328B103CA0CA}"/>
+                <a16:creationId xmlns="" xmlns:a16="http://schemas.microsoft.com/office/drawing/2014/main" id="{C78CEA4F-D72A-C069-6A51-328B103CA0CA}"/>
               </a:ext>
               <a:ext uri="{C183D7F6-B498-43B3-948B-1728B52AA6E4}">
-                <adec:decorative xmlns:adec="http://schemas.microsoft.com/office/drawing/2017/decorative" xmlns="" val="1"/>
+                <adec:decorative xmlns="" xmlns:adec="http://schemas.microsoft.com/office/drawing/2017/decorative" val="1"/>
               </a:ext>
             </a:extLst>
           </p:cNvPr>
@@ -14179,7 +13979,7 @@
             <p:cNvPr id="20" name="Freeform 19">
               <a:extLst>
                 <a:ext uri="{FF2B5EF4-FFF2-40B4-BE49-F238E27FC236}">
-                  <a16:creationId xmlns:a16="http://schemas.microsoft.com/office/drawing/2014/main" xmlns="" id="{7E473402-19FD-A5B0-5CB6-E5F3926D3828}"/>
+                  <a16:creationId xmlns="" xmlns:a16="http://schemas.microsoft.com/office/drawing/2014/main" id="{7E473402-19FD-A5B0-5CB6-E5F3926D3828}"/>
                 </a:ext>
               </a:extLst>
             </p:cNvPr>
@@ -14260,7 +14060,7 @@
             </a:ln>
             <a:extLst>
               <a:ext uri="{91240B29-F687-4F45-9708-019B960494DF}">
-                <a14:hiddenLine xmlns:a14="http://schemas.microsoft.com/office/drawing/2010/main" xmlns="" w="9525">
+                <a14:hiddenLine xmlns="" xmlns:a14="http://schemas.microsoft.com/office/drawing/2010/main" w="9525">
                   <a:solidFill>
                     <a:srgbClr val="000000"/>
                   </a:solidFill>
@@ -14286,7 +14086,7 @@
             <p:cNvPr id="21" name="Freeform 20">
               <a:extLst>
                 <a:ext uri="{FF2B5EF4-FFF2-40B4-BE49-F238E27FC236}">
-                  <a16:creationId xmlns:a16="http://schemas.microsoft.com/office/drawing/2014/main" xmlns="" id="{879D1CAD-2EA2-9376-7B64-0C3AC590F651}"/>
+                  <a16:creationId xmlns="" xmlns:a16="http://schemas.microsoft.com/office/drawing/2014/main" id="{879D1CAD-2EA2-9376-7B64-0C3AC590F651}"/>
                 </a:ext>
               </a:extLst>
             </p:cNvPr>
@@ -14358,7 +14158,7 @@
             </a:ln>
             <a:extLst>
               <a:ext uri="{91240B29-F687-4F45-9708-019B960494DF}">
-                <a14:hiddenLine xmlns:a14="http://schemas.microsoft.com/office/drawing/2010/main" xmlns="" w="9525">
+                <a14:hiddenLine xmlns="" xmlns:a14="http://schemas.microsoft.com/office/drawing/2010/main" w="9525">
                   <a:solidFill>
                     <a:srgbClr val="000000"/>
                   </a:solidFill>
@@ -14384,7 +14184,7 @@
             <p:cNvPr id="22" name="Freeform 21">
               <a:extLst>
                 <a:ext uri="{FF2B5EF4-FFF2-40B4-BE49-F238E27FC236}">
-                  <a16:creationId xmlns:a16="http://schemas.microsoft.com/office/drawing/2014/main" xmlns="" id="{B16F8906-918C-BE0B-A4AB-6A1D48150AC7}"/>
+                  <a16:creationId xmlns="" xmlns:a16="http://schemas.microsoft.com/office/drawing/2014/main" id="{B16F8906-918C-BE0B-A4AB-6A1D48150AC7}"/>
                 </a:ext>
               </a:extLst>
             </p:cNvPr>
@@ -14459,7 +14259,7 @@
             </a:ln>
             <a:extLst>
               <a:ext uri="{91240B29-F687-4F45-9708-019B960494DF}">
-                <a14:hiddenLine xmlns:a14="http://schemas.microsoft.com/office/drawing/2010/main" xmlns="" w="9525">
+                <a14:hiddenLine xmlns="" xmlns:a14="http://schemas.microsoft.com/office/drawing/2010/main" w="9525">
                   <a:solidFill>
                     <a:srgbClr val="000000"/>
                   </a:solidFill>
@@ -14517,7 +14317,7 @@
     </p:spTree>
     <p:extLst>
       <p:ext uri="{BB962C8B-B14F-4D97-AF65-F5344CB8AC3E}">
-        <p14:creationId xmlns:p14="http://schemas.microsoft.com/office/powerpoint/2010/main" xmlns="" val="3200312026"/>
+        <p14:creationId xmlns="" xmlns:p14="http://schemas.microsoft.com/office/powerpoint/2010/main" val="3200312026"/>
       </p:ext>
     </p:extLst>
   </p:cSld>
@@ -14556,7 +14356,7 @@
           <p:cNvPr id="7" name="Text Placeholder 6">
             <a:extLst>
               <a:ext uri="{FF2B5EF4-FFF2-40B4-BE49-F238E27FC236}">
-                <a16:creationId xmlns:a16="http://schemas.microsoft.com/office/drawing/2014/main" xmlns="" id="{F70BD87D-F7DA-961B-4024-A354DC87D168}"/>
+                <a16:creationId xmlns="" xmlns:a16="http://schemas.microsoft.com/office/drawing/2014/main" id="{F70BD87D-F7DA-961B-4024-A354DC87D168}"/>
               </a:ext>
             </a:extLst>
           </p:cNvPr>
@@ -14584,34 +14384,16 @@
                 <a:latin typeface="Times New Roman" pitchFamily="18" charset="0"/>
                 <a:cs typeface="Times New Roman" pitchFamily="18" charset="0"/>
               </a:rPr>
-              <a:t>US </a:t>
-            </a:r>
+              <a:t>US With ~2600 titles, the United States leads by a large margin. Far ahead of other countries, nearly 3× more content than the second-ranked(India). Reflects Netflix's roots in the U.S. and its massive Hollywood content catalog. Indicates Netflix still heavily relies on Western and English-language content.</a:t>
+            </a:r>
+          </a:p>
+          <a:p>
             <a:r>
               <a:rPr lang="en-US" sz="1600" dirty="0" smtClean="0">
                 <a:latin typeface="Times New Roman" pitchFamily="18" charset="0"/>
                 <a:cs typeface="Times New Roman" pitchFamily="18" charset="0"/>
               </a:rPr>
-              <a:t>With ~2600 titles, the United States leads by a large margin. Far ahead of other countries, nearly 3× more content than the second-ranked(India). Reflects Netflix's roots in the U.S. and its massive Hollywood content catalog. Indicates Netflix still heavily relies on Western and English-language content.</a:t>
-            </a:r>
-            <a:endParaRPr lang="en-US" sz="1600" dirty="0" smtClean="0">
-              <a:latin typeface="Times New Roman" pitchFamily="18" charset="0"/>
-              <a:cs typeface="Times New Roman" pitchFamily="18" charset="0"/>
-            </a:endParaRPr>
-          </a:p>
-          <a:p>
-            <a:r>
-              <a:rPr lang="en-US" sz="1600" dirty="0" smtClean="0">
-                <a:latin typeface="Times New Roman" pitchFamily="18" charset="0"/>
-                <a:cs typeface="Times New Roman" pitchFamily="18" charset="0"/>
-              </a:rPr>
-              <a:t>India </a:t>
-            </a:r>
-            <a:r>
-              <a:rPr lang="en-US" sz="1600" dirty="0" smtClean="0">
-                <a:latin typeface="Times New Roman" pitchFamily="18" charset="0"/>
-                <a:cs typeface="Times New Roman" pitchFamily="18" charset="0"/>
-              </a:rPr>
-              <a:t>contributes close to 900–1000 titles. Includes a mix of </a:t>
+              <a:t>India contributes close to 900–1000 titles. Includes a mix of </a:t>
             </a:r>
             <a:r>
               <a:rPr lang="en-US" sz="1600" dirty="0" err="1" smtClean="0">
@@ -14627,10 +14409,6 @@
               </a:rPr>
               <a:t> movies, regional-language films, and Indian TV/web series. India is a priority market for Netflix.</a:t>
             </a:r>
-            <a:endParaRPr lang="en-US" sz="1600" dirty="0" smtClean="0">
-              <a:latin typeface="Times New Roman" pitchFamily="18" charset="0"/>
-              <a:cs typeface="Times New Roman" pitchFamily="18" charset="0"/>
-            </a:endParaRPr>
           </a:p>
           <a:p>
             <a:r>
@@ -14638,39 +14416,17 @@
                 <a:latin typeface="Times New Roman" pitchFamily="18" charset="0"/>
                 <a:cs typeface="Times New Roman" pitchFamily="18" charset="0"/>
               </a:rPr>
-              <a:t>Japan </a:t>
-            </a:r>
+              <a:t>Japan and South Korea these countries are major exporters of anime, K-dramas, and local films. Reflects Netflix’s deliberate push into Asian entertainment. Korean content has seen global success. Japan is a leader in anime.</a:t>
+            </a:r>
+          </a:p>
+          <a:p>
             <a:r>
               <a:rPr lang="en-US" sz="1600" dirty="0" smtClean="0">
                 <a:latin typeface="Times New Roman" pitchFamily="18" charset="0"/>
                 <a:cs typeface="Times New Roman" pitchFamily="18" charset="0"/>
               </a:rPr>
-              <a:t>and South Korea these countries are major exporters of anime, K-dramas, and local films. Reflects Netflix’s deliberate push into Asian entertainment. Korean content has seen global success. Japan is a leader in anime.</a:t>
-            </a:r>
-            <a:endParaRPr lang="en-US" sz="1600" dirty="0" smtClean="0">
-              <a:latin typeface="Times New Roman" pitchFamily="18" charset="0"/>
-              <a:cs typeface="Times New Roman" pitchFamily="18" charset="0"/>
-            </a:endParaRPr>
-          </a:p>
-          <a:p>
-            <a:r>
-              <a:rPr lang="en-US" sz="1600" dirty="0" smtClean="0">
-                <a:latin typeface="Times New Roman" pitchFamily="18" charset="0"/>
-                <a:cs typeface="Times New Roman" pitchFamily="18" charset="0"/>
-              </a:rPr>
-              <a:t>Spain </a:t>
-            </a:r>
-            <a:r>
-              <a:rPr lang="en-US" sz="1600" dirty="0" smtClean="0">
-                <a:latin typeface="Times New Roman" pitchFamily="18" charset="0"/>
-                <a:cs typeface="Times New Roman" pitchFamily="18" charset="0"/>
-              </a:rPr>
-              <a:t>and France provide critically acclaimed cinema and series. Egypt rounds out the top 10 with a few hundred titles. Represents Netflix’s investment in Arabic-language content for the Middle East and North Africa (MENA) region.</a:t>
-            </a:r>
-            <a:endParaRPr lang="en-US" sz="1600" dirty="0" smtClean="0">
-              <a:latin typeface="Times New Roman" pitchFamily="18" charset="0"/>
-              <a:cs typeface="Times New Roman" pitchFamily="18" charset="0"/>
-            </a:endParaRPr>
+              <a:t>Spain and France provide critically acclaimed cinema and series. Egypt rounds out the top 10 with a few hundred titles. Represents Netflix’s investment in Arabic-language content for the Middle East and North Africa (MENA) region.</a:t>
+            </a:r>
           </a:p>
         </p:txBody>
       </p:sp>
@@ -14710,7 +14466,7 @@
     </p:spTree>
     <p:extLst>
       <p:ext uri="{BB962C8B-B14F-4D97-AF65-F5344CB8AC3E}">
-        <p14:creationId xmlns:p14="http://schemas.microsoft.com/office/powerpoint/2010/main" xmlns="" val="3200312026"/>
+        <p14:creationId xmlns="" xmlns:p14="http://schemas.microsoft.com/office/powerpoint/2010/main" val="3200312026"/>
       </p:ext>
     </p:extLst>
   </p:cSld>
@@ -14922,7 +14678,7 @@
   <a:extraClrSchemeLst/>
   <a:extLst>
     <a:ext uri="{05A4C25C-085E-4340-85A3-A5531E510DB2}">
-      <thm15:themeFamily xmlns:thm15="http://schemas.microsoft.com/office/thememl/2012/main" xmlns="" name="TM78853419_Win32_SL_V5" id="{958D2C9E-948D-4354-BF9D-DF8AE3C2B240}" vid="{22D4A967-05D2-4D72-8594-54CFF3414833}"/>
+      <thm15:themeFamily xmlns="" xmlns:thm15="http://schemas.microsoft.com/office/thememl/2012/main" name="TM78853419_Win32_SL_V5" id="{958D2C9E-948D-4354-BF9D-DF8AE3C2B240}" vid="{22D4A967-05D2-4D72-8594-54CFF3414833}"/>
     </a:ext>
   </a:extLst>
 </a:theme>
@@ -15217,7 +14973,7 @@
   <a:extraClrSchemeLst/>
   <a:extLst>
     <a:ext uri="{05A4C25C-085E-4340-85A3-A5531E510DB2}">
-      <thm15:themeFamily xmlns:thm15="http://schemas.microsoft.com/office/thememl/2012/main" xmlns="" name="Office Theme" id="{62F939B6-93AF-4DB8-9C6B-D6C7DFDC589F}" vid="{4A3C46E8-61CC-4603-A589-7422A47A8E4A}"/>
+      <thm15:themeFamily xmlns="" xmlns:thm15="http://schemas.microsoft.com/office/thememl/2012/main" name="Office Theme" id="{62F939B6-93AF-4DB8-9C6B-D6C7DFDC589F}" vid="{4A3C46E8-61CC-4603-A589-7422A47A8E4A}"/>
     </a:ext>
   </a:extLst>
 </a:theme>
@@ -15512,42 +15268,13 @@
   <a:extraClrSchemeLst/>
   <a:extLst>
     <a:ext uri="{05A4C25C-085E-4340-85A3-A5531E510DB2}">
-      <thm15:themeFamily xmlns:thm15="http://schemas.microsoft.com/office/thememl/2012/main" xmlns="" name="Office Theme" id="{62F939B6-93AF-4DB8-9C6B-D6C7DFDC589F}" vid="{4A3C46E8-61CC-4603-A589-7422A47A8E4A}"/>
+      <thm15:themeFamily xmlns="" xmlns:thm15="http://schemas.microsoft.com/office/thememl/2012/main" name="Office Theme" id="{62F939B6-93AF-4DB8-9C6B-D6C7DFDC589F}" vid="{4A3C46E8-61CC-4603-A589-7422A47A8E4A}"/>
     </a:ext>
   </a:extLst>
 </a:theme>
 </file>
 
 <file path=customXml/item1.xml><?xml version="1.0" encoding="utf-8"?>
-<p:properties xmlns:p="http://schemas.microsoft.com/office/2006/metadata/properties" xmlns:xsi="http://www.w3.org/2001/XMLSchema-instance" xmlns:pc="http://schemas.microsoft.com/office/infopath/2007/PartnerControls">
-  <documentManagement>
-    <Background xmlns="71af3243-3dd4-4a8d-8c0d-dd76da1f02a5">false</Background>
-    <Status xmlns="71af3243-3dd4-4a8d-8c0d-dd76da1f02a5">Not started</Status>
-    <_ip_UnifiedCompliancePolicyUIAction xmlns="http://schemas.microsoft.com/sharepoint/v3" xsi:nil="true"/>
-    <Image xmlns="71af3243-3dd4-4a8d-8c0d-dd76da1f02a5">
-      <Url xsi:nil="true"/>
-      <Description xsi:nil="true"/>
-    </Image>
-    <_ip_UnifiedCompliancePolicyProperties xmlns="http://schemas.microsoft.com/sharepoint/v3" xsi:nil="true"/>
-    <ImageTagsTaxHTField xmlns="71af3243-3dd4-4a8d-8c0d-dd76da1f02a5">
-      <Terms xmlns="http://schemas.microsoft.com/office/infopath/2007/PartnerControls"/>
-    </ImageTagsTaxHTField>
-    <TaxCatchAll xmlns="230e9df3-be65-4c73-a93b-d1236ebd677e" xsi:nil="true"/>
-    <MediaServiceKeyPoints xmlns="71af3243-3dd4-4a8d-8c0d-dd76da1f02a5" xsi:nil="true"/>
-  </documentManagement>
-</p:properties>
-</file>
-
-<file path=customXml/item2.xml><?xml version="1.0" encoding="utf-8"?>
-<?mso-contentType ?>
-<FormTemplates xmlns="http://schemas.microsoft.com/sharepoint/v3/contenttype/forms">
-  <Display>DocumentLibraryForm</Display>
-  <Edit>DocumentLibraryForm</Edit>
-  <New>DocumentLibraryForm</New>
-</FormTemplates>
-</file>
-
-<file path=customXml/item3.xml><?xml version="1.0" encoding="utf-8"?>
 <ct:contentTypeSchema xmlns:ct="http://schemas.microsoft.com/office/2006/metadata/contentType" xmlns:ma="http://schemas.microsoft.com/office/2006/metadata/properties/metaAttributes" ct:_="" ma:_="" ma:contentTypeName="Document" ma:contentTypeID="0x01010079F111ED35F8CC479449609E8A0923A6" ma:contentTypeVersion="28" ma:contentTypeDescription="Create a new document." ma:contentTypeScope="" ma:versionID="60f5a4f2d2b0abadcf532d48ebf9cb71">
   <xsd:schema xmlns:xsd="http://www.w3.org/2001/XMLSchema" xmlns:xs="http://www.w3.org/2001/XMLSchema" xmlns:p="http://schemas.microsoft.com/office/2006/metadata/properties" xmlns:ns1="http://schemas.microsoft.com/sharepoint/v3" xmlns:ns2="71af3243-3dd4-4a8d-8c0d-dd76da1f02a5" xmlns:ns3="16c05727-aa75-4e4a-9b5f-8a80a1165891" xmlns:ns4="230e9df3-be65-4c73-a93b-d1236ebd677e" targetNamespace="http://schemas.microsoft.com/office/2006/metadata/properties" ma:root="true" ma:fieldsID="7dd78129e6a1811f84807ad11c651531" ns1:_="" ns2:_="" ns3:_="" ns4:_="">
     <xsd:import namespace="http://schemas.microsoft.com/sharepoint/v3"/>
@@ -15859,27 +15586,36 @@
 </ct:contentTypeSchema>
 </file>
 
-<file path=customXml/itemProps1.xml><?xml version="1.0" encoding="utf-8"?>
-<ds:datastoreItem xmlns:ds="http://schemas.openxmlformats.org/officeDocument/2006/customXml" ds:itemID="{CA0FE134-9032-4C7F-BC57-C7DE3F833363}">
-  <ds:schemaRefs>
-    <ds:schemaRef ds:uri="http://schemas.microsoft.com/office/2006/metadata/properties"/>
-    <ds:schemaRef ds:uri="http://schemas.microsoft.com/office/infopath/2007/PartnerControls"/>
-    <ds:schemaRef ds:uri="71af3243-3dd4-4a8d-8c0d-dd76da1f02a5"/>
-    <ds:schemaRef ds:uri="http://schemas.microsoft.com/sharepoint/v3"/>
-    <ds:schemaRef ds:uri="230e9df3-be65-4c73-a93b-d1236ebd677e"/>
-  </ds:schemaRefs>
-</ds:datastoreItem>
+<file path=customXml/item2.xml><?xml version="1.0" encoding="utf-8"?>
+<?mso-contentType ?>
+<FormTemplates xmlns="http://schemas.microsoft.com/sharepoint/v3/contenttype/forms">
+  <Display>DocumentLibraryForm</Display>
+  <Edit>DocumentLibraryForm</Edit>
+  <New>DocumentLibraryForm</New>
+</FormTemplates>
 </file>
 
-<file path=customXml/itemProps2.xml><?xml version="1.0" encoding="utf-8"?>
-<ds:datastoreItem xmlns:ds="http://schemas.openxmlformats.org/officeDocument/2006/customXml" ds:itemID="{36D24F1A-6251-4B9A-A918-7D6F3A8F7E2A}">
-  <ds:schemaRefs>
-    <ds:schemaRef ds:uri="http://schemas.microsoft.com/sharepoint/v3/contenttype/forms"/>
-  </ds:schemaRefs>
-</ds:datastoreItem>
+<file path=customXml/item3.xml><?xml version="1.0" encoding="utf-8"?>
+<p:properties xmlns:p="http://schemas.microsoft.com/office/2006/metadata/properties" xmlns:xsi="http://www.w3.org/2001/XMLSchema-instance" xmlns:pc="http://schemas.microsoft.com/office/infopath/2007/PartnerControls">
+  <documentManagement>
+    <Background xmlns="71af3243-3dd4-4a8d-8c0d-dd76da1f02a5">false</Background>
+    <Status xmlns="71af3243-3dd4-4a8d-8c0d-dd76da1f02a5">Not started</Status>
+    <_ip_UnifiedCompliancePolicyUIAction xmlns="http://schemas.microsoft.com/sharepoint/v3" xsi:nil="true"/>
+    <Image xmlns="71af3243-3dd4-4a8d-8c0d-dd76da1f02a5">
+      <Url xsi:nil="true"/>
+      <Description xsi:nil="true"/>
+    </Image>
+    <_ip_UnifiedCompliancePolicyProperties xmlns="http://schemas.microsoft.com/sharepoint/v3" xsi:nil="true"/>
+    <ImageTagsTaxHTField xmlns="71af3243-3dd4-4a8d-8c0d-dd76da1f02a5">
+      <Terms xmlns="http://schemas.microsoft.com/office/infopath/2007/PartnerControls"/>
+    </ImageTagsTaxHTField>
+    <TaxCatchAll xmlns="230e9df3-be65-4c73-a93b-d1236ebd677e" xsi:nil="true"/>
+    <MediaServiceKeyPoints xmlns="71af3243-3dd4-4a8d-8c0d-dd76da1f02a5" xsi:nil="true"/>
+  </documentManagement>
+</p:properties>
 </file>
 
-<file path=customXml/itemProps3.xml><?xml version="1.0" encoding="utf-8"?>
+<file path=customXml/itemProps1.xml><?xml version="1.0" encoding="utf-8"?>
 <ds:datastoreItem xmlns:ds="http://schemas.openxmlformats.org/officeDocument/2006/customXml" ds:itemID="{A8A8ECD1-788F-484B-9043-D957FCFDF1FA}">
   <ds:schemaRefs>
     <ds:schemaRef ds:uri="http://schemas.microsoft.com/office/2006/metadata/contentType"/>
@@ -15900,6 +15636,26 @@
 </ds:datastoreItem>
 </file>
 
+<file path=customXml/itemProps2.xml><?xml version="1.0" encoding="utf-8"?>
+<ds:datastoreItem xmlns:ds="http://schemas.openxmlformats.org/officeDocument/2006/customXml" ds:itemID="{36D24F1A-6251-4B9A-A918-7D6F3A8F7E2A}">
+  <ds:schemaRefs>
+    <ds:schemaRef ds:uri="http://schemas.microsoft.com/sharepoint/v3/contenttype/forms"/>
+  </ds:schemaRefs>
+</ds:datastoreItem>
+</file>
+
+<file path=customXml/itemProps3.xml><?xml version="1.0" encoding="utf-8"?>
+<ds:datastoreItem xmlns:ds="http://schemas.openxmlformats.org/officeDocument/2006/customXml" ds:itemID="{CA0FE134-9032-4C7F-BC57-C7DE3F833363}">
+  <ds:schemaRefs>
+    <ds:schemaRef ds:uri="http://schemas.microsoft.com/office/2006/metadata/properties"/>
+    <ds:schemaRef ds:uri="http://schemas.microsoft.com/office/infopath/2007/PartnerControls"/>
+    <ds:schemaRef ds:uri="71af3243-3dd4-4a8d-8c0d-dd76da1f02a5"/>
+    <ds:schemaRef ds:uri="http://schemas.microsoft.com/sharepoint/v3"/>
+    <ds:schemaRef ds:uri="230e9df3-be65-4c73-a93b-d1236ebd677e"/>
+  </ds:schemaRefs>
+</ds:datastoreItem>
+</file>
+
 <file path=docMetadata/LabelInfo.xml><?xml version="1.0" encoding="utf-8"?>
 <clbl:labelList xmlns:clbl="http://schemas.microsoft.com/office/2020/mipLabelMetadata"/>
 </file>